--- a/docs/lectures/lecture_03/03_01_lecture_powerpoint.pptx
+++ b/docs/lectures/lecture_03/03_01_lecture_powerpoint.pptx
@@ -30,11 +30,6 @@
     <p:sldId id="278" r:id="rId24"/>
     <p:sldId id="279" r:id="rId25"/>
     <p:sldId id="280" r:id="rId26"/>
-    <p:sldId id="281" r:id="rId27"/>
-    <p:sldId id="282" r:id="rId28"/>
-    <p:sldId id="283" r:id="rId29"/>
-    <p:sldId id="284" r:id="rId30"/>
-    <p:sldId id="285" r:id="rId31"/>
   </p:sldIdLst>
   <p:sldSz cx="9144000" cy="5143500" type="screen16x9"/>
   <p:notesSz cx="6858000" cy="9144000"/>
@@ -3453,7 +3448,7 @@
             <a:pPr lvl="0"/>
             <a:r>
               <a:rPr/>
-              <a:t>i.e., probability of lenght between 10 and 80 = 1</a:t>
+              <a:t>i.e., probability of length between 10 and 80 = 1</a:t>
             </a:r>
           </a:p>
         </p:txBody>
@@ -3563,7 +3558,28 @@
             </a:pPr>
             <a:r>
               <a:rPr/>
-              <a:t>Now we could look at a lot of different ranges of lengths - probability of the lenght larger than the mean - probability of the lenght larger than 70 mm - probabilioty of the lenght between two numbers</a:t>
+              <a:t>Now we could look at a lot of different ranges of lengths</a:t>
+            </a:r>
+          </a:p>
+          <a:p>
+            <a:pPr lvl="0"/>
+            <a:r>
+              <a:rPr/>
+              <a:t>probability of the length larger than the mean</a:t>
+            </a:r>
+          </a:p>
+          <a:p>
+            <a:pPr lvl="0"/>
+            <a:r>
+              <a:rPr/>
+              <a:t>probability of the length larger than 70 mm</a:t>
+            </a:r>
+          </a:p>
+          <a:p>
+            <a:pPr lvl="0"/>
+            <a:r>
+              <a:rPr/>
+              <a:t>probability of the length between two numbers</a:t>
             </a:r>
           </a:p>
         </p:txBody>
@@ -3678,7 +3694,7 @@
             <a:pPr lvl="0"/>
             <a:r>
               <a:rPr/>
-              <a:t>Can define many distributions; some do reasonable job especially whit continuous varaibles</a:t>
+              <a:t>Can define many distributions; some do reasonable job especially whit continuous variables</a:t>
             </a:r>
           </a:p>
           <a:p>
@@ -3816,146 +3832,144 @@
               </a:p>
               <a:p>
                 <a:pPr lvl="0" indent="0" marL="0">
+                  <a:spcBef>
+                    <a:spcPts val="3000"/>
+                  </a:spcBef>
                   <a:buNone/>
                 </a:pPr>
                 <a14:m>
-                  <m:oMathPara xmlns:m="http://schemas.openxmlformats.org/officeDocument/2006/math">
-                    <m:oMathParaPr>
-                      <m:jc m:val="center"/>
-                    </m:oMathParaPr>
-                    <m:oMath>
-                      <m:r>
-                        <m:t>f</m:t>
-                      </m:r>
-                      <m:d>
-                        <m:dPr>
-                          <m:begChr m:val="("/>
-                          <m:endChr m:val=")"/>
-                          <m:sepChr m:val=""/>
-                          <m:grow/>
-                        </m:dPr>
-                        <m:e>
-                          <m:r>
-                            <m:t>y</m:t>
-                          </m:r>
-                        </m:e>
-                      </m:d>
-                      <m:r>
-                        <m:rPr>
-                          <m:sty m:val="p"/>
-                        </m:rPr>
-                        <m:t>=</m:t>
-                      </m:r>
-                      <m:f>
-                        <m:fPr>
-                          <m:type m:val="bar"/>
-                        </m:fPr>
-                        <m:num>
-                          <m:r>
-                            <m:t>1</m:t>
-                          </m:r>
-                        </m:num>
-                        <m:den>
-                          <m:rad>
-                            <m:radPr>
-                              <m:degHide m:val="on"/>
-                            </m:radPr>
-                            <m:deg/>
-                            <m:e>
-                              <m:r>
-                                <m:t>2</m:t>
-                              </m:r>
-                              <m:r>
-                                <m:t>π</m:t>
-                              </m:r>
-                              <m:sSup>
-                                <m:e>
-                                  <m:r>
-                                    <m:t>σ</m:t>
-                                  </m:r>
-                                </m:e>
-                                <m:sup>
-                                  <m:r>
-                                    <m:t>2</m:t>
-                                  </m:r>
-                                </m:sup>
-                              </m:sSup>
-                            </m:e>
-                          </m:rad>
-                        </m:den>
-                      </m:f>
-                      <m:sSup>
-                        <m:e>
-                          <m:r>
-                            <m:t>e</m:t>
-                          </m:r>
-                        </m:e>
-                        <m:sup>
-                          <m:r>
-                            <m:rPr>
-                              <m:sty m:val="p"/>
-                            </m:rPr>
-                            <m:t>−</m:t>
-                          </m:r>
-                          <m:f>
-                            <m:fPr>
-                              <m:type m:val="bar"/>
-                            </m:fPr>
-                            <m:num>
-                              <m:sSup>
-                                <m:e>
-                                  <m:d>
-                                    <m:dPr>
-                                      <m:begChr m:val="("/>
-                                      <m:endChr m:val=")"/>
-                                      <m:sepChr m:val=""/>
-                                      <m:grow/>
-                                    </m:dPr>
-                                    <m:e>
-                                      <m:r>
-                                        <m:t>y</m:t>
-                                      </m:r>
-                                      <m:r>
-                                        <m:rPr>
-                                          <m:sty m:val="p"/>
-                                        </m:rPr>
-                                        <m:t>−</m:t>
-                                      </m:r>
-                                      <m:r>
-                                        <m:t>μ</m:t>
-                                      </m:r>
-                                    </m:e>
-                                  </m:d>
-                                </m:e>
-                                <m:sup>
-                                  <m:r>
-                                    <m:t>2</m:t>
-                                  </m:r>
-                                </m:sup>
-                              </m:sSup>
-                            </m:num>
-                            <m:den>
-                              <m:r>
-                                <m:t>2</m:t>
-                              </m:r>
-                              <m:sSup>
-                                <m:e>
-                                  <m:r>
-                                    <m:t>σ</m:t>
-                                  </m:r>
-                                </m:e>
-                                <m:sup>
-                                  <m:r>
-                                    <m:t>2</m:t>
-                                  </m:r>
-                                </m:sup>
-                              </m:sSup>
-                            </m:den>
-                          </m:f>
-                        </m:sup>
-                      </m:sSup>
-                    </m:oMath>
-                  </m:oMathPara>
+                  <m:oMath xmlns:m="http://schemas.openxmlformats.org/officeDocument/2006/math">
+                    <m:r>
+                      <m:t>f</m:t>
+                    </m:r>
+                    <m:d>
+                      <m:dPr>
+                        <m:begChr m:val="("/>
+                        <m:endChr m:val=")"/>
+                        <m:sepChr m:val=""/>
+                        <m:grow/>
+                      </m:dPr>
+                      <m:e>
+                        <m:r>
+                          <m:t>y</m:t>
+                        </m:r>
+                      </m:e>
+                    </m:d>
+                    <m:r>
+                      <m:rPr>
+                        <m:sty m:val="p"/>
+                      </m:rPr>
+                      <m:t>=</m:t>
+                    </m:r>
+                    <m:f>
+                      <m:fPr>
+                        <m:type m:val="bar"/>
+                      </m:fPr>
+                      <m:num>
+                        <m:r>
+                          <m:t>1</m:t>
+                        </m:r>
+                      </m:num>
+                      <m:den>
+                        <m:rad>
+                          <m:radPr>
+                            <m:degHide m:val="on"/>
+                          </m:radPr>
+                          <m:deg/>
+                          <m:e>
+                            <m:r>
+                              <m:t>2</m:t>
+                            </m:r>
+                            <m:r>
+                              <m:t>π</m:t>
+                            </m:r>
+                            <m:sSup>
+                              <m:e>
+                                <m:r>
+                                  <m:t>σ</m:t>
+                                </m:r>
+                              </m:e>
+                              <m:sup>
+                                <m:r>
+                                  <m:t>2</m:t>
+                                </m:r>
+                              </m:sup>
+                            </m:sSup>
+                          </m:e>
+                        </m:rad>
+                      </m:den>
+                    </m:f>
+                    <m:sSup>
+                      <m:e>
+                        <m:r>
+                          <m:t>e</m:t>
+                        </m:r>
+                      </m:e>
+                      <m:sup>
+                        <m:r>
+                          <m:rPr>
+                            <m:sty m:val="p"/>
+                          </m:rPr>
+                          <m:t>−</m:t>
+                        </m:r>
+                        <m:f>
+                          <m:fPr>
+                            <m:type m:val="bar"/>
+                          </m:fPr>
+                          <m:num>
+                            <m:sSup>
+                              <m:e>
+                                <m:d>
+                                  <m:dPr>
+                                    <m:begChr m:val="("/>
+                                    <m:endChr m:val=")"/>
+                                    <m:sepChr m:val=""/>
+                                    <m:grow/>
+                                  </m:dPr>
+                                  <m:e>
+                                    <m:r>
+                                      <m:t>y</m:t>
+                                    </m:r>
+                                    <m:r>
+                                      <m:rPr>
+                                        <m:sty m:val="p"/>
+                                      </m:rPr>
+                                      <m:t>−</m:t>
+                                    </m:r>
+                                    <m:r>
+                                      <m:t>μ</m:t>
+                                    </m:r>
+                                  </m:e>
+                                </m:d>
+                              </m:e>
+                              <m:sup>
+                                <m:r>
+                                  <m:t>2</m:t>
+                                </m:r>
+                              </m:sup>
+                            </m:sSup>
+                          </m:num>
+                          <m:den>
+                            <m:r>
+                              <m:t>2</m:t>
+                            </m:r>
+                            <m:sSup>
+                              <m:e>
+                                <m:r>
+                                  <m:t>σ</m:t>
+                                </m:r>
+                              </m:e>
+                              <m:sup>
+                                <m:r>
+                                  <m:t>2</m:t>
+                                </m:r>
+                              </m:sup>
+                            </m:sSup>
+                          </m:den>
+                        </m:f>
+                      </m:sup>
+                    </m:sSup>
+                  </m:oMath>
                 </a14:m>
               </a:p>
             </p:txBody>
@@ -4067,7 +4081,6 @@
               <a:rPr/>
               <a:t>Lognormal: right-skewed distribution</a:t>
             </a:r>
-            <a:br/>
           </a:p>
           <a:p>
             <a:pPr lvl="0"/>
@@ -4075,7 +4088,6 @@
               <a:rPr/>
               <a:t>Logarithm of random variable is normally distributed</a:t>
             </a:r>
-            <a:br/>
           </a:p>
           <a:p>
             <a:pPr lvl="0"/>
@@ -4227,7 +4239,7 @@
             </a:pPr>
             <a:r>
               <a:rPr b="1"/>
-              <a:t>In large number of trials: approx. normal distribution</a:t>
+              <a:t>In large number of trials: approximately normal distribution</a:t>
             </a:r>
           </a:p>
         </p:txBody>
@@ -4354,7 +4366,15 @@
             <a:pPr lvl="1"/>
             <a:r>
               <a:rPr b="1" i="1"/>
-              <a:t>Taraxacum officinale - common dandelion</a:t>
+              <a:t>Taraxacum officinale</a:t>
+            </a:r>
+            <a:r>
+              <a:rPr/>
+              <a:t> </a:t>
+            </a:r>
+            <a:r>
+              <a:rPr b="1"/>
+              <a:t>- common dandelion</a:t>
             </a:r>
             <a:r>
               <a:rPr/>
@@ -4685,40 +4705,105 @@
           <a:lstStyle/>
           <a:p>
             <a:pPr lvl="0" indent="0" marL="0">
+              <a:spcBef>
+                <a:spcPts val="3000"/>
+              </a:spcBef>
               <a:buNone/>
             </a:pPr>
             <a:r>
-              <a:rPr/>
-              <a:t>asdfadsf</a:t>
-            </a:r>
-          </a:p>
-        </p:txBody>
-      </p:sp>
-      <p:sp>
-        <p:nvSpPr>
-          <p:cNvPr id="4" name="Content Placeholder 3"/>
-          <p:cNvSpPr>
-            <a:spLocks noGrp="1"/>
-          </p:cNvSpPr>
-          <p:nvPr>
-            <p:ph idx="2" sz="half"/>
-          </p:nvPr>
-        </p:nvSpPr>
-        <p:spPr/>
-        <p:txBody>
-          <a:bodyPr/>
-          <a:lstStyle/>
+              <a:rPr b="1"/>
+              <a:t>Inferential statistics:</a:t>
+            </a:r>
+          </a:p>
+          <a:p>
+            <a:pPr lvl="0"/>
+            <a:r>
+              <a:rPr/>
+              <a:t>inference from samples to populations</a:t>
+            </a:r>
+          </a:p>
           <a:p>
             <a:pPr lvl="0" indent="0" marL="0">
+              <a:spcBef>
+                <a:spcPts val="3000"/>
+              </a:spcBef>
               <a:buNone/>
             </a:pPr>
             <a:r>
-              <a:rPr/>
-              <a:t>asdfasdf</a:t>
-            </a:r>
-          </a:p>
-        </p:txBody>
-      </p:sp>
+              <a:rPr b="1"/>
+              <a:t>Statistical population:</a:t>
+            </a:r>
+          </a:p>
+          <a:p>
+            <a:pPr lvl="0"/>
+            <a:r>
+              <a:rPr/>
+              <a:t>All possible observations of interest</a:t>
+            </a:r>
+          </a:p>
+          <a:p>
+            <a:pPr lvl="0"/>
+            <a:r>
+              <a:rPr/>
+              <a:t>Normally: populations too large to census</a:t>
+            </a:r>
+          </a:p>
+          <a:p>
+            <a:pPr lvl="0" indent="0" marL="0">
+              <a:spcBef>
+                <a:spcPts val="3000"/>
+              </a:spcBef>
+              <a:buNone/>
+            </a:pPr>
+            <a:r>
+              <a:rPr b="1"/>
+              <a:t>Populations are defined in time + space</a:t>
+            </a:r>
+          </a:p>
+          <a:p>
+            <a:pPr lvl="0" indent="0" marL="0">
+              <a:spcBef>
+                <a:spcPts val="3000"/>
+              </a:spcBef>
+              <a:buNone/>
+            </a:pPr>
+            <a:r>
+              <a:rPr b="1"/>
+              <a:t>Examples of statistical populations from you research area?</a:t>
+            </a:r>
+          </a:p>
+        </p:txBody>
+      </p:sp>
+      <p:pic>
+        <p:nvPicPr>
+          <p:cNvPr descr="images/clipboard-2526616735.png" id="0" name="Picture 1"/>
+          <p:cNvPicPr>
+            <a:picLocks noGrp="1" noChangeAspect="1"/>
+          </p:cNvPicPr>
+          <p:nvPr/>
+        </p:nvPicPr>
+        <p:blipFill>
+          <a:blip r:embed="rId2"/>
+          <a:stretch>
+            <a:fillRect/>
+          </a:stretch>
+        </p:blipFill>
+        <p:spPr bwMode="auto">
+          <a:xfrm>
+            <a:off x="6121400" y="1117600"/>
+            <a:ext cx="2781300" cy="3568700"/>
+          </a:xfrm>
+          <a:prstGeom prst="rect">
+            <a:avLst/>
+          </a:prstGeom>
+          <a:noFill/>
+          <a:ln w="9525">
+            <a:noFill/>
+            <a:headEnd/>
+            <a:tailEnd/>
+          </a:ln>
+        </p:spPr>
+      </p:pic>
     </p:spTree>
   </p:cSld>
 </p:sld>
@@ -4790,40 +4875,120 @@
           <a:lstStyle/>
           <a:p>
             <a:pPr lvl="0" indent="0" marL="0">
+              <a:spcBef>
+                <a:spcPts val="3000"/>
+              </a:spcBef>
               <a:buNone/>
             </a:pPr>
             <a:r>
-              <a:rPr/>
-              <a:t>asdfadsf</a:t>
-            </a:r>
-          </a:p>
-        </p:txBody>
-      </p:sp>
-      <p:sp>
-        <p:nvSpPr>
-          <p:cNvPr id="4" name="Content Placeholder 3"/>
-          <p:cNvSpPr>
-            <a:spLocks noGrp="1"/>
-          </p:cNvSpPr>
-          <p:nvPr>
-            <p:ph idx="2" sz="half"/>
-          </p:nvPr>
-        </p:nvSpPr>
-        <p:spPr/>
-        <p:txBody>
-          <a:bodyPr/>
-          <a:lstStyle/>
+              <a:rPr b="1"/>
+              <a:t>Key characteristic of sample is</a:t>
+            </a:r>
+          </a:p>
+          <a:p>
+            <a:pPr lvl="0"/>
+            <a:r>
+              <a:rPr/>
+              <a:t>size (n observations; n = sample size)</a:t>
+            </a:r>
+          </a:p>
           <a:p>
             <a:pPr lvl="0" indent="0" marL="0">
+              <a:spcBef>
+                <a:spcPts val="3000"/>
+              </a:spcBef>
               <a:buNone/>
             </a:pPr>
             <a:r>
-              <a:rPr/>
-              <a:t>asdfasdf</a:t>
-            </a:r>
-          </a:p>
-        </p:txBody>
-      </p:sp>
+              <a:rPr b="1"/>
+              <a:t>Characteristics of population - called parameters</a:t>
+            </a:r>
+          </a:p>
+          <a:p>
+            <a:pPr lvl="0"/>
+            <a:r>
+              <a:rPr/>
+              <a:t>Parameters - Greek letters</a:t>
+            </a:r>
+          </a:p>
+          <a:p>
+            <a:pPr lvl="0" indent="0" marL="0">
+              <a:spcBef>
+                <a:spcPts val="3000"/>
+              </a:spcBef>
+              <a:buNone/>
+            </a:pPr>
+            <a:r>
+              <a:rPr b="1"/>
+              <a:t>Characteristics of samples - statistical estimates of parameters</a:t>
+            </a:r>
+          </a:p>
+          <a:p>
+            <a:pPr lvl="0"/>
+            <a:r>
+              <a:rPr/>
+              <a:t>statistics= Latin letters</a:t>
+            </a:r>
+          </a:p>
+          <a:p>
+            <a:pPr lvl="0" indent="0" marL="0">
+              <a:buNone/>
+            </a:pPr>
+            <a:r>
+              <a:rPr b="1"/>
+              <a:t>Random sampling crucial for</a:t>
+            </a:r>
+          </a:p>
+          <a:p>
+            <a:pPr lvl="0" indent="0" marL="0">
+              <a:buNone/>
+            </a:pPr>
+            <a:r>
+              <a:rPr b="1"/>
+              <a:t>sample -&gt; population</a:t>
+            </a:r>
+          </a:p>
+          <a:p>
+            <a:pPr lvl="0" indent="0" marL="0">
+              <a:buNone/>
+            </a:pPr>
+            <a:r>
+              <a:rPr b="1"/>
+              <a:t>inference statistics -&gt; parameters</a:t>
+            </a:r>
+          </a:p>
+        </p:txBody>
+      </p:sp>
+      <p:pic>
+        <p:nvPicPr>
+          <p:cNvPr descr="images/clipboard-536528302.png" id="0" name="Picture 1"/>
+          <p:cNvPicPr>
+            <a:picLocks noGrp="1" noChangeAspect="1"/>
+          </p:cNvPicPr>
+          <p:nvPr/>
+        </p:nvPicPr>
+        <p:blipFill>
+          <a:blip r:embed="rId2"/>
+          <a:stretch>
+            <a:fillRect/>
+          </a:stretch>
+        </p:blipFill>
+        <p:spPr bwMode="auto">
+          <a:xfrm>
+            <a:off x="6121400" y="889000"/>
+            <a:ext cx="2781300" cy="4013200"/>
+          </a:xfrm>
+          <a:prstGeom prst="rect">
+            <a:avLst/>
+          </a:prstGeom>
+          <a:noFill/>
+          <a:ln w="9525">
+            <a:noFill/>
+            <a:headEnd/>
+            <a:tailEnd/>
+          </a:ln>
+        </p:spPr>
+      </p:pic>
     </p:spTree>
   </p:cSld>
 </p:sld>
@@ -5046,466 +5211,6 @@
             </a:pPr>
             <a:r>
               <a:rPr/>
-              <a:t>Lecture 3: Samples and populations</a:t>
-            </a:r>
-          </a:p>
-        </p:txBody>
-      </p:sp>
-      <p:sp>
-        <p:nvSpPr>
-          <p:cNvPr id="3" name="Content Placeholder 2"/>
-          <p:cNvSpPr>
-            <a:spLocks noGrp="1"/>
-          </p:cNvSpPr>
-          <p:nvPr>
-            <p:ph idx="1" sz="half"/>
-          </p:nvPr>
-        </p:nvSpPr>
-        <p:spPr/>
-        <p:txBody>
-          <a:bodyPr/>
-          <a:lstStyle/>
-          <a:p>
-            <a:pPr lvl="0" indent="0" marL="0">
-              <a:buNone/>
-            </a:pPr>
-            <a:r>
-              <a:rPr/>
-              <a:t>asdfadsf</a:t>
-            </a:r>
-          </a:p>
-        </p:txBody>
-      </p:sp>
-      <p:sp>
-        <p:nvSpPr>
-          <p:cNvPr id="4" name="Content Placeholder 3"/>
-          <p:cNvSpPr>
-            <a:spLocks noGrp="1"/>
-          </p:cNvSpPr>
-          <p:nvPr>
-            <p:ph idx="2" sz="half"/>
-          </p:nvPr>
-        </p:nvSpPr>
-        <p:spPr/>
-        <p:txBody>
-          <a:bodyPr/>
-          <a:lstStyle/>
-          <a:p>
-            <a:pPr lvl="0" indent="0" marL="0">
-              <a:buNone/>
-            </a:pPr>
-            <a:r>
-              <a:rPr/>
-              <a:t>asdfasdf</a:t>
-            </a:r>
-          </a:p>
-        </p:txBody>
-      </p:sp>
-    </p:spTree>
-  </p:cSld>
-</p:sld>
-</file>
-
-<file path=ppt/slides/slide21.xml><?xml version="1.0" encoding="utf-8"?>
-<p:sld xmlns:a="http://schemas.openxmlformats.org/drawingml/2006/main" xmlns:r="http://schemas.openxmlformats.org/officeDocument/2006/relationships" xmlns:p="http://schemas.openxmlformats.org/presentationml/2006/main">
-  <p:cSld>
-    <p:spTree>
-      <p:nvGrpSpPr>
-        <p:cNvPr id="1" name=""/>
-        <p:cNvGrpSpPr/>
-        <p:nvPr/>
-      </p:nvGrpSpPr>
-      <p:grpSpPr>
-        <a:xfrm>
-          <a:off x="0" y="0"/>
-          <a:ext cx="0" cy="0"/>
-          <a:chOff x="0" y="0"/>
-          <a:chExt cx="0" cy="0"/>
-        </a:xfrm>
-      </p:grpSpPr>
-      <p:sp>
-        <p:nvSpPr>
-          <p:cNvPr id="2" name="Title 1"/>
-          <p:cNvSpPr>
-            <a:spLocks noGrp="1"/>
-          </p:cNvSpPr>
-          <p:nvPr>
-            <p:ph type="title"/>
-          </p:nvPr>
-        </p:nvSpPr>
-        <p:spPr>
-          <a:xfrm>
-            <a:off x="0" y="0"/>
-            <a:ext cx="9144000" cy="602780"/>
-          </a:xfrm>
-          <a:solidFill>
-            <a:srgbClr val="70121D"/>
-          </a:solidFill>
-        </p:spPr>
-        <p:txBody>
-          <a:bodyPr/>
-          <a:lstStyle/>
-          <a:p>
-            <a:pPr lvl="0" indent="0" marL="0">
-              <a:buNone/>
-            </a:pPr>
-            <a:r>
-              <a:rPr/>
-              <a:t>Lecture 3: Samples and populations</a:t>
-            </a:r>
-          </a:p>
-        </p:txBody>
-      </p:sp>
-      <p:sp>
-        <p:nvSpPr>
-          <p:cNvPr id="3" name="Content Placeholder 2"/>
-          <p:cNvSpPr>
-            <a:spLocks noGrp="1"/>
-          </p:cNvSpPr>
-          <p:nvPr>
-            <p:ph idx="1" sz="half"/>
-          </p:nvPr>
-        </p:nvSpPr>
-        <p:spPr/>
-        <p:txBody>
-          <a:bodyPr/>
-          <a:lstStyle/>
-          <a:p>
-            <a:pPr lvl="0" indent="0" marL="0">
-              <a:spcBef>
-                <a:spcPts val="3000"/>
-              </a:spcBef>
-              <a:buNone/>
-            </a:pPr>
-            <a:r>
-              <a:rPr b="1"/>
-              <a:t>Inferential statistics:</a:t>
-            </a:r>
-          </a:p>
-          <a:p>
-            <a:pPr lvl="0"/>
-            <a:r>
-              <a:rPr/>
-              <a:t>inference from samples to populations</a:t>
-            </a:r>
-          </a:p>
-          <a:p>
-            <a:pPr lvl="0" indent="0" marL="0">
-              <a:spcBef>
-                <a:spcPts val="3000"/>
-              </a:spcBef>
-              <a:buNone/>
-            </a:pPr>
-            <a:r>
-              <a:rPr b="1"/>
-              <a:t>Statistical population:</a:t>
-            </a:r>
-          </a:p>
-          <a:p>
-            <a:pPr lvl="0"/>
-            <a:r>
-              <a:rPr/>
-              <a:t>All possible observations of interest</a:t>
-            </a:r>
-          </a:p>
-          <a:p>
-            <a:pPr lvl="0"/>
-            <a:r>
-              <a:rPr/>
-              <a:t>Normally: populations too large to census</a:t>
-            </a:r>
-          </a:p>
-          <a:p>
-            <a:pPr lvl="0" indent="0" marL="0">
-              <a:spcBef>
-                <a:spcPts val="3000"/>
-              </a:spcBef>
-              <a:buNone/>
-            </a:pPr>
-            <a:r>
-              <a:rPr b="1"/>
-              <a:t>Populations are defined in time + space</a:t>
-            </a:r>
-          </a:p>
-          <a:p>
-            <a:pPr lvl="0" indent="0" marL="0">
-              <a:spcBef>
-                <a:spcPts val="3000"/>
-              </a:spcBef>
-              <a:buNone/>
-            </a:pPr>
-            <a:r>
-              <a:rPr b="1"/>
-              <a:t>Examples of statistical populations from you research area?</a:t>
-            </a:r>
-          </a:p>
-        </p:txBody>
-      </p:sp>
-      <p:pic>
-        <p:nvPicPr>
-          <p:cNvPr descr="images/clipboard-2526616735.png" id="0" name="Picture 1"/>
-          <p:cNvPicPr>
-            <a:picLocks noGrp="1" noChangeAspect="1"/>
-          </p:cNvPicPr>
-          <p:nvPr/>
-        </p:nvPicPr>
-        <p:blipFill>
-          <a:blip r:embed="rId2"/>
-          <a:stretch>
-            <a:fillRect/>
-          </a:stretch>
-        </p:blipFill>
-        <p:spPr bwMode="auto">
-          <a:xfrm>
-            <a:off x="6121400" y="1117600"/>
-            <a:ext cx="2781300" cy="3568700"/>
-          </a:xfrm>
-          <a:prstGeom prst="rect">
-            <a:avLst/>
-          </a:prstGeom>
-          <a:noFill/>
-          <a:ln w="9525">
-            <a:noFill/>
-            <a:headEnd/>
-            <a:tailEnd/>
-          </a:ln>
-        </p:spPr>
-      </p:pic>
-    </p:spTree>
-  </p:cSld>
-</p:sld>
-</file>
-
-<file path=ppt/slides/slide22.xml><?xml version="1.0" encoding="utf-8"?>
-<p:sld xmlns:a="http://schemas.openxmlformats.org/drawingml/2006/main" xmlns:r="http://schemas.openxmlformats.org/officeDocument/2006/relationships" xmlns:p="http://schemas.openxmlformats.org/presentationml/2006/main">
-  <p:cSld>
-    <p:spTree>
-      <p:nvGrpSpPr>
-        <p:cNvPr id="1" name=""/>
-        <p:cNvGrpSpPr/>
-        <p:nvPr/>
-      </p:nvGrpSpPr>
-      <p:grpSpPr>
-        <a:xfrm>
-          <a:off x="0" y="0"/>
-          <a:ext cx="0" cy="0"/>
-          <a:chOff x="0" y="0"/>
-          <a:chExt cx="0" cy="0"/>
-        </a:xfrm>
-      </p:grpSpPr>
-      <p:sp>
-        <p:nvSpPr>
-          <p:cNvPr id="2" name="Title 1"/>
-          <p:cNvSpPr>
-            <a:spLocks noGrp="1"/>
-          </p:cNvSpPr>
-          <p:nvPr>
-            <p:ph type="title"/>
-          </p:nvPr>
-        </p:nvSpPr>
-        <p:spPr>
-          <a:xfrm>
-            <a:off x="0" y="0"/>
-            <a:ext cx="9144000" cy="602780"/>
-          </a:xfrm>
-          <a:solidFill>
-            <a:srgbClr val="70121D"/>
-          </a:solidFill>
-        </p:spPr>
-        <p:txBody>
-          <a:bodyPr/>
-          <a:lstStyle/>
-          <a:p>
-            <a:pPr lvl="0" indent="0" marL="0">
-              <a:buNone/>
-            </a:pPr>
-            <a:r>
-              <a:rPr/>
-              <a:t>Lecture 3: Samples and populations</a:t>
-            </a:r>
-          </a:p>
-        </p:txBody>
-      </p:sp>
-      <p:sp>
-        <p:nvSpPr>
-          <p:cNvPr id="3" name="Content Placeholder 2"/>
-          <p:cNvSpPr>
-            <a:spLocks noGrp="1"/>
-          </p:cNvSpPr>
-          <p:nvPr>
-            <p:ph idx="1" sz="half"/>
-          </p:nvPr>
-        </p:nvSpPr>
-        <p:spPr/>
-        <p:txBody>
-          <a:bodyPr/>
-          <a:lstStyle/>
-          <a:p>
-            <a:pPr lvl="0" indent="0" marL="0">
-              <a:spcBef>
-                <a:spcPts val="3000"/>
-              </a:spcBef>
-              <a:buNone/>
-            </a:pPr>
-            <a:r>
-              <a:rPr b="1"/>
-              <a:t>Key characteristic of sample is</a:t>
-            </a:r>
-          </a:p>
-          <a:p>
-            <a:pPr lvl="0"/>
-            <a:r>
-              <a:rPr/>
-              <a:t>size (n observations; n = sample size)</a:t>
-            </a:r>
-          </a:p>
-          <a:p>
-            <a:pPr lvl="0" indent="0" marL="0">
-              <a:spcBef>
-                <a:spcPts val="3000"/>
-              </a:spcBef>
-              <a:buNone/>
-            </a:pPr>
-            <a:r>
-              <a:rPr b="1"/>
-              <a:t>Characteristics of population - called parameters</a:t>
-            </a:r>
-          </a:p>
-          <a:p>
-            <a:pPr lvl="0"/>
-            <a:r>
-              <a:rPr/>
-              <a:t>Parameters - Greek letters</a:t>
-            </a:r>
-          </a:p>
-          <a:p>
-            <a:pPr lvl="0" indent="0" marL="0">
-              <a:spcBef>
-                <a:spcPts val="3000"/>
-              </a:spcBef>
-              <a:buNone/>
-            </a:pPr>
-            <a:r>
-              <a:rPr b="1"/>
-              <a:t>Characteristics of samples - statistical estimates of parameters</a:t>
-            </a:r>
-          </a:p>
-          <a:p>
-            <a:pPr lvl="0"/>
-            <a:r>
-              <a:rPr/>
-              <a:t>statistics= Latin letters</a:t>
-            </a:r>
-          </a:p>
-          <a:p>
-            <a:pPr lvl="0" indent="0" marL="0">
-              <a:buNone/>
-            </a:pPr>
-            <a:r>
-              <a:rPr b="1"/>
-              <a:t>Random sampling crucial for</a:t>
-            </a:r>
-          </a:p>
-          <a:p>
-            <a:pPr lvl="0" indent="0" marL="0">
-              <a:buNone/>
-            </a:pPr>
-            <a:r>
-              <a:rPr b="1"/>
-              <a:t>sample -&gt; population</a:t>
-            </a:r>
-          </a:p>
-          <a:p>
-            <a:pPr lvl="0" indent="0" marL="0">
-              <a:buNone/>
-            </a:pPr>
-            <a:r>
-              <a:rPr b="1"/>
-              <a:t>inference statistics -&gt; parameters</a:t>
-            </a:r>
-          </a:p>
-        </p:txBody>
-      </p:sp>
-      <p:pic>
-        <p:nvPicPr>
-          <p:cNvPr descr="images/clipboard-536528302.png" id="0" name="Picture 1"/>
-          <p:cNvPicPr>
-            <a:picLocks noGrp="1" noChangeAspect="1"/>
-          </p:cNvPicPr>
-          <p:nvPr/>
-        </p:nvPicPr>
-        <p:blipFill>
-          <a:blip r:embed="rId2"/>
-          <a:stretch>
-            <a:fillRect/>
-          </a:stretch>
-        </p:blipFill>
-        <p:spPr bwMode="auto">
-          <a:xfrm>
-            <a:off x="6121400" y="889000"/>
-            <a:ext cx="2781300" cy="4013200"/>
-          </a:xfrm>
-          <a:prstGeom prst="rect">
-            <a:avLst/>
-          </a:prstGeom>
-          <a:noFill/>
-          <a:ln w="9525">
-            <a:noFill/>
-            <a:headEnd/>
-            <a:tailEnd/>
-          </a:ln>
-        </p:spPr>
-      </p:pic>
-    </p:spTree>
-  </p:cSld>
-</p:sld>
-</file>
-
-<file path=ppt/slides/slide23.xml><?xml version="1.0" encoding="utf-8"?>
-<p:sld xmlns:a="http://schemas.openxmlformats.org/drawingml/2006/main" xmlns:r="http://schemas.openxmlformats.org/officeDocument/2006/relationships" xmlns:p="http://schemas.openxmlformats.org/presentationml/2006/main">
-  <p:cSld>
-    <p:spTree>
-      <p:nvGrpSpPr>
-        <p:cNvPr id="1" name=""/>
-        <p:cNvGrpSpPr/>
-        <p:nvPr/>
-      </p:nvGrpSpPr>
-      <p:grpSpPr>
-        <a:xfrm>
-          <a:off x="0" y="0"/>
-          <a:ext cx="0" cy="0"/>
-          <a:chOff x="0" y="0"/>
-          <a:chExt cx="0" cy="0"/>
-        </a:xfrm>
-      </p:grpSpPr>
-      <p:sp>
-        <p:nvSpPr>
-          <p:cNvPr id="2" name="Title 1"/>
-          <p:cNvSpPr>
-            <a:spLocks noGrp="1"/>
-          </p:cNvSpPr>
-          <p:nvPr>
-            <p:ph type="title"/>
-          </p:nvPr>
-        </p:nvSpPr>
-        <p:spPr>
-          <a:xfrm>
-            <a:off x="0" y="0"/>
-            <a:ext cx="9144000" cy="602780"/>
-          </a:xfrm>
-          <a:solidFill>
-            <a:srgbClr val="70121D"/>
-          </a:solidFill>
-        </p:spPr>
-        <p:txBody>
-          <a:bodyPr/>
-          <a:lstStyle/>
-          <a:p>
-            <a:pPr lvl="0" indent="0" marL="0">
-              <a:buNone/>
-            </a:pPr>
-            <a:r>
-              <a:rPr/>
               <a:t>Lecture 3: Parameters and statistics</a:t>
             </a:r>
           </a:p>
@@ -5561,6 +5266,15 @@
             <p:txBody>
               <a:bodyPr/>
               <a:lstStyle/>
+              <a:p>
+                <a:pPr lvl="0" indent="0" marL="0">
+                  <a:buNone/>
+                </a:pPr>
+                <a:r>
+                  <a:rPr b="1"/>
+                  <a:t>Mean</a:t>
+                </a:r>
+              </a:p>
               <a:p>
                 <a:pPr lvl="0" indent="0" marL="0">
                   <a:spcBef>
@@ -5637,76 +5351,12 @@
               </a:p>
               <a:p>
                 <a:pPr lvl="0" indent="0" marL="0">
-                  <a:spcBef>
-                    <a:spcPts val="3000"/>
-                  </a:spcBef>
                   <a:buNone/>
                 </a:pPr>
                 <a:r>
                   <a:rPr b="1"/>
-                  <a:t>Formula for n odd </a:t>
+                  <a:t>Formula for n odd</a:t>
                 </a:r>
-                <a14:m>
-                  <m:oMath xmlns:m="http://schemas.openxmlformats.org/officeDocument/2006/math">
-                    <m:sSub>
-                      <m:e>
-                        <m:r>
-                          <m:t>Y</m:t>
-                        </m:r>
-                      </m:e>
-                      <m:sub>
-                        <m:d>
-                          <m:dPr>
-                            <m:begChr m:val="("/>
-                            <m:endChr m:val=")"/>
-                            <m:sepChr m:val=""/>
-                            <m:grow/>
-                          </m:dPr>
-                          <m:e>
-                            <m:r>
-                              <m:t>n</m:t>
-                            </m:r>
-                            <m:r>
-                              <m:rPr>
-                                <m:sty m:val="p"/>
-                              </m:rPr>
-                              <m:t>+</m:t>
-                            </m:r>
-                            <m:r>
-                              <m:t>1</m:t>
-                            </m:r>
-                          </m:e>
-                        </m:d>
-                        <m:r>
-                          <m:rPr>
-                            <m:sty m:val="p"/>
-                          </m:rPr>
-                          <m:t>/</m:t>
-                        </m:r>
-                        <m:r>
-                          <m:t>2</m:t>
-                        </m:r>
-                      </m:sub>
-                    </m:sSub>
-                    <m:r>
-                      <m:rPr>
-                        <m:nor/>
-                        <m:sty m:val="p"/>
-                      </m:rPr>
-                      <m:t> if </m:t>
-                    </m:r>
-                    <m:r>
-                      <m:t>n</m:t>
-                    </m:r>
-                    <m:r>
-                      <m:rPr>
-                        <m:nor/>
-                        <m:sty m:val="p"/>
-                      </m:rPr>
-                      <m:t> odd</m:t>
-                    </m:r>
-                  </m:oMath>
-                </a14:m>
               </a:p>
               <a:p>
                 <a:pPr lvl="0" indent="0" marL="0">
@@ -5715,12 +5365,83 @@
                   </a:spcBef>
                   <a:buNone/>
                 </a:pPr>
+                <a14:m>
+                  <m:oMath xmlns:m="http://schemas.openxmlformats.org/officeDocument/2006/math">
+                    <m:r>
+                      <m:rPr>
+                        <m:nor/>
+                        <m:sty m:val="p"/>
+                      </m:rPr>
+                      <m:t>median = </m:t>
+                    </m:r>
+                    <m:r>
+                      <m:t>Y</m:t>
+                    </m:r>
+                    <m:r>
+                      <m:rPr>
+                        <m:sty m:val="p"/>
+                      </m:rPr>
+                      <m:t>_</m:t>
+                    </m:r>
+                    <m:d>
+                      <m:dPr>
+                        <m:begChr m:val="("/>
+                        <m:endChr m:val=")"/>
+                        <m:sepChr m:val=""/>
+                        <m:grow/>
+                      </m:dPr>
+                      <m:e>
+                        <m:r>
+                          <m:t>n</m:t>
+                        </m:r>
+                        <m:r>
+                          <m:rPr>
+                            <m:sty m:val="p"/>
+                          </m:rPr>
+                          <m:t>+</m:t>
+                        </m:r>
+                        <m:r>
+                          <m:t>1</m:t>
+                        </m:r>
+                      </m:e>
+                    </m:d>
+                    <m:r>
+                      <m:rPr>
+                        <m:sty m:val="p"/>
+                      </m:rPr>
+                      <m:t>/</m:t>
+                    </m:r>
+                    <m:r>
+                      <m:t>2</m:t>
+                    </m:r>
+                  </m:oMath>
+                </a14:m>
+              </a:p>
+              <a:p>
+                <a:pPr lvl="0" indent="0" marL="0">
+                  <a:buNone/>
+                </a:pPr>
                 <a:r>
                   <a:rPr b="1"/>
-                  <a:t>Formula for n even </a:t>
+                  <a:t>Formula for n even</a:t>
                 </a:r>
+              </a:p>
+              <a:p>
+                <a:pPr lvl="0" indent="0" marL="0">
+                  <a:spcBef>
+                    <a:spcPts val="3000"/>
+                  </a:spcBef>
+                  <a:buNone/>
+                </a:pPr>
                 <a14:m>
                   <m:oMath xmlns:m="http://schemas.openxmlformats.org/officeDocument/2006/math">
+                    <m:r>
+                      <m:rPr>
+                        <m:nor/>
+                        <m:sty m:val="p"/>
+                      </m:rPr>
+                      <m:t>median = </m:t>
+                    </m:r>
                     <m:f>
                       <m:fPr>
                         <m:type m:val="bar"/>
@@ -5800,23 +5521,6 @@
                         </m:r>
                       </m:den>
                     </m:f>
-                    <m:r>
-                      <m:rPr>
-                        <m:nor/>
-                        <m:sty m:val="p"/>
-                      </m:rPr>
-                      <m:t> if </m:t>
-                    </m:r>
-                    <m:r>
-                      <m:t>n</m:t>
-                    </m:r>
-                    <m:r>
-                      <m:rPr>
-                        <m:nor/>
-                        <m:sty m:val="p"/>
-                      </m:rPr>
-                      <m:t> even</m:t>
-                    </m:r>
                   </m:oMath>
                 </a14:m>
               </a:p>
@@ -5829,136 +5533,7 @@
 </p:sld>
 </file>
 
-<file path=ppt/slides/slide24.xml><?xml version="1.0" encoding="utf-8"?>
-<p:sld xmlns:a="http://schemas.openxmlformats.org/drawingml/2006/main" xmlns:r="http://schemas.openxmlformats.org/officeDocument/2006/relationships" xmlns:p="http://schemas.openxmlformats.org/presentationml/2006/main">
-  <p:cSld>
-    <p:spTree>
-      <p:nvGrpSpPr>
-        <p:cNvPr id="1" name=""/>
-        <p:cNvGrpSpPr/>
-        <p:nvPr/>
-      </p:nvGrpSpPr>
-      <p:grpSpPr>
-        <a:xfrm>
-          <a:off x="0" y="0"/>
-          <a:ext cx="0" cy="0"/>
-          <a:chOff x="0" y="0"/>
-          <a:chExt cx="0" cy="0"/>
-        </a:xfrm>
-      </p:grpSpPr>
-      <p:sp>
-        <p:nvSpPr>
-          <p:cNvPr id="2" name="Title 1"/>
-          <p:cNvSpPr>
-            <a:spLocks noGrp="1"/>
-          </p:cNvSpPr>
-          <p:nvPr>
-            <p:ph type="title"/>
-          </p:nvPr>
-        </p:nvSpPr>
-        <p:spPr>
-          <a:xfrm>
-            <a:off x="0" y="0"/>
-            <a:ext cx="9144000" cy="582780"/>
-          </a:xfrm>
-        </p:spPr>
-        <p:txBody>
-          <a:bodyPr/>
-          <a:lstStyle/>
-          <a:p>
-            <a:pPr lvl="0" indent="0" marL="0">
-              <a:buNone/>
-            </a:pPr>
-            <a:r>
-              <a:rPr/>
-              <a:t>Lecture 3: Parameters and statistics</a:t>
-            </a:r>
-          </a:p>
-        </p:txBody>
-      </p:sp>
-      <p:pic>
-        <p:nvPicPr>
-          <p:cNvPr descr="images/clipboard-3257239263.png" id="0" name="Picture 1"/>
-          <p:cNvPicPr>
-            <a:picLocks noGrp="1" noChangeAspect="1"/>
-          </p:cNvPicPr>
-          <p:nvPr/>
-        </p:nvPicPr>
-        <p:blipFill>
-          <a:blip r:embed="rId2"/>
-          <a:stretch>
-            <a:fillRect/>
-          </a:stretch>
-        </p:blipFill>
-        <p:spPr bwMode="auto">
-          <a:xfrm>
-            <a:off x="0" y="635000"/>
-            <a:ext cx="9080500" cy="3860800"/>
-          </a:xfrm>
-          <a:prstGeom prst="rect">
-            <a:avLst/>
-          </a:prstGeom>
-          <a:noFill/>
-          <a:ln w="9525">
-            <a:noFill/>
-            <a:headEnd/>
-            <a:tailEnd/>
-          </a:ln>
-        </p:spPr>
-      </p:pic>
-    </p:spTree>
-  </p:cSld>
-</p:sld>
-</file>
-
-<file path=ppt/slides/slide25.xml><?xml version="1.0" encoding="utf-8"?>
-<p:sld xmlns:a="http://schemas.openxmlformats.org/drawingml/2006/main" xmlns:r="http://schemas.openxmlformats.org/officeDocument/2006/relationships" xmlns:p="http://schemas.openxmlformats.org/presentationml/2006/main">
-  <p:cSld>
-    <p:spTree>
-      <p:nvGrpSpPr>
-        <p:cNvPr id="1" name=""/>
-        <p:cNvGrpSpPr/>
-        <p:nvPr/>
-      </p:nvGrpSpPr>
-      <p:grpSpPr>
-        <a:xfrm>
-          <a:off x="0" y="0"/>
-          <a:ext cx="0" cy="0"/>
-          <a:chOff x="0" y="0"/>
-          <a:chExt cx="0" cy="0"/>
-        </a:xfrm>
-      </p:grpSpPr>
-      <p:sp>
-        <p:nvSpPr>
-          <p:cNvPr id="3" name="Content Placeholder 2"/>
-          <p:cNvSpPr>
-            <a:spLocks noGrp="1"/>
-          </p:cNvSpPr>
-          <p:nvPr>
-            <p:ph idx="1"/>
-          </p:nvPr>
-        </p:nvSpPr>
-        <p:spPr/>
-        <p:txBody>
-          <a:bodyPr/>
-          <a:lstStyle/>
-          <a:p>
-            <a:pPr lvl="0" indent="0" marL="0">
-              <a:buNone/>
-            </a:pPr>
-            <a:r>
-              <a:rPr/>
-              <a:t>d</a:t>
-            </a:r>
-          </a:p>
-        </p:txBody>
-      </p:sp>
-    </p:spTree>
-  </p:cSld>
-</p:sld>
-</file>
-
-<file path=ppt/slides/slide26.xml><?xml version="1.0" encoding="utf-8"?>
+<file path=ppt/slides/slide21.xml><?xml version="1.0" encoding="utf-8"?>
 <p:sld xmlns:a="http://schemas.openxmlformats.org/drawingml/2006/main" xmlns:r="http://schemas.openxmlformats.org/officeDocument/2006/relationships" xmlns:p="http://schemas.openxmlformats.org/presentationml/2006/main">
   <p:cSld>
     <p:spTree>
@@ -6225,7 +5800,7 @@
 </p:sld>
 </file>
 
-<file path=ppt/slides/slide27.xml><?xml version="1.0" encoding="utf-8"?>
+<file path=ppt/slides/slide22.xml><?xml version="1.0" encoding="utf-8"?>
 <p:sld xmlns:a="http://schemas.openxmlformats.org/drawingml/2006/main" xmlns:r="http://schemas.openxmlformats.org/officeDocument/2006/relationships" xmlns:p="http://schemas.openxmlformats.org/presentationml/2006/main">
   <p:cSld>
     <p:spTree>
@@ -6357,7 +5932,7 @@
 </p:sld>
 </file>
 
-<file path=ppt/slides/slide28.xml><?xml version="1.0" encoding="utf-8"?>
+<file path=ppt/slides/slide23.xml><?xml version="1.0" encoding="utf-8"?>
 <p:sld xmlns:a="http://schemas.openxmlformats.org/drawingml/2006/main" xmlns:r="http://schemas.openxmlformats.org/officeDocument/2006/relationships" xmlns:p="http://schemas.openxmlformats.org/presentationml/2006/main">
   <p:cSld>
     <p:spTree>
@@ -6502,6 +6077,24 @@
                 </a:pPr>
                 <a14:m>
                   <m:oMath xmlns:m="http://schemas.openxmlformats.org/officeDocument/2006/math">
+                    <m:sSup>
+                      <m:e>
+                        <m:r>
+                          <m:t>s</m:t>
+                        </m:r>
+                      </m:e>
+                      <m:sup>
+                        <m:r>
+                          <m:t>2</m:t>
+                        </m:r>
+                      </m:sup>
+                    </m:sSup>
+                    <m:r>
+                      <m:rPr>
+                        <m:sty m:val="p"/>
+                      </m:rPr>
+                      <m:t>=</m:t>
+                    </m:r>
                     <m:rad>
                       <m:radPr>
                         <m:degHide m:val="on"/>
@@ -6619,6 +6212,19 @@
                 </a:pPr>
                 <a14:m>
                   <m:oMath xmlns:m="http://schemas.openxmlformats.org/officeDocument/2006/math">
+                    <m:r>
+                      <m:rPr>
+                        <m:nor/>
+                        <m:sty m:val="p"/>
+                      </m:rPr>
+                      <m:t>Coefficient of variation</m:t>
+                    </m:r>
+                    <m:r>
+                      <m:rPr>
+                        <m:sty m:val="p"/>
+                      </m:rPr>
+                      <m:t>=</m:t>
+                    </m:r>
                     <m:f>
                       <m:fPr>
                         <m:type m:val="bar"/>
@@ -6642,7 +6248,10 @@
                       </m:den>
                     </m:f>
                     <m:r>
-                      <m:t>X</m:t>
+                      <m:rPr>
+                        <m:sty m:val="p"/>
+                      </m:rPr>
+                      <m:t>×</m:t>
                     </m:r>
                     <m:r>
                       <m:t>100</m:t>
@@ -6659,7 +6268,7 @@
 </p:sld>
 </file>
 
-<file path=ppt/slides/slide29.xml><?xml version="1.0" encoding="utf-8"?>
+<file path=ppt/slides/slide24.xml><?xml version="1.0" encoding="utf-8"?>
 <p:sld xmlns:a="http://schemas.openxmlformats.org/drawingml/2006/main" xmlns:r="http://schemas.openxmlformats.org/officeDocument/2006/relationships" xmlns:p="http://schemas.openxmlformats.org/presentationml/2006/main">
   <p:cSld>
     <p:spTree>
@@ -6777,6 +6386,88 @@
           </a:p>
         </p:txBody>
       </p:sp>
+    </p:spTree>
+  </p:cSld>
+</p:sld>
+</file>
+
+<file path=ppt/slides/slide25.xml><?xml version="1.0" encoding="utf-8"?>
+<p:sld xmlns:a="http://schemas.openxmlformats.org/drawingml/2006/main" xmlns:r="http://schemas.openxmlformats.org/officeDocument/2006/relationships" xmlns:p="http://schemas.openxmlformats.org/presentationml/2006/main">
+  <p:cSld>
+    <p:spTree>
+      <p:nvGrpSpPr>
+        <p:cNvPr id="1" name=""/>
+        <p:cNvGrpSpPr/>
+        <p:nvPr/>
+      </p:nvGrpSpPr>
+      <p:grpSpPr>
+        <a:xfrm>
+          <a:off x="0" y="0"/>
+          <a:ext cx="0" cy="0"/>
+          <a:chOff x="0" y="0"/>
+          <a:chExt cx="0" cy="0"/>
+        </a:xfrm>
+      </p:grpSpPr>
+      <p:sp>
+        <p:nvSpPr>
+          <p:cNvPr id="2" name="Title 1"/>
+          <p:cNvSpPr>
+            <a:spLocks noGrp="1"/>
+          </p:cNvSpPr>
+          <p:nvPr>
+            <p:ph type="title"/>
+          </p:nvPr>
+        </p:nvSpPr>
+        <p:spPr>
+          <a:xfrm>
+            <a:off x="0" y="0"/>
+            <a:ext cx="9144000" cy="582780"/>
+          </a:xfrm>
+        </p:spPr>
+        <p:txBody>
+          <a:bodyPr/>
+          <a:lstStyle/>
+          <a:p>
+            <a:pPr lvl="0" indent="0" marL="0">
+              <a:buNone/>
+            </a:pPr>
+            <a:r>
+              <a:rPr/>
+              <a:t>Lecture 3: Estimation</a:t>
+            </a:r>
+          </a:p>
+        </p:txBody>
+      </p:sp>
+      <p:pic>
+        <p:nvPicPr>
+          <p:cNvPr descr="images/clipboard-536528302.png" id="0" name="Picture 1"/>
+          <p:cNvPicPr>
+            <a:picLocks noGrp="1" noChangeAspect="1"/>
+          </p:cNvPicPr>
+          <p:nvPr/>
+        </p:nvPicPr>
+        <p:blipFill>
+          <a:blip r:embed="rId2"/>
+          <a:stretch>
+            <a:fillRect/>
+          </a:stretch>
+        </p:blipFill>
+        <p:spPr bwMode="auto">
+          <a:xfrm>
+            <a:off x="3187700" y="609600"/>
+            <a:ext cx="2717800" cy="3911600"/>
+          </a:xfrm>
+          <a:prstGeom prst="rect">
+            <a:avLst/>
+          </a:prstGeom>
+          <a:noFill/>
+          <a:ln w="9525">
+            <a:noFill/>
+            <a:headEnd/>
+            <a:tailEnd/>
+          </a:ln>
+        </p:spPr>
+      </p:pic>
     </p:spTree>
   </p:cSld>
 </p:sld>
@@ -6955,88 +6646,6 @@
 </p:sld>
 </file>
 
-<file path=ppt/slides/slide30.xml><?xml version="1.0" encoding="utf-8"?>
-<p:sld xmlns:a="http://schemas.openxmlformats.org/drawingml/2006/main" xmlns:r="http://schemas.openxmlformats.org/officeDocument/2006/relationships" xmlns:p="http://schemas.openxmlformats.org/presentationml/2006/main">
-  <p:cSld>
-    <p:spTree>
-      <p:nvGrpSpPr>
-        <p:cNvPr id="1" name=""/>
-        <p:cNvGrpSpPr/>
-        <p:nvPr/>
-      </p:nvGrpSpPr>
-      <p:grpSpPr>
-        <a:xfrm>
-          <a:off x="0" y="0"/>
-          <a:ext cx="0" cy="0"/>
-          <a:chOff x="0" y="0"/>
-          <a:chExt cx="0" cy="0"/>
-        </a:xfrm>
-      </p:grpSpPr>
-      <p:sp>
-        <p:nvSpPr>
-          <p:cNvPr id="2" name="Title 1"/>
-          <p:cNvSpPr>
-            <a:spLocks noGrp="1"/>
-          </p:cNvSpPr>
-          <p:nvPr>
-            <p:ph type="title"/>
-          </p:nvPr>
-        </p:nvSpPr>
-        <p:spPr>
-          <a:xfrm>
-            <a:off x="0" y="0"/>
-            <a:ext cx="9144000" cy="582780"/>
-          </a:xfrm>
-        </p:spPr>
-        <p:txBody>
-          <a:bodyPr/>
-          <a:lstStyle/>
-          <a:p>
-            <a:pPr lvl="0" indent="0" marL="0">
-              <a:buNone/>
-            </a:pPr>
-            <a:r>
-              <a:rPr/>
-              <a:t>Lecture 3: Estimation</a:t>
-            </a:r>
-          </a:p>
-        </p:txBody>
-      </p:sp>
-      <p:pic>
-        <p:nvPicPr>
-          <p:cNvPr descr="images/clipboard-2695218355.png" id="0" name="Picture 1"/>
-          <p:cNvPicPr>
-            <a:picLocks noGrp="1" noChangeAspect="1"/>
-          </p:cNvPicPr>
-          <p:nvPr/>
-        </p:nvPicPr>
-        <p:blipFill>
-          <a:blip r:embed="rId2"/>
-          <a:stretch>
-            <a:fillRect/>
-          </a:stretch>
-        </p:blipFill>
-        <p:spPr bwMode="auto">
-          <a:xfrm>
-            <a:off x="3022600" y="609600"/>
-            <a:ext cx="3048000" cy="3911600"/>
-          </a:xfrm>
-          <a:prstGeom prst="rect">
-            <a:avLst/>
-          </a:prstGeom>
-          <a:noFill/>
-          <a:ln w="9525">
-            <a:noFill/>
-            <a:headEnd/>
-            <a:tailEnd/>
-          </a:ln>
-        </p:spPr>
-      </p:pic>
-    </p:spTree>
-  </p:cSld>
-</p:sld>
-</file>
-
 <file path=ppt/slides/slide4.xml><?xml version="1.0" encoding="utf-8"?>
 <p:sld xmlns:a="http://schemas.openxmlformats.org/drawingml/2006/main" xmlns:r="http://schemas.openxmlformats.org/officeDocument/2006/relationships" xmlns:p="http://schemas.openxmlformats.org/presentationml/2006/main">
   <p:cSld>
@@ -7129,10 +6738,13 @@
           </a:p>
           <a:p>
             <a:pPr lvl="0" indent="0" marL="0">
+              <a:spcBef>
+                <a:spcPts val="3000"/>
+              </a:spcBef>
               <a:buNone/>
             </a:pPr>
             <a:r>
-              <a:rPr/>
+              <a:rPr b="1"/>
               <a:t>Lake Trout</a:t>
             </a:r>
           </a:p>
@@ -7195,10 +6807,13 @@
           </a:p>
           <a:p>
             <a:pPr lvl="0" indent="0" marL="0">
+              <a:spcBef>
+                <a:spcPts val="3000"/>
+              </a:spcBef>
               <a:buNone/>
             </a:pPr>
             <a:r>
-              <a:rPr/>
+              <a:rPr b="1"/>
               <a:t>Grayling</a:t>
             </a:r>
           </a:p>
@@ -7250,10 +6865,13 @@
           <a:lstStyle/>
           <a:p>
             <a:pPr lvl="0" indent="0" marL="0">
+              <a:spcBef>
+                <a:spcPts val="3000"/>
+              </a:spcBef>
               <a:buNone/>
             </a:pPr>
             <a:r>
-              <a:rPr/>
+              <a:rPr b="1"/>
               <a:t>Slimy Sculpin</a:t>
             </a:r>
           </a:p>
@@ -7962,18 +7580,21 @@
             </a:r>
           </a:p>
           <a:p>
-            <a:pPr lvl="0" indent="0" marL="0">
-              <a:buNone/>
-            </a:pPr>
+            <a:pPr lvl="0"/>
+            <a:r>
+              <a:rPr/>
+              <a:t>Sampls size</a:t>
+            </a:r>
+          </a:p>
+          <a:p>
+            <a:pPr lvl="1"/>
             <a:r>
               <a:rPr/>
               <a:t>Low sample number - 15</a:t>
             </a:r>
           </a:p>
           <a:p>
-            <a:pPr lvl="0" indent="0" marL="0">
-              <a:buNone/>
-            </a:pPr>
+            <a:pPr lvl="1"/>
             <a:r>
               <a:rPr/>
               <a:t>High sample number - 70</a:t>

--- a/docs/lectures/lecture_03/03_01_lecture_powerpoint.pptx
+++ b/docs/lectures/lecture_03/03_01_lecture_powerpoint.pptx
@@ -30,6 +30,10 @@
     <p:sldId id="278" r:id="rId24"/>
     <p:sldId id="279" r:id="rId25"/>
     <p:sldId id="280" r:id="rId26"/>
+    <p:sldId id="281" r:id="rId27"/>
+    <p:sldId id="282" r:id="rId28"/>
+    <p:sldId id="283" r:id="rId29"/>
+    <p:sldId id="284" r:id="rId30"/>
   </p:sldIdLst>
   <p:sldSz cx="9144000" cy="5143500" type="screen16x9"/>
   <p:notesSz cx="6858000" cy="9144000"/>
@@ -3404,7 +3408,7 @@
             </a:pPr>
             <a:r>
               <a:rPr/>
-              <a:t>Lecture 3: Probability distributions</a:t>
+              <a:t>Lecture 3: Frequency Distributions</a:t>
             </a:r>
           </a:p>
         </p:txBody>
@@ -3424,38 +3428,190 @@
           <a:bodyPr/>
           <a:lstStyle/>
           <a:p>
+            <a:pPr lvl="0" indent="0" marL="0">
+              <a:buNone/>
+            </a:pPr>
+            <a:r>
+              <a:rPr/>
+              <a:t>The alternative is to use a histogram</a:t>
+            </a:r>
+          </a:p>
+          <a:p>
             <a:pPr lvl="0"/>
             <a:r>
               <a:rPr/>
-              <a:t>For continuous random var: probability density function (PDF)</a:t>
+              <a:t>the y axis is the count</a:t>
             </a:r>
           </a:p>
           <a:p>
             <a:pPr lvl="0"/>
             <a:r>
               <a:rPr/>
-              <a:t>PDF: mathematical expression of probabilities associated with getting certain values of random variable</a:t>
+              <a:t>the x axis is the bin range</a:t>
             </a:r>
           </a:p>
           <a:p>
             <a:pPr lvl="0"/>
             <a:r>
               <a:rPr/>
-              <a:t>Area under curve = 1</a:t>
+              <a:t>each bin 0 - 5 and 5 - 10 and 10 - 15 or as you choose</a:t>
             </a:r>
           </a:p>
           <a:p>
             <a:pPr lvl="0"/>
             <a:r>
               <a:rPr/>
-              <a:t>i.e., probability of length between 10 and 80 = 1</a:t>
+              <a:t>in ggplot the code looks like</a:t>
+            </a:r>
+          </a:p>
+          <a:p>
+            <a:pPr lvl="0" indent="0">
+              <a:buNone/>
+            </a:pPr>
+            <a:r>
+              <a:rPr>
+                <a:solidFill>
+                  <a:srgbClr val="003B4F"/>
+                </a:solidFill>
+                <a:latin typeface="Courier"/>
+              </a:rPr>
+              <a:t>dataframe </a:t>
+            </a:r>
+            <a:r>
+              <a:rPr>
+                <a:solidFill>
+                  <a:srgbClr val="5E5E5E"/>
+                </a:solidFill>
+                <a:latin typeface="Courier"/>
+              </a:rPr>
+              <a:t>%&gt;%</a:t>
+            </a:r>
+            <a:r>
+              <a:rPr>
+                <a:solidFill>
+                  <a:srgbClr val="003B4F"/>
+                </a:solidFill>
+                <a:latin typeface="Courier"/>
+              </a:rPr>
+              <a:t> </a:t>
+            </a:r>
+            <a:r>
+              <a:rPr>
+                <a:solidFill>
+                  <a:srgbClr val="4758AB"/>
+                </a:solidFill>
+                <a:latin typeface="Courier"/>
+              </a:rPr>
+              <a:t>ggplot</a:t>
+            </a:r>
+            <a:r>
+              <a:rPr>
+                <a:solidFill>
+                  <a:srgbClr val="003B4F"/>
+                </a:solidFill>
+                <a:latin typeface="Courier"/>
+              </a:rPr>
+              <a:t>(</a:t>
+            </a:r>
+            <a:r>
+              <a:rPr>
+                <a:solidFill>
+                  <a:srgbClr val="4758AB"/>
+                </a:solidFill>
+                <a:latin typeface="Courier"/>
+              </a:rPr>
+              <a:t>aes</a:t>
+            </a:r>
+            <a:r>
+              <a:rPr>
+                <a:solidFill>
+                  <a:srgbClr val="003B4F"/>
+                </a:solidFill>
+                <a:latin typeface="Courier"/>
+              </a:rPr>
+              <a:t>(thing_to_count))</a:t>
+            </a:r>
+            <a:r>
+              <a:rPr>
+                <a:solidFill>
+                  <a:srgbClr val="5E5E5E"/>
+                </a:solidFill>
+                <a:latin typeface="Courier"/>
+              </a:rPr>
+              <a:t>+</a:t>
+            </a:r>
+            <a:br/>
+            <a:r>
+              <a:rPr>
+                <a:solidFill>
+                  <a:srgbClr val="003B4F"/>
+                </a:solidFill>
+                <a:latin typeface="Courier"/>
+              </a:rPr>
+              <a:t>  </a:t>
+            </a:r>
+            <a:r>
+              <a:rPr>
+                <a:solidFill>
+                  <a:srgbClr val="4758AB"/>
+                </a:solidFill>
+                <a:latin typeface="Courier"/>
+              </a:rPr>
+              <a:t>geom_histogram</a:t>
+            </a:r>
+            <a:r>
+              <a:rPr>
+                <a:solidFill>
+                  <a:srgbClr val="003B4F"/>
+                </a:solidFill>
+                <a:latin typeface="Courier"/>
+              </a:rPr>
+              <a:t>( </a:t>
+            </a:r>
+            <a:br/>
+            <a:r>
+              <a:rPr>
+                <a:solidFill>
+                  <a:srgbClr val="003B4F"/>
+                </a:solidFill>
+                <a:latin typeface="Courier"/>
+              </a:rPr>
+              <a:t>    </a:t>
+            </a:r>
+            <a:r>
+              <a:rPr>
+                <a:solidFill>
+                  <a:srgbClr val="657422"/>
+                </a:solidFill>
+                <a:latin typeface="Courier"/>
+              </a:rPr>
+              <a:t>binwidth =</a:t>
+            </a:r>
+            <a:r>
+              <a:rPr>
+                <a:solidFill>
+                  <a:srgbClr val="003B4F"/>
+                </a:solidFill>
+                <a:latin typeface="Courier"/>
+              </a:rPr>
+              <a:t> increments_to_work_with</a:t>
+            </a:r>
+            <a:br/>
+            <a:r>
+              <a:rPr>
+                <a:solidFill>
+                  <a:srgbClr val="003B4F"/>
+                </a:solidFill>
+                <a:latin typeface="Courier"/>
+              </a:rPr>
+              <a:t>    )</a:t>
             </a:r>
           </a:p>
         </p:txBody>
       </p:sp>
       <p:pic>
         <p:nvPicPr>
-          <p:cNvPr descr="03_01_lecture_powerpoint_files/figure-pptx/unnamed-chunk-6-1.png" id="0" name="Picture 1"/>
+          <p:cNvPr descr="03_01_lecture_powerpoint_files/figure-pptx/unnamed-chunk-7-1.png" id="0" name="Picture 1"/>
           <p:cNvPicPr>
             <a:picLocks noGrp="1" noChangeAspect="1"/>
           </p:cNvPicPr>
@@ -3469,8 +3625,8 @@
         </p:blipFill>
         <p:spPr bwMode="auto">
           <a:xfrm>
-            <a:off x="6172200" y="660400"/>
-            <a:ext cx="2679700" cy="4470400"/>
+            <a:off x="6121400" y="2197100"/>
+            <a:ext cx="2781300" cy="1397000"/>
           </a:xfrm>
           <a:prstGeom prst="rect">
             <a:avLst/>
@@ -3507,6 +3663,86 @@
       </p:grpSpPr>
       <p:sp>
         <p:nvSpPr>
+          <p:cNvPr id="3" name="Content Placeholder 2"/>
+          <p:cNvSpPr>
+            <a:spLocks noGrp="1"/>
+          </p:cNvSpPr>
+          <p:nvPr>
+            <p:ph idx="1"/>
+          </p:nvPr>
+        </p:nvSpPr>
+        <p:spPr/>
+        <p:txBody>
+          <a:bodyPr/>
+          <a:lstStyle/>
+          <a:p>
+            <a:pPr lvl="0" indent="0" marL="1270000">
+              <a:buNone/>
+            </a:pPr>
+            <a:r>
+              <a:rPr sz="2000" b="1"/>
+              <a:t>Practice Exercise 4: This is something you shoudl do</a:t>
+            </a:r>
+          </a:p>
+          <a:p>
+            <a:pPr lvl="0" indent="0" marL="1270000">
+              <a:buNone/>
+            </a:pPr>
+            <a:r>
+              <a:rPr sz="2000"/>
+              <a:t>Let’s try stuffing frogs in our pockets</a:t>
+            </a:r>
+          </a:p>
+          <a:p>
+            <a:pPr lvl="0" indent="0">
+              <a:buNone/>
+            </a:pPr>
+            <a:r>
+              <a:rPr>
+                <a:solidFill>
+                  <a:srgbClr val="5E5E5E"/>
+                </a:solidFill>
+                <a:latin typeface="Courier"/>
+              </a:rPr>
+              <a:t># Write your code here to create funny plot</a:t>
+            </a:r>
+            <a:br/>
+            <a:r>
+              <a:rPr>
+                <a:solidFill>
+                  <a:srgbClr val="5E5E5E"/>
+                </a:solidFill>
+                <a:latin typeface="Courier"/>
+              </a:rPr>
+              <a:t># Remember to use tidy coding skills and comment the HOOI</a:t>
+            </a:r>
+          </a:p>
+        </p:txBody>
+      </p:sp>
+    </p:spTree>
+  </p:cSld>
+</p:sld>
+</file>
+
+<file path=ppt/slides/slide12.xml><?xml version="1.0" encoding="utf-8"?>
+<p:sld xmlns:a="http://schemas.openxmlformats.org/drawingml/2006/main" xmlns:r="http://schemas.openxmlformats.org/officeDocument/2006/relationships" xmlns:p="http://schemas.openxmlformats.org/presentationml/2006/main">
+  <p:cSld>
+    <p:spTree>
+      <p:nvGrpSpPr>
+        <p:cNvPr id="1" name=""/>
+        <p:cNvGrpSpPr/>
+        <p:nvPr/>
+      </p:nvGrpSpPr>
+      <p:grpSpPr>
+        <a:xfrm>
+          <a:off x="0" y="0"/>
+          <a:ext cx="0" cy="0"/>
+          <a:chOff x="0" y="0"/>
+          <a:chExt cx="0" cy="0"/>
+        </a:xfrm>
+      </p:grpSpPr>
+      <p:sp>
+        <p:nvSpPr>
           <p:cNvPr id="2" name="Title 1"/>
           <p:cNvSpPr>
             <a:spLocks noGrp="1"/>
@@ -3533,7 +3769,7 @@
             </a:pPr>
             <a:r>
               <a:rPr/>
-              <a:t>Lecture 3: Probability distributions</a:t>
+              <a:t>Lecture 3: Frequency Distributions</a:t>
             </a:r>
           </a:p>
         </p:txBody>
@@ -3558,35 +3794,428 @@
             </a:pPr>
             <a:r>
               <a:rPr/>
-              <a:t>Now we could look at a lot of different ranges of lengths</a:t>
+              <a:t>What happens as sample size changes…</a:t>
             </a:r>
           </a:p>
           <a:p>
             <a:pPr lvl="0"/>
             <a:r>
               <a:rPr/>
-              <a:t>probability of the length larger than the mean</a:t>
+              <a:t>Sampls size</a:t>
+            </a:r>
+          </a:p>
+          <a:p>
+            <a:pPr lvl="1"/>
+            <a:r>
+              <a:rPr/>
+              <a:t>Low sample number - 15</a:t>
+            </a:r>
+          </a:p>
+          <a:p>
+            <a:pPr lvl="1"/>
+            <a:r>
+              <a:rPr/>
+              <a:t>High sample number - 70</a:t>
             </a:r>
           </a:p>
           <a:p>
             <a:pPr lvl="0"/>
             <a:r>
               <a:rPr/>
-              <a:t>probability of the length larger than 70 mm</a:t>
-            </a:r>
-          </a:p>
-          <a:p>
-            <a:pPr lvl="0"/>
-            <a:r>
-              <a:rPr/>
-              <a:t>probability of the length between two numbers</a:t>
+              <a:t>Frequency distribution takes on “bell-shape”…</a:t>
             </a:r>
           </a:p>
         </p:txBody>
       </p:sp>
       <p:pic>
         <p:nvPicPr>
-          <p:cNvPr descr="03_01_lecture_powerpoint_files/figure-pptx/unnamed-chunk-7-1.png" id="0" name="Picture 1"/>
+          <p:cNvPr descr="03_01_lecture_powerpoint_files/figure-pptx/unnamed-chunk-9-1.png" id="0" name="Picture 1"/>
+          <p:cNvPicPr>
+            <a:picLocks noGrp="1" noChangeAspect="1"/>
+          </p:cNvPicPr>
+          <p:nvPr/>
+        </p:nvPicPr>
+        <p:blipFill>
+          <a:blip r:embed="rId2"/>
+          <a:stretch>
+            <a:fillRect/>
+          </a:stretch>
+        </p:blipFill>
+        <p:spPr bwMode="auto">
+          <a:xfrm>
+            <a:off x="6121400" y="2197100"/>
+            <a:ext cx="2781300" cy="1397000"/>
+          </a:xfrm>
+          <a:prstGeom prst="rect">
+            <a:avLst/>
+          </a:prstGeom>
+          <a:noFill/>
+          <a:ln w="9525">
+            <a:noFill/>
+            <a:headEnd/>
+            <a:tailEnd/>
+          </a:ln>
+        </p:spPr>
+      </p:pic>
+    </p:spTree>
+  </p:cSld>
+</p:sld>
+</file>
+
+<file path=ppt/slides/slide13.xml><?xml version="1.0" encoding="utf-8"?>
+<p:sld xmlns:a="http://schemas.openxmlformats.org/drawingml/2006/main" xmlns:r="http://schemas.openxmlformats.org/officeDocument/2006/relationships" xmlns:p="http://schemas.openxmlformats.org/presentationml/2006/main">
+  <p:cSld>
+    <p:spTree>
+      <p:nvGrpSpPr>
+        <p:cNvPr id="1" name=""/>
+        <p:cNvGrpSpPr/>
+        <p:nvPr/>
+      </p:nvGrpSpPr>
+      <p:grpSpPr>
+        <a:xfrm>
+          <a:off x="0" y="0"/>
+          <a:ext cx="0" cy="0"/>
+          <a:chOff x="0" y="0"/>
+          <a:chExt cx="0" cy="0"/>
+        </a:xfrm>
+      </p:grpSpPr>
+      <p:sp>
+        <p:nvSpPr>
+          <p:cNvPr id="2" name="Title 1"/>
+          <p:cNvSpPr>
+            <a:spLocks noGrp="1"/>
+          </p:cNvSpPr>
+          <p:nvPr>
+            <p:ph type="title"/>
+          </p:nvPr>
+        </p:nvSpPr>
+        <p:spPr>
+          <a:xfrm>
+            <a:off x="0" y="0"/>
+            <a:ext cx="9144000" cy="602780"/>
+          </a:xfrm>
+          <a:solidFill>
+            <a:srgbClr val="70121D"/>
+          </a:solidFill>
+        </p:spPr>
+        <p:txBody>
+          <a:bodyPr/>
+          <a:lstStyle/>
+          <a:p>
+            <a:pPr lvl="0" indent="0" marL="0">
+              <a:buNone/>
+            </a:pPr>
+            <a:r>
+              <a:rPr/>
+              <a:t>Lecture 3: Probability distributions</a:t>
+            </a:r>
+          </a:p>
+        </p:txBody>
+      </p:sp>
+      <p:sp>
+        <p:nvSpPr>
+          <p:cNvPr id="3" name="Content Placeholder 2"/>
+          <p:cNvSpPr>
+            <a:spLocks noGrp="1"/>
+          </p:cNvSpPr>
+          <p:nvPr>
+            <p:ph idx="1" sz="half"/>
+          </p:nvPr>
+        </p:nvSpPr>
+        <p:spPr/>
+        <p:txBody>
+          <a:bodyPr/>
+          <a:lstStyle/>
+          <a:p>
+            <a:pPr lvl="0" indent="0" marL="0">
+              <a:buNone/>
+            </a:pPr>
+            <a:r>
+              <a:rPr/>
+              <a:t>Can we make assumption about distribution of random variable weight in population?</a:t>
+            </a:r>
+          </a:p>
+          <a:p>
+            <a:pPr lvl="0" indent="0" marL="0">
+              <a:buNone/>
+            </a:pPr>
+            <a:r>
+              <a:rPr/>
+              <a:t>Probability distribution:</a:t>
+            </a:r>
+          </a:p>
+          <a:p>
+            <a:pPr lvl="0"/>
+            <a:r>
+              <a:rPr/>
+              <a:t>theoretical frequency distribution in population</a:t>
+            </a:r>
+          </a:p>
+        </p:txBody>
+      </p:sp>
+      <p:pic>
+        <p:nvPicPr>
+          <p:cNvPr descr="images/clipboard-2076243745.png" id="0" name="Picture 1"/>
+          <p:cNvPicPr>
+            <a:picLocks noGrp="1" noChangeAspect="1"/>
+          </p:cNvPicPr>
+          <p:nvPr/>
+        </p:nvPicPr>
+        <p:blipFill>
+          <a:blip r:embed="rId2"/>
+          <a:stretch>
+            <a:fillRect/>
+          </a:stretch>
+        </p:blipFill>
+        <p:spPr bwMode="auto">
+          <a:xfrm>
+            <a:off x="6692900" y="660400"/>
+            <a:ext cx="1625600" cy="4470400"/>
+          </a:xfrm>
+          <a:prstGeom prst="rect">
+            <a:avLst/>
+          </a:prstGeom>
+          <a:noFill/>
+          <a:ln w="9525">
+            <a:noFill/>
+            <a:headEnd/>
+            <a:tailEnd/>
+          </a:ln>
+        </p:spPr>
+      </p:pic>
+    </p:spTree>
+  </p:cSld>
+</p:sld>
+</file>
+
+<file path=ppt/slides/slide14.xml><?xml version="1.0" encoding="utf-8"?>
+<p:sld xmlns:a="http://schemas.openxmlformats.org/drawingml/2006/main" xmlns:r="http://schemas.openxmlformats.org/officeDocument/2006/relationships" xmlns:p="http://schemas.openxmlformats.org/presentationml/2006/main">
+  <p:cSld>
+    <p:spTree>
+      <p:nvGrpSpPr>
+        <p:cNvPr id="1" name=""/>
+        <p:cNvGrpSpPr/>
+        <p:nvPr/>
+      </p:nvGrpSpPr>
+      <p:grpSpPr>
+        <a:xfrm>
+          <a:off x="0" y="0"/>
+          <a:ext cx="0" cy="0"/>
+          <a:chOff x="0" y="0"/>
+          <a:chExt cx="0" cy="0"/>
+        </a:xfrm>
+      </p:grpSpPr>
+      <p:sp>
+        <p:nvSpPr>
+          <p:cNvPr id="2" name="Title 1"/>
+          <p:cNvSpPr>
+            <a:spLocks noGrp="1"/>
+          </p:cNvSpPr>
+          <p:nvPr>
+            <p:ph type="title"/>
+          </p:nvPr>
+        </p:nvSpPr>
+        <p:spPr>
+          <a:xfrm>
+            <a:off x="0" y="0"/>
+            <a:ext cx="9144000" cy="602780"/>
+          </a:xfrm>
+          <a:solidFill>
+            <a:srgbClr val="70121D"/>
+          </a:solidFill>
+        </p:spPr>
+        <p:txBody>
+          <a:bodyPr/>
+          <a:lstStyle/>
+          <a:p>
+            <a:pPr lvl="0" indent="0" marL="0">
+              <a:buNone/>
+            </a:pPr>
+            <a:r>
+              <a:rPr/>
+              <a:t>Lecture 3: Probability distributions</a:t>
+            </a:r>
+          </a:p>
+        </p:txBody>
+      </p:sp>
+      <p:sp>
+        <p:nvSpPr>
+          <p:cNvPr id="3" name="Content Placeholder 2"/>
+          <p:cNvSpPr>
+            <a:spLocks noGrp="1"/>
+          </p:cNvSpPr>
+          <p:nvPr>
+            <p:ph idx="1" sz="half"/>
+          </p:nvPr>
+        </p:nvSpPr>
+        <p:spPr/>
+        <p:txBody>
+          <a:bodyPr/>
+          <a:lstStyle/>
+          <a:p>
+            <a:pPr lvl="0"/>
+            <a:r>
+              <a:rPr/>
+              <a:t>For continuous random var: probability density function (PDF)</a:t>
+            </a:r>
+          </a:p>
+          <a:p>
+            <a:pPr lvl="0"/>
+            <a:r>
+              <a:rPr/>
+              <a:t>PDF: mathematical expression of probabilities associated with getting certain values of random variable</a:t>
+            </a:r>
+          </a:p>
+          <a:p>
+            <a:pPr lvl="0"/>
+            <a:r>
+              <a:rPr/>
+              <a:t>Area under curve = 1</a:t>
+            </a:r>
+          </a:p>
+          <a:p>
+            <a:pPr lvl="0"/>
+            <a:r>
+              <a:rPr/>
+              <a:t>i.e., probability of length between 10 and 80 = 1</a:t>
+            </a:r>
+          </a:p>
+        </p:txBody>
+      </p:sp>
+      <p:pic>
+        <p:nvPicPr>
+          <p:cNvPr descr="03_01_lecture_powerpoint_files/figure-pptx/unnamed-chunk-10-1.png" id="0" name="Picture 1"/>
+          <p:cNvPicPr>
+            <a:picLocks noGrp="1" noChangeAspect="1"/>
+          </p:cNvPicPr>
+          <p:nvPr/>
+        </p:nvPicPr>
+        <p:blipFill>
+          <a:blip r:embed="rId2"/>
+          <a:stretch>
+            <a:fillRect/>
+          </a:stretch>
+        </p:blipFill>
+        <p:spPr bwMode="auto">
+          <a:xfrm>
+            <a:off x="6172200" y="660400"/>
+            <a:ext cx="2679700" cy="4470400"/>
+          </a:xfrm>
+          <a:prstGeom prst="rect">
+            <a:avLst/>
+          </a:prstGeom>
+          <a:noFill/>
+          <a:ln w="9525">
+            <a:noFill/>
+            <a:headEnd/>
+            <a:tailEnd/>
+          </a:ln>
+        </p:spPr>
+      </p:pic>
+    </p:spTree>
+  </p:cSld>
+</p:sld>
+</file>
+
+<file path=ppt/slides/slide15.xml><?xml version="1.0" encoding="utf-8"?>
+<p:sld xmlns:a="http://schemas.openxmlformats.org/drawingml/2006/main" xmlns:r="http://schemas.openxmlformats.org/officeDocument/2006/relationships" xmlns:p="http://schemas.openxmlformats.org/presentationml/2006/main">
+  <p:cSld>
+    <p:spTree>
+      <p:nvGrpSpPr>
+        <p:cNvPr id="1" name=""/>
+        <p:cNvGrpSpPr/>
+        <p:nvPr/>
+      </p:nvGrpSpPr>
+      <p:grpSpPr>
+        <a:xfrm>
+          <a:off x="0" y="0"/>
+          <a:ext cx="0" cy="0"/>
+          <a:chOff x="0" y="0"/>
+          <a:chExt cx="0" cy="0"/>
+        </a:xfrm>
+      </p:grpSpPr>
+      <p:sp>
+        <p:nvSpPr>
+          <p:cNvPr id="2" name="Title 1"/>
+          <p:cNvSpPr>
+            <a:spLocks noGrp="1"/>
+          </p:cNvSpPr>
+          <p:nvPr>
+            <p:ph type="title"/>
+          </p:nvPr>
+        </p:nvSpPr>
+        <p:spPr>
+          <a:xfrm>
+            <a:off x="0" y="0"/>
+            <a:ext cx="9144000" cy="602780"/>
+          </a:xfrm>
+          <a:solidFill>
+            <a:srgbClr val="70121D"/>
+          </a:solidFill>
+        </p:spPr>
+        <p:txBody>
+          <a:bodyPr/>
+          <a:lstStyle/>
+          <a:p>
+            <a:pPr lvl="0" indent="0" marL="0">
+              <a:buNone/>
+            </a:pPr>
+            <a:r>
+              <a:rPr/>
+              <a:t>Lecture 3: Probability distributions</a:t>
+            </a:r>
+          </a:p>
+        </p:txBody>
+      </p:sp>
+      <p:sp>
+        <p:nvSpPr>
+          <p:cNvPr id="3" name="Content Placeholder 2"/>
+          <p:cNvSpPr>
+            <a:spLocks noGrp="1"/>
+          </p:cNvSpPr>
+          <p:nvPr>
+            <p:ph idx="1" sz="half"/>
+          </p:nvPr>
+        </p:nvSpPr>
+        <p:spPr/>
+        <p:txBody>
+          <a:bodyPr/>
+          <a:lstStyle/>
+          <a:p>
+            <a:pPr lvl="0" indent="0" marL="0">
+              <a:buNone/>
+            </a:pPr>
+            <a:r>
+              <a:rPr/>
+              <a:t>Now we could look at a lot of different ranges of lengths</a:t>
+            </a:r>
+          </a:p>
+          <a:p>
+            <a:pPr lvl="0"/>
+            <a:r>
+              <a:rPr/>
+              <a:t>probability of the length larger than the mean</a:t>
+            </a:r>
+          </a:p>
+          <a:p>
+            <a:pPr lvl="0"/>
+            <a:r>
+              <a:rPr/>
+              <a:t>probability of the length larger than 70 mm</a:t>
+            </a:r>
+          </a:p>
+          <a:p>
+            <a:pPr lvl="0"/>
+            <a:r>
+              <a:rPr/>
+              <a:t>probability of the length between two numbers</a:t>
+            </a:r>
+          </a:p>
+        </p:txBody>
+      </p:sp>
+      <p:pic>
+        <p:nvPicPr>
+          <p:cNvPr descr="03_01_lecture_powerpoint_files/figure-pptx/unnamed-chunk-11-1.png" id="0" name="Picture 1"/>
           <p:cNvPicPr>
             <a:picLocks noGrp="1" noChangeAspect="1"/>
           </p:cNvPicPr>
@@ -3619,7 +4248,7 @@
 </p:sld>
 </file>
 
-<file path=ppt/slides/slide12.xml><?xml version="1.0" encoding="utf-8"?>
+<file path=ppt/slides/slide16.xml><?xml version="1.0" encoding="utf-8"?>
 <p:sld xmlns:a="http://schemas.openxmlformats.org/drawingml/2006/main" xmlns:r="http://schemas.openxmlformats.org/officeDocument/2006/relationships" xmlns:p="http://schemas.openxmlformats.org/presentationml/2006/main">
   <p:cSld>
     <p:spTree>
@@ -3741,7 +4370,7 @@
 </p:sld>
 </file>
 
-<file path=ppt/slides/slide13.xml><?xml version="1.0" encoding="utf-8"?>
+<file path=ppt/slides/slide17.xml><?xml version="1.0" encoding="utf-8"?>
 <p:sld xmlns:a="http://schemas.openxmlformats.org/drawingml/2006/main" xmlns:r="http://schemas.openxmlformats.org/officeDocument/2006/relationships" xmlns:p="http://schemas.openxmlformats.org/presentationml/2006/main">
   <p:cSld>
     <p:spTree>
@@ -4011,7 +4640,7 @@
 </p:sld>
 </file>
 
-<file path=ppt/slides/slide14.xml><?xml version="1.0" encoding="utf-8"?>
+<file path=ppt/slides/slide18.xml><?xml version="1.0" encoding="utf-8"?>
 <p:sld xmlns:a="http://schemas.openxmlformats.org/drawingml/2006/main" xmlns:r="http://schemas.openxmlformats.org/officeDocument/2006/relationships" xmlns:p="http://schemas.openxmlformats.org/presentationml/2006/main">
   <p:cSld>
     <p:spTree>
@@ -4140,675 +4769,6 @@
 </p:sld>
 </file>
 
-<file path=ppt/slides/slide15.xml><?xml version="1.0" encoding="utf-8"?>
-<p:sld xmlns:a="http://schemas.openxmlformats.org/drawingml/2006/main" xmlns:r="http://schemas.openxmlformats.org/officeDocument/2006/relationships" xmlns:p="http://schemas.openxmlformats.org/presentationml/2006/main">
-  <p:cSld>
-    <p:spTree>
-      <p:nvGrpSpPr>
-        <p:cNvPr id="1" name=""/>
-        <p:cNvGrpSpPr/>
-        <p:nvPr/>
-      </p:nvGrpSpPr>
-      <p:grpSpPr>
-        <a:xfrm>
-          <a:off x="0" y="0"/>
-          <a:ext cx="0" cy="0"/>
-          <a:chOff x="0" y="0"/>
-          <a:chExt cx="0" cy="0"/>
-        </a:xfrm>
-      </p:grpSpPr>
-      <p:sp>
-        <p:nvSpPr>
-          <p:cNvPr id="2" name="Title 1"/>
-          <p:cNvSpPr>
-            <a:spLocks noGrp="1"/>
-          </p:cNvSpPr>
-          <p:nvPr>
-            <p:ph type="title"/>
-          </p:nvPr>
-        </p:nvSpPr>
-        <p:spPr>
-          <a:xfrm>
-            <a:off x="0" y="0"/>
-            <a:ext cx="9144000" cy="602780"/>
-          </a:xfrm>
-          <a:solidFill>
-            <a:srgbClr val="70121D"/>
-          </a:solidFill>
-        </p:spPr>
-        <p:txBody>
-          <a:bodyPr/>
-          <a:lstStyle/>
-          <a:p>
-            <a:pPr lvl="0" indent="0" marL="0">
-              <a:buNone/>
-            </a:pPr>
-            <a:r>
-              <a:rPr/>
-              <a:t>Lecture 3: Probability distributions</a:t>
-            </a:r>
-          </a:p>
-        </p:txBody>
-      </p:sp>
-      <p:sp>
-        <p:nvSpPr>
-          <p:cNvPr id="3" name="Content Placeholder 2"/>
-          <p:cNvSpPr>
-            <a:spLocks noGrp="1"/>
-          </p:cNvSpPr>
-          <p:nvPr>
-            <p:ph idx="1" sz="half"/>
-          </p:nvPr>
-        </p:nvSpPr>
-        <p:spPr/>
-        <p:txBody>
-          <a:bodyPr/>
-          <a:lstStyle/>
-          <a:p>
-            <a:pPr lvl="0" indent="0" marL="0">
-              <a:spcBef>
-                <a:spcPts val="3000"/>
-              </a:spcBef>
-              <a:buNone/>
-            </a:pPr>
-            <a:r>
-              <a:rPr b="1"/>
-              <a:t>Binomial (multinomial):</a:t>
-            </a:r>
-          </a:p>
-          <a:p>
-            <a:pPr lvl="0"/>
-            <a:r>
-              <a:rPr/>
-              <a:t>probability of event that have two outcomes (heads/ tails, dead/alive)</a:t>
-            </a:r>
-          </a:p>
-          <a:p>
-            <a:pPr lvl="0"/>
-            <a:r>
-              <a:rPr/>
-              <a:t>Defined in terms of “successes” out of set number of trials</a:t>
-            </a:r>
-          </a:p>
-          <a:p>
-            <a:pPr lvl="0" indent="0" marL="0">
-              <a:spcBef>
-                <a:spcPts val="3000"/>
-              </a:spcBef>
-              <a:buNone/>
-            </a:pPr>
-            <a:r>
-              <a:rPr b="1"/>
-              <a:t>In large number of trials: approximately normal distribution</a:t>
-            </a:r>
-          </a:p>
-        </p:txBody>
-      </p:sp>
-      <p:pic>
-        <p:nvPicPr>
-          <p:cNvPr descr="03_01_lecture_powerpoint_files/figure-pptx/unnamed-chunk-8-1.png" id="0" name="Picture 1"/>
-          <p:cNvPicPr>
-            <a:picLocks noGrp="1" noChangeAspect="1"/>
-          </p:cNvPicPr>
-          <p:nvPr/>
-        </p:nvPicPr>
-        <p:blipFill>
-          <a:blip r:embed="rId2"/>
-          <a:stretch>
-            <a:fillRect/>
-          </a:stretch>
-        </p:blipFill>
-        <p:spPr bwMode="auto">
-          <a:xfrm>
-            <a:off x="6121400" y="1270000"/>
-            <a:ext cx="2781300" cy="3251200"/>
-          </a:xfrm>
-          <a:prstGeom prst="rect">
-            <a:avLst/>
-          </a:prstGeom>
-          <a:noFill/>
-          <a:ln w="9525">
-            <a:noFill/>
-            <a:headEnd/>
-            <a:tailEnd/>
-          </a:ln>
-        </p:spPr>
-      </p:pic>
-    </p:spTree>
-  </p:cSld>
-</p:sld>
-</file>
-
-<file path=ppt/slides/slide16.xml><?xml version="1.0" encoding="utf-8"?>
-<p:sld xmlns:a="http://schemas.openxmlformats.org/drawingml/2006/main" xmlns:r="http://schemas.openxmlformats.org/officeDocument/2006/relationships" xmlns:p="http://schemas.openxmlformats.org/presentationml/2006/main">
-  <p:cSld>
-    <p:spTree>
-      <p:nvGrpSpPr>
-        <p:cNvPr id="1" name=""/>
-        <p:cNvGrpSpPr/>
-        <p:nvPr/>
-      </p:nvGrpSpPr>
-      <p:grpSpPr>
-        <a:xfrm>
-          <a:off x="0" y="0"/>
-          <a:ext cx="0" cy="0"/>
-          <a:chOff x="0" y="0"/>
-          <a:chExt cx="0" cy="0"/>
-        </a:xfrm>
-      </p:grpSpPr>
-      <p:sp>
-        <p:nvSpPr>
-          <p:cNvPr id="2" name="Title 1"/>
-          <p:cNvSpPr>
-            <a:spLocks noGrp="1"/>
-          </p:cNvSpPr>
-          <p:nvPr>
-            <p:ph type="title"/>
-          </p:nvPr>
-        </p:nvSpPr>
-        <p:spPr>
-          <a:xfrm>
-            <a:off x="0" y="0"/>
-            <a:ext cx="9144000" cy="602780"/>
-          </a:xfrm>
-          <a:solidFill>
-            <a:srgbClr val="70121D"/>
-          </a:solidFill>
-        </p:spPr>
-        <p:txBody>
-          <a:bodyPr/>
-          <a:lstStyle/>
-          <a:p>
-            <a:pPr lvl="0" indent="0" marL="0">
-              <a:buNone/>
-            </a:pPr>
-            <a:r>
-              <a:rPr/>
-              <a:t>Lecture 3: Probability distributions</a:t>
-            </a:r>
-          </a:p>
-        </p:txBody>
-      </p:sp>
-      <p:sp>
-        <p:nvSpPr>
-          <p:cNvPr id="3" name="Content Placeholder 2"/>
-          <p:cNvSpPr>
-            <a:spLocks noGrp="1"/>
-          </p:cNvSpPr>
-          <p:nvPr>
-            <p:ph idx="1" sz="half"/>
-          </p:nvPr>
-        </p:nvSpPr>
-        <p:spPr/>
-        <p:txBody>
-          <a:bodyPr/>
-          <a:lstStyle/>
-          <a:p>
-            <a:pPr lvl="0" indent="0" marL="0">
-              <a:spcBef>
-                <a:spcPts val="3000"/>
-              </a:spcBef>
-              <a:buNone/>
-            </a:pPr>
-            <a:r>
-              <a:rPr b="1"/>
-              <a:t>Poisson: occurrences of (rare) event in time/space</a:t>
-            </a:r>
-          </a:p>
-          <a:p>
-            <a:pPr lvl="0"/>
-            <a:r>
-              <a:rPr/>
-              <a:t>E.g., number of</a:t>
-            </a:r>
-          </a:p>
-          <a:p>
-            <a:pPr lvl="1"/>
-            <a:r>
-              <a:rPr b="1" i="1"/>
-              <a:t>Taraxacum officinale</a:t>
-            </a:r>
-            <a:r>
-              <a:rPr/>
-              <a:t> </a:t>
-            </a:r>
-            <a:r>
-              <a:rPr b="1"/>
-              <a:t>- common dandelion</a:t>
-            </a:r>
-            <a:r>
-              <a:rPr/>
-              <a:t> in quadrat</a:t>
-            </a:r>
-          </a:p>
-          <a:p>
-            <a:pPr lvl="1"/>
-            <a:r>
-              <a:rPr/>
-              <a:t>copepod eaten per minute</a:t>
-            </a:r>
-          </a:p>
-          <a:p>
-            <a:pPr lvl="1"/>
-            <a:r>
-              <a:rPr/>
-              <a:t>cells in field of view</a:t>
-            </a:r>
-          </a:p>
-          <a:p>
-            <a:pPr lvl="0"/>
-            <a:r>
-              <a:rPr/>
-              <a:t>Measures Probability(y= certain integer value)</a:t>
-            </a:r>
-          </a:p>
-          <a:p>
-            <a:pPr lvl="1"/>
-            <a:r>
-              <a:rPr/>
-              <a:t>defined in terms of μ or mean</a:t>
-            </a:r>
-          </a:p>
-          <a:p>
-            <a:pPr lvl="1"/>
-            <a:r>
-              <a:rPr/>
-              <a:t>Right-skewed at small μ</a:t>
-            </a:r>
-          </a:p>
-          <a:p>
-            <a:pPr lvl="1"/>
-            <a:r>
-              <a:rPr/>
-              <a:t>more symmetrical at higher μ</a:t>
-            </a:r>
-          </a:p>
-        </p:txBody>
-      </p:sp>
-      <p:pic>
-        <p:nvPicPr>
-          <p:cNvPr descr="images/clipboard-1959646123.png" id="0" name="Picture 1"/>
-          <p:cNvPicPr>
-            <a:picLocks noGrp="1" noChangeAspect="1"/>
-          </p:cNvPicPr>
-          <p:nvPr/>
-        </p:nvPicPr>
-        <p:blipFill>
-          <a:blip r:embed="rId2"/>
-          <a:stretch>
-            <a:fillRect/>
-          </a:stretch>
-        </p:blipFill>
-        <p:spPr bwMode="auto">
-          <a:xfrm>
-            <a:off x="6121400" y="990600"/>
-            <a:ext cx="2781300" cy="3822700"/>
-          </a:xfrm>
-          <a:prstGeom prst="rect">
-            <a:avLst/>
-          </a:prstGeom>
-          <a:noFill/>
-          <a:ln w="9525">
-            <a:noFill/>
-            <a:headEnd/>
-            <a:tailEnd/>
-          </a:ln>
-        </p:spPr>
-      </p:pic>
-    </p:spTree>
-  </p:cSld>
-</p:sld>
-</file>
-
-<file path=ppt/slides/slide17.xml><?xml version="1.0" encoding="utf-8"?>
-<p:sld xmlns:a="http://schemas.openxmlformats.org/drawingml/2006/main" xmlns:r="http://schemas.openxmlformats.org/officeDocument/2006/relationships" xmlns:p="http://schemas.openxmlformats.org/presentationml/2006/main">
-  <p:cSld>
-    <p:spTree>
-      <p:nvGrpSpPr>
-        <p:cNvPr id="1" name=""/>
-        <p:cNvGrpSpPr/>
-        <p:nvPr/>
-      </p:nvGrpSpPr>
-      <p:grpSpPr>
-        <a:xfrm>
-          <a:off x="0" y="0"/>
-          <a:ext cx="0" cy="0"/>
-          <a:chOff x="0" y="0"/>
-          <a:chExt cx="0" cy="0"/>
-        </a:xfrm>
-      </p:grpSpPr>
-      <p:sp>
-        <p:nvSpPr>
-          <p:cNvPr id="2" name="Title 1"/>
-          <p:cNvSpPr>
-            <a:spLocks noGrp="1"/>
-          </p:cNvSpPr>
-          <p:nvPr>
-            <p:ph type="title"/>
-          </p:nvPr>
-        </p:nvSpPr>
-        <p:spPr>
-          <a:xfrm>
-            <a:off x="0" y="0"/>
-            <a:ext cx="9144000" cy="602780"/>
-          </a:xfrm>
-          <a:solidFill>
-            <a:srgbClr val="70121D"/>
-          </a:solidFill>
-        </p:spPr>
-        <p:txBody>
-          <a:bodyPr/>
-          <a:lstStyle/>
-          <a:p>
-            <a:pPr lvl="0" indent="0" marL="0">
-              <a:buNone/>
-            </a:pPr>
-            <a:r>
-              <a:rPr/>
-              <a:t>Lecture 3: Data gathering - managing</a:t>
-            </a:r>
-          </a:p>
-        </p:txBody>
-      </p:sp>
-      <p:sp>
-        <p:nvSpPr>
-          <p:cNvPr id="3" name="Content Placeholder 2"/>
-          <p:cNvSpPr>
-            <a:spLocks noGrp="1"/>
-          </p:cNvSpPr>
-          <p:nvPr>
-            <p:ph idx="1" sz="half"/>
-          </p:nvPr>
-        </p:nvSpPr>
-        <p:spPr/>
-        <p:txBody>
-          <a:bodyPr/>
-          <a:lstStyle/>
-          <a:p>
-            <a:pPr lvl="0" indent="0" marL="0">
-              <a:spcBef>
-                <a:spcPts val="3000"/>
-              </a:spcBef>
-              <a:buNone/>
-            </a:pPr>
-            <a:r>
-              <a:rPr b="1"/>
-              <a:t>Also have distributions of test statistics</a:t>
-            </a:r>
-          </a:p>
-          <a:p>
-            <a:pPr lvl="0" indent="0" marL="0">
-              <a:spcBef>
-                <a:spcPts val="3000"/>
-              </a:spcBef>
-              <a:buNone/>
-            </a:pPr>
-            <a:r>
-              <a:rPr b="1"/>
-              <a:t>Test statistics:</a:t>
-            </a:r>
-          </a:p>
-          <a:p>
-            <a:pPr lvl="0"/>
-            <a:r>
-              <a:rPr/>
-              <a:t>summary values calculated from data used to test hypotheses</a:t>
-            </a:r>
-          </a:p>
-          <a:p>
-            <a:pPr lvl="0"/>
-            <a:r>
-              <a:rPr/>
-              <a:t>is your result due to chance?</a:t>
-            </a:r>
-          </a:p>
-          <a:p>
-            <a:pPr lvl="0" indent="0" marL="0">
-              <a:spcBef>
-                <a:spcPts val="3000"/>
-              </a:spcBef>
-              <a:buNone/>
-            </a:pPr>
-            <a:r>
-              <a:rPr b="1"/>
-              <a:t>Different test statistics:</a:t>
-            </a:r>
-          </a:p>
-          <a:p>
-            <a:pPr lvl="0"/>
-            <a:r>
-              <a:rPr/>
-              <a:t>different, well-defined distributions</a:t>
-            </a:r>
-          </a:p>
-          <a:p>
-            <a:pPr lvl="0"/>
-            <a:r>
-              <a:rPr/>
-              <a:t>allows estimation of probabilities associated with results</a:t>
-            </a:r>
-          </a:p>
-          <a:p>
-            <a:pPr lvl="0"/>
-            <a:r>
-              <a:rPr/>
-              <a:t>Examples:</a:t>
-            </a:r>
-          </a:p>
-          <a:p>
-            <a:pPr lvl="1"/>
-            <a:r>
-              <a:rPr/>
-              <a:t>z-distribution, student’s t-distribution, χ2-distribution, F-distribution</a:t>
-            </a:r>
-          </a:p>
-        </p:txBody>
-      </p:sp>
-      <p:pic>
-        <p:nvPicPr>
-          <p:cNvPr descr="images/clipboard-105338088.png" id="0" name="Picture 1"/>
-          <p:cNvPicPr>
-            <a:picLocks noGrp="1" noChangeAspect="1"/>
-          </p:cNvPicPr>
-          <p:nvPr/>
-        </p:nvPicPr>
-        <p:blipFill>
-          <a:blip r:embed="rId2"/>
-          <a:stretch>
-            <a:fillRect/>
-          </a:stretch>
-        </p:blipFill>
-        <p:spPr bwMode="auto">
-          <a:xfrm>
-            <a:off x="6565900" y="660400"/>
-            <a:ext cx="1879600" cy="4470400"/>
-          </a:xfrm>
-          <a:prstGeom prst="rect">
-            <a:avLst/>
-          </a:prstGeom>
-          <a:noFill/>
-          <a:ln w="9525">
-            <a:noFill/>
-            <a:headEnd/>
-            <a:tailEnd/>
-          </a:ln>
-        </p:spPr>
-      </p:pic>
-    </p:spTree>
-  </p:cSld>
-</p:sld>
-</file>
-
-<file path=ppt/slides/slide18.xml><?xml version="1.0" encoding="utf-8"?>
-<p:sld xmlns:a="http://schemas.openxmlformats.org/drawingml/2006/main" xmlns:r="http://schemas.openxmlformats.org/officeDocument/2006/relationships" xmlns:p="http://schemas.openxmlformats.org/presentationml/2006/main">
-  <p:cSld>
-    <p:spTree>
-      <p:nvGrpSpPr>
-        <p:cNvPr id="1" name=""/>
-        <p:cNvGrpSpPr/>
-        <p:nvPr/>
-      </p:nvGrpSpPr>
-      <p:grpSpPr>
-        <a:xfrm>
-          <a:off x="0" y="0"/>
-          <a:ext cx="0" cy="0"/>
-          <a:chOff x="0" y="0"/>
-          <a:chExt cx="0" cy="0"/>
-        </a:xfrm>
-      </p:grpSpPr>
-      <p:sp>
-        <p:nvSpPr>
-          <p:cNvPr id="2" name="Title 1"/>
-          <p:cNvSpPr>
-            <a:spLocks noGrp="1"/>
-          </p:cNvSpPr>
-          <p:nvPr>
-            <p:ph type="title"/>
-          </p:nvPr>
-        </p:nvSpPr>
-        <p:spPr>
-          <a:xfrm>
-            <a:off x="0" y="0"/>
-            <a:ext cx="9144000" cy="602780"/>
-          </a:xfrm>
-          <a:solidFill>
-            <a:srgbClr val="70121D"/>
-          </a:solidFill>
-        </p:spPr>
-        <p:txBody>
-          <a:bodyPr/>
-          <a:lstStyle/>
-          <a:p>
-            <a:pPr lvl="0" indent="0" marL="0">
-              <a:buNone/>
-            </a:pPr>
-            <a:r>
-              <a:rPr/>
-              <a:t>Lecture 3: Samples and populations</a:t>
-            </a:r>
-          </a:p>
-        </p:txBody>
-      </p:sp>
-      <p:sp>
-        <p:nvSpPr>
-          <p:cNvPr id="3" name="Content Placeholder 2"/>
-          <p:cNvSpPr>
-            <a:spLocks noGrp="1"/>
-          </p:cNvSpPr>
-          <p:nvPr>
-            <p:ph idx="1" sz="half"/>
-          </p:nvPr>
-        </p:nvSpPr>
-        <p:spPr/>
-        <p:txBody>
-          <a:bodyPr/>
-          <a:lstStyle/>
-          <a:p>
-            <a:pPr lvl="0" indent="0" marL="0">
-              <a:spcBef>
-                <a:spcPts val="3000"/>
-              </a:spcBef>
-              <a:buNone/>
-            </a:pPr>
-            <a:r>
-              <a:rPr b="1"/>
-              <a:t>Inferential statistics:</a:t>
-            </a:r>
-          </a:p>
-          <a:p>
-            <a:pPr lvl="0"/>
-            <a:r>
-              <a:rPr/>
-              <a:t>inference from samples to populations</a:t>
-            </a:r>
-          </a:p>
-          <a:p>
-            <a:pPr lvl="0" indent="0" marL="0">
-              <a:spcBef>
-                <a:spcPts val="3000"/>
-              </a:spcBef>
-              <a:buNone/>
-            </a:pPr>
-            <a:r>
-              <a:rPr b="1"/>
-              <a:t>Statistical population:</a:t>
-            </a:r>
-          </a:p>
-          <a:p>
-            <a:pPr lvl="0"/>
-            <a:r>
-              <a:rPr/>
-              <a:t>All possible observations of interest</a:t>
-            </a:r>
-          </a:p>
-          <a:p>
-            <a:pPr lvl="0"/>
-            <a:r>
-              <a:rPr/>
-              <a:t>Normally: populations too large to census</a:t>
-            </a:r>
-          </a:p>
-          <a:p>
-            <a:pPr lvl="0" indent="0" marL="0">
-              <a:spcBef>
-                <a:spcPts val="3000"/>
-              </a:spcBef>
-              <a:buNone/>
-            </a:pPr>
-            <a:r>
-              <a:rPr b="1"/>
-              <a:t>Populations are defined in time + space</a:t>
-            </a:r>
-          </a:p>
-          <a:p>
-            <a:pPr lvl="0" indent="0" marL="0">
-              <a:spcBef>
-                <a:spcPts val="3000"/>
-              </a:spcBef>
-              <a:buNone/>
-            </a:pPr>
-            <a:r>
-              <a:rPr b="1"/>
-              <a:t>Examples of statistical populations from you research area?</a:t>
-            </a:r>
-          </a:p>
-        </p:txBody>
-      </p:sp>
-      <p:pic>
-        <p:nvPicPr>
-          <p:cNvPr descr="images/clipboard-2526616735.png" id="0" name="Picture 1"/>
-          <p:cNvPicPr>
-            <a:picLocks noGrp="1" noChangeAspect="1"/>
-          </p:cNvPicPr>
-          <p:nvPr/>
-        </p:nvPicPr>
-        <p:blipFill>
-          <a:blip r:embed="rId2"/>
-          <a:stretch>
-            <a:fillRect/>
-          </a:stretch>
-        </p:blipFill>
-        <p:spPr bwMode="auto">
-          <a:xfrm>
-            <a:off x="6121400" y="1117600"/>
-            <a:ext cx="2781300" cy="3568700"/>
-          </a:xfrm>
-          <a:prstGeom prst="rect">
-            <a:avLst/>
-          </a:prstGeom>
-          <a:noFill/>
-          <a:ln w="9525">
-            <a:noFill/>
-            <a:headEnd/>
-            <a:tailEnd/>
-          </a:ln>
-        </p:spPr>
-      </p:pic>
-    </p:spTree>
-  </p:cSld>
-</p:sld>
-</file>
-
 <file path=ppt/slides/slide19.xml><?xml version="1.0" encoding="utf-8"?>
 <p:sld xmlns:a="http://schemas.openxmlformats.org/drawingml/2006/main" xmlns:r="http://schemas.openxmlformats.org/officeDocument/2006/relationships" xmlns:p="http://schemas.openxmlformats.org/presentationml/2006/main">
   <p:cSld>
@@ -4854,7 +4814,7 @@
             </a:pPr>
             <a:r>
               <a:rPr/>
-              <a:t>Lecture 3: Samples and populations</a:t>
+              <a:t>Lecture 3: Probability distributions</a:t>
             </a:r>
           </a:p>
         </p:txBody>
@@ -4882,14 +4842,21 @@
             </a:pPr>
             <a:r>
               <a:rPr b="1"/>
-              <a:t>Key characteristic of sample is</a:t>
+              <a:t>Binomial (multinomial):</a:t>
             </a:r>
           </a:p>
           <a:p>
             <a:pPr lvl="0"/>
             <a:r>
               <a:rPr/>
-              <a:t>size (n observations; n = sample size)</a:t>
+              <a:t>probability of event that have two outcomes (heads/ tails, dead/alive)</a:t>
+            </a:r>
+          </a:p>
+          <a:p>
+            <a:pPr lvl="0"/>
+            <a:r>
+              <a:rPr/>
+              <a:t>Defined in terms of “successes” out of set number of trials</a:t>
             </a:r>
           </a:p>
           <a:p>
@@ -4901,67 +4868,14 @@
             </a:pPr>
             <a:r>
               <a:rPr b="1"/>
-              <a:t>Characteristics of population - called parameters</a:t>
-            </a:r>
-          </a:p>
-          <a:p>
-            <a:pPr lvl="0"/>
-            <a:r>
-              <a:rPr/>
-              <a:t>Parameters - Greek letters</a:t>
-            </a:r>
-          </a:p>
-          <a:p>
-            <a:pPr lvl="0" indent="0" marL="0">
-              <a:spcBef>
-                <a:spcPts val="3000"/>
-              </a:spcBef>
-              <a:buNone/>
-            </a:pPr>
-            <a:r>
-              <a:rPr b="1"/>
-              <a:t>Characteristics of samples - statistical estimates of parameters</a:t>
-            </a:r>
-          </a:p>
-          <a:p>
-            <a:pPr lvl="0"/>
-            <a:r>
-              <a:rPr/>
-              <a:t>statistics= Latin letters</a:t>
-            </a:r>
-          </a:p>
-          <a:p>
-            <a:pPr lvl="0" indent="0" marL="0">
-              <a:buNone/>
-            </a:pPr>
-            <a:r>
-              <a:rPr b="1"/>
-              <a:t>Random sampling crucial for</a:t>
-            </a:r>
-          </a:p>
-          <a:p>
-            <a:pPr lvl="0" indent="0" marL="0">
-              <a:buNone/>
-            </a:pPr>
-            <a:r>
-              <a:rPr b="1"/>
-              <a:t>sample -&gt; population</a:t>
-            </a:r>
-          </a:p>
-          <a:p>
-            <a:pPr lvl="0" indent="0" marL="0">
-              <a:buNone/>
-            </a:pPr>
-            <a:r>
-              <a:rPr b="1"/>
-              <a:t>inference statistics -&gt; parameters</a:t>
+              <a:t>In large number of trials: approximately normal distribution</a:t>
             </a:r>
           </a:p>
         </p:txBody>
       </p:sp>
       <p:pic>
         <p:nvPicPr>
-          <p:cNvPr descr="images/clipboard-536528302.png" id="0" name="Picture 1"/>
+          <p:cNvPr descr="03_01_lecture_powerpoint_files/figure-pptx/unnamed-chunk-12-1.png" id="0" name="Picture 1"/>
           <p:cNvPicPr>
             <a:picLocks noGrp="1" noChangeAspect="1"/>
           </p:cNvPicPr>
@@ -4975,8 +4889,8 @@
         </p:blipFill>
         <p:spPr bwMode="auto">
           <a:xfrm>
-            <a:off x="6121400" y="889000"/>
-            <a:ext cx="2781300" cy="4013200"/>
+            <a:off x="6121400" y="1270000"/>
+            <a:ext cx="2781300" cy="3251200"/>
           </a:xfrm>
           <a:prstGeom prst="rect">
             <a:avLst/>
@@ -5167,6 +5081,721 @@
 </file>
 
 <file path=ppt/slides/slide20.xml><?xml version="1.0" encoding="utf-8"?>
+<p:sld xmlns:a="http://schemas.openxmlformats.org/drawingml/2006/main" xmlns:r="http://schemas.openxmlformats.org/officeDocument/2006/relationships" xmlns:p="http://schemas.openxmlformats.org/presentationml/2006/main">
+  <p:cSld>
+    <p:spTree>
+      <p:nvGrpSpPr>
+        <p:cNvPr id="1" name=""/>
+        <p:cNvGrpSpPr/>
+        <p:nvPr/>
+      </p:nvGrpSpPr>
+      <p:grpSpPr>
+        <a:xfrm>
+          <a:off x="0" y="0"/>
+          <a:ext cx="0" cy="0"/>
+          <a:chOff x="0" y="0"/>
+          <a:chExt cx="0" cy="0"/>
+        </a:xfrm>
+      </p:grpSpPr>
+      <p:sp>
+        <p:nvSpPr>
+          <p:cNvPr id="2" name="Title 1"/>
+          <p:cNvSpPr>
+            <a:spLocks noGrp="1"/>
+          </p:cNvSpPr>
+          <p:nvPr>
+            <p:ph type="title"/>
+          </p:nvPr>
+        </p:nvSpPr>
+        <p:spPr>
+          <a:xfrm>
+            <a:off x="0" y="0"/>
+            <a:ext cx="9144000" cy="602780"/>
+          </a:xfrm>
+          <a:solidFill>
+            <a:srgbClr val="70121D"/>
+          </a:solidFill>
+        </p:spPr>
+        <p:txBody>
+          <a:bodyPr/>
+          <a:lstStyle/>
+          <a:p>
+            <a:pPr lvl="0" indent="0" marL="0">
+              <a:buNone/>
+            </a:pPr>
+            <a:r>
+              <a:rPr/>
+              <a:t>Lecture 3: Probability distributions</a:t>
+            </a:r>
+          </a:p>
+        </p:txBody>
+      </p:sp>
+      <p:sp>
+        <p:nvSpPr>
+          <p:cNvPr id="3" name="Content Placeholder 2"/>
+          <p:cNvSpPr>
+            <a:spLocks noGrp="1"/>
+          </p:cNvSpPr>
+          <p:nvPr>
+            <p:ph idx="1" sz="half"/>
+          </p:nvPr>
+        </p:nvSpPr>
+        <p:spPr/>
+        <p:txBody>
+          <a:bodyPr/>
+          <a:lstStyle/>
+          <a:p>
+            <a:pPr lvl="0" indent="0" marL="0">
+              <a:spcBef>
+                <a:spcPts val="3000"/>
+              </a:spcBef>
+              <a:buNone/>
+            </a:pPr>
+            <a:r>
+              <a:rPr b="1"/>
+              <a:t>Poisson: occurrences of (rare) event in time/space</a:t>
+            </a:r>
+          </a:p>
+          <a:p>
+            <a:pPr lvl="0"/>
+            <a:r>
+              <a:rPr/>
+              <a:t>E.g., number of</a:t>
+            </a:r>
+          </a:p>
+          <a:p>
+            <a:pPr lvl="1"/>
+            <a:r>
+              <a:rPr b="1" i="1"/>
+              <a:t>Taraxacum officinale</a:t>
+            </a:r>
+            <a:r>
+              <a:rPr/>
+              <a:t> </a:t>
+            </a:r>
+            <a:r>
+              <a:rPr b="1"/>
+              <a:t>- common dandelion</a:t>
+            </a:r>
+            <a:r>
+              <a:rPr/>
+              <a:t> in quadrat</a:t>
+            </a:r>
+          </a:p>
+          <a:p>
+            <a:pPr lvl="1"/>
+            <a:r>
+              <a:rPr/>
+              <a:t>copepod eaten per minute</a:t>
+            </a:r>
+          </a:p>
+          <a:p>
+            <a:pPr lvl="1"/>
+            <a:r>
+              <a:rPr/>
+              <a:t>cells in field of view</a:t>
+            </a:r>
+          </a:p>
+          <a:p>
+            <a:pPr lvl="0"/>
+            <a:r>
+              <a:rPr/>
+              <a:t>Measures Probability(y= certain integer value)</a:t>
+            </a:r>
+          </a:p>
+          <a:p>
+            <a:pPr lvl="1"/>
+            <a:r>
+              <a:rPr/>
+              <a:t>defined in terms of μ or mean</a:t>
+            </a:r>
+          </a:p>
+          <a:p>
+            <a:pPr lvl="1"/>
+            <a:r>
+              <a:rPr/>
+              <a:t>Right-skewed at small μ</a:t>
+            </a:r>
+          </a:p>
+          <a:p>
+            <a:pPr lvl="1"/>
+            <a:r>
+              <a:rPr/>
+              <a:t>more symmetrical at higher μ</a:t>
+            </a:r>
+          </a:p>
+        </p:txBody>
+      </p:sp>
+      <p:pic>
+        <p:nvPicPr>
+          <p:cNvPr descr="images/clipboard-1959646123.png" id="0" name="Picture 1"/>
+          <p:cNvPicPr>
+            <a:picLocks noGrp="1" noChangeAspect="1"/>
+          </p:cNvPicPr>
+          <p:nvPr/>
+        </p:nvPicPr>
+        <p:blipFill>
+          <a:blip r:embed="rId2"/>
+          <a:stretch>
+            <a:fillRect/>
+          </a:stretch>
+        </p:blipFill>
+        <p:spPr bwMode="auto">
+          <a:xfrm>
+            <a:off x="6121400" y="990600"/>
+            <a:ext cx="2781300" cy="3822700"/>
+          </a:xfrm>
+          <a:prstGeom prst="rect">
+            <a:avLst/>
+          </a:prstGeom>
+          <a:noFill/>
+          <a:ln w="9525">
+            <a:noFill/>
+            <a:headEnd/>
+            <a:tailEnd/>
+          </a:ln>
+        </p:spPr>
+      </p:pic>
+    </p:spTree>
+  </p:cSld>
+</p:sld>
+</file>
+
+<file path=ppt/slides/slide21.xml><?xml version="1.0" encoding="utf-8"?>
+<p:sld xmlns:a="http://schemas.openxmlformats.org/drawingml/2006/main" xmlns:r="http://schemas.openxmlformats.org/officeDocument/2006/relationships" xmlns:p="http://schemas.openxmlformats.org/presentationml/2006/main">
+  <p:cSld>
+    <p:spTree>
+      <p:nvGrpSpPr>
+        <p:cNvPr id="1" name=""/>
+        <p:cNvGrpSpPr/>
+        <p:nvPr/>
+      </p:nvGrpSpPr>
+      <p:grpSpPr>
+        <a:xfrm>
+          <a:off x="0" y="0"/>
+          <a:ext cx="0" cy="0"/>
+          <a:chOff x="0" y="0"/>
+          <a:chExt cx="0" cy="0"/>
+        </a:xfrm>
+      </p:grpSpPr>
+      <p:sp>
+        <p:nvSpPr>
+          <p:cNvPr id="2" name="Title 1"/>
+          <p:cNvSpPr>
+            <a:spLocks noGrp="1"/>
+          </p:cNvSpPr>
+          <p:nvPr>
+            <p:ph type="title"/>
+          </p:nvPr>
+        </p:nvSpPr>
+        <p:spPr>
+          <a:xfrm>
+            <a:off x="0" y="0"/>
+            <a:ext cx="9144000" cy="602780"/>
+          </a:xfrm>
+          <a:solidFill>
+            <a:srgbClr val="70121D"/>
+          </a:solidFill>
+        </p:spPr>
+        <p:txBody>
+          <a:bodyPr/>
+          <a:lstStyle/>
+          <a:p>
+            <a:pPr lvl="0" indent="0" marL="0">
+              <a:buNone/>
+            </a:pPr>
+            <a:r>
+              <a:rPr/>
+              <a:t>Lecture 3: Data gathering - managing</a:t>
+            </a:r>
+          </a:p>
+        </p:txBody>
+      </p:sp>
+      <p:sp>
+        <p:nvSpPr>
+          <p:cNvPr id="3" name="Content Placeholder 2"/>
+          <p:cNvSpPr>
+            <a:spLocks noGrp="1"/>
+          </p:cNvSpPr>
+          <p:nvPr>
+            <p:ph idx="1" sz="half"/>
+          </p:nvPr>
+        </p:nvSpPr>
+        <p:spPr/>
+        <p:txBody>
+          <a:bodyPr/>
+          <a:lstStyle/>
+          <a:p>
+            <a:pPr lvl="0" indent="0" marL="0">
+              <a:spcBef>
+                <a:spcPts val="3000"/>
+              </a:spcBef>
+              <a:buNone/>
+            </a:pPr>
+            <a:r>
+              <a:rPr b="1"/>
+              <a:t>Also have distributions of test statistics</a:t>
+            </a:r>
+          </a:p>
+          <a:p>
+            <a:pPr lvl="0" indent="0" marL="0">
+              <a:spcBef>
+                <a:spcPts val="3000"/>
+              </a:spcBef>
+              <a:buNone/>
+            </a:pPr>
+            <a:r>
+              <a:rPr b="1"/>
+              <a:t>Test statistics:</a:t>
+            </a:r>
+          </a:p>
+          <a:p>
+            <a:pPr lvl="0"/>
+            <a:r>
+              <a:rPr/>
+              <a:t>summary values calculated from data used to test hypotheses</a:t>
+            </a:r>
+          </a:p>
+          <a:p>
+            <a:pPr lvl="0"/>
+            <a:r>
+              <a:rPr/>
+              <a:t>is your result due to chance?</a:t>
+            </a:r>
+          </a:p>
+          <a:p>
+            <a:pPr lvl="0" indent="0" marL="0">
+              <a:spcBef>
+                <a:spcPts val="3000"/>
+              </a:spcBef>
+              <a:buNone/>
+            </a:pPr>
+            <a:r>
+              <a:rPr b="1"/>
+              <a:t>Different test statistics:</a:t>
+            </a:r>
+          </a:p>
+          <a:p>
+            <a:pPr lvl="0"/>
+            <a:r>
+              <a:rPr/>
+              <a:t>different, well-defined distributions</a:t>
+            </a:r>
+          </a:p>
+          <a:p>
+            <a:pPr lvl="0"/>
+            <a:r>
+              <a:rPr/>
+              <a:t>allows estimation of probabilities associated with results</a:t>
+            </a:r>
+          </a:p>
+          <a:p>
+            <a:pPr lvl="0"/>
+            <a:r>
+              <a:rPr/>
+              <a:t>Examples:</a:t>
+            </a:r>
+          </a:p>
+          <a:p>
+            <a:pPr lvl="1"/>
+            <a:r>
+              <a:rPr/>
+              <a:t>z-distribution, student’s t-distribution, χ2-distribution, F-distribution</a:t>
+            </a:r>
+          </a:p>
+        </p:txBody>
+      </p:sp>
+      <p:pic>
+        <p:nvPicPr>
+          <p:cNvPr descr="images/clipboard-105338088.png" id="0" name="Picture 1"/>
+          <p:cNvPicPr>
+            <a:picLocks noGrp="1" noChangeAspect="1"/>
+          </p:cNvPicPr>
+          <p:nvPr/>
+        </p:nvPicPr>
+        <p:blipFill>
+          <a:blip r:embed="rId2"/>
+          <a:stretch>
+            <a:fillRect/>
+          </a:stretch>
+        </p:blipFill>
+        <p:spPr bwMode="auto">
+          <a:xfrm>
+            <a:off x="6565900" y="660400"/>
+            <a:ext cx="1879600" cy="4470400"/>
+          </a:xfrm>
+          <a:prstGeom prst="rect">
+            <a:avLst/>
+          </a:prstGeom>
+          <a:noFill/>
+          <a:ln w="9525">
+            <a:noFill/>
+            <a:headEnd/>
+            <a:tailEnd/>
+          </a:ln>
+        </p:spPr>
+      </p:pic>
+    </p:spTree>
+  </p:cSld>
+</p:sld>
+</file>
+
+<file path=ppt/slides/slide22.xml><?xml version="1.0" encoding="utf-8"?>
+<p:sld xmlns:a="http://schemas.openxmlformats.org/drawingml/2006/main" xmlns:r="http://schemas.openxmlformats.org/officeDocument/2006/relationships" xmlns:p="http://schemas.openxmlformats.org/presentationml/2006/main">
+  <p:cSld>
+    <p:spTree>
+      <p:nvGrpSpPr>
+        <p:cNvPr id="1" name=""/>
+        <p:cNvGrpSpPr/>
+        <p:nvPr/>
+      </p:nvGrpSpPr>
+      <p:grpSpPr>
+        <a:xfrm>
+          <a:off x="0" y="0"/>
+          <a:ext cx="0" cy="0"/>
+          <a:chOff x="0" y="0"/>
+          <a:chExt cx="0" cy="0"/>
+        </a:xfrm>
+      </p:grpSpPr>
+      <p:sp>
+        <p:nvSpPr>
+          <p:cNvPr id="2" name="Title 1"/>
+          <p:cNvSpPr>
+            <a:spLocks noGrp="1"/>
+          </p:cNvSpPr>
+          <p:nvPr>
+            <p:ph type="title"/>
+          </p:nvPr>
+        </p:nvSpPr>
+        <p:spPr>
+          <a:xfrm>
+            <a:off x="0" y="0"/>
+            <a:ext cx="9144000" cy="602780"/>
+          </a:xfrm>
+          <a:solidFill>
+            <a:srgbClr val="70121D"/>
+          </a:solidFill>
+        </p:spPr>
+        <p:txBody>
+          <a:bodyPr/>
+          <a:lstStyle/>
+          <a:p>
+            <a:pPr lvl="0" indent="0" marL="0">
+              <a:buNone/>
+            </a:pPr>
+            <a:r>
+              <a:rPr/>
+              <a:t>Lecture 3: Samples and populations</a:t>
+            </a:r>
+          </a:p>
+        </p:txBody>
+      </p:sp>
+      <p:sp>
+        <p:nvSpPr>
+          <p:cNvPr id="3" name="Content Placeholder 2"/>
+          <p:cNvSpPr>
+            <a:spLocks noGrp="1"/>
+          </p:cNvSpPr>
+          <p:nvPr>
+            <p:ph idx="1" sz="half"/>
+          </p:nvPr>
+        </p:nvSpPr>
+        <p:spPr/>
+        <p:txBody>
+          <a:bodyPr/>
+          <a:lstStyle/>
+          <a:p>
+            <a:pPr lvl="0" indent="0" marL="0">
+              <a:spcBef>
+                <a:spcPts val="3000"/>
+              </a:spcBef>
+              <a:buNone/>
+            </a:pPr>
+            <a:r>
+              <a:rPr b="1"/>
+              <a:t>Inferential statistics:</a:t>
+            </a:r>
+          </a:p>
+          <a:p>
+            <a:pPr lvl="0"/>
+            <a:r>
+              <a:rPr/>
+              <a:t>inference from samples to populations</a:t>
+            </a:r>
+          </a:p>
+          <a:p>
+            <a:pPr lvl="0" indent="0" marL="0">
+              <a:spcBef>
+                <a:spcPts val="3000"/>
+              </a:spcBef>
+              <a:buNone/>
+            </a:pPr>
+            <a:r>
+              <a:rPr b="1"/>
+              <a:t>Statistical population:</a:t>
+            </a:r>
+          </a:p>
+          <a:p>
+            <a:pPr lvl="0"/>
+            <a:r>
+              <a:rPr/>
+              <a:t>All possible observations of interest</a:t>
+            </a:r>
+          </a:p>
+          <a:p>
+            <a:pPr lvl="0"/>
+            <a:r>
+              <a:rPr/>
+              <a:t>Normally: populations too large to census</a:t>
+            </a:r>
+          </a:p>
+          <a:p>
+            <a:pPr lvl="0" indent="0" marL="0">
+              <a:spcBef>
+                <a:spcPts val="3000"/>
+              </a:spcBef>
+              <a:buNone/>
+            </a:pPr>
+            <a:r>
+              <a:rPr b="1"/>
+              <a:t>Populations are defined in time + space</a:t>
+            </a:r>
+          </a:p>
+          <a:p>
+            <a:pPr lvl="0" indent="0" marL="0">
+              <a:spcBef>
+                <a:spcPts val="3000"/>
+              </a:spcBef>
+              <a:buNone/>
+            </a:pPr>
+            <a:r>
+              <a:rPr b="1"/>
+              <a:t>Examples of statistical populations from you research area?</a:t>
+            </a:r>
+          </a:p>
+        </p:txBody>
+      </p:sp>
+      <p:pic>
+        <p:nvPicPr>
+          <p:cNvPr descr="images/clipboard-2526616735.png" id="0" name="Picture 1"/>
+          <p:cNvPicPr>
+            <a:picLocks noGrp="1" noChangeAspect="1"/>
+          </p:cNvPicPr>
+          <p:nvPr/>
+        </p:nvPicPr>
+        <p:blipFill>
+          <a:blip r:embed="rId2"/>
+          <a:stretch>
+            <a:fillRect/>
+          </a:stretch>
+        </p:blipFill>
+        <p:spPr bwMode="auto">
+          <a:xfrm>
+            <a:off x="6121400" y="1117600"/>
+            <a:ext cx="2781300" cy="3568700"/>
+          </a:xfrm>
+          <a:prstGeom prst="rect">
+            <a:avLst/>
+          </a:prstGeom>
+          <a:noFill/>
+          <a:ln w="9525">
+            <a:noFill/>
+            <a:headEnd/>
+            <a:tailEnd/>
+          </a:ln>
+        </p:spPr>
+      </p:pic>
+    </p:spTree>
+  </p:cSld>
+</p:sld>
+</file>
+
+<file path=ppt/slides/slide23.xml><?xml version="1.0" encoding="utf-8"?>
+<p:sld xmlns:a="http://schemas.openxmlformats.org/drawingml/2006/main" xmlns:r="http://schemas.openxmlformats.org/officeDocument/2006/relationships" xmlns:p="http://schemas.openxmlformats.org/presentationml/2006/main">
+  <p:cSld>
+    <p:spTree>
+      <p:nvGrpSpPr>
+        <p:cNvPr id="1" name=""/>
+        <p:cNvGrpSpPr/>
+        <p:nvPr/>
+      </p:nvGrpSpPr>
+      <p:grpSpPr>
+        <a:xfrm>
+          <a:off x="0" y="0"/>
+          <a:ext cx="0" cy="0"/>
+          <a:chOff x="0" y="0"/>
+          <a:chExt cx="0" cy="0"/>
+        </a:xfrm>
+      </p:grpSpPr>
+      <p:sp>
+        <p:nvSpPr>
+          <p:cNvPr id="2" name="Title 1"/>
+          <p:cNvSpPr>
+            <a:spLocks noGrp="1"/>
+          </p:cNvSpPr>
+          <p:nvPr>
+            <p:ph type="title"/>
+          </p:nvPr>
+        </p:nvSpPr>
+        <p:spPr>
+          <a:xfrm>
+            <a:off x="0" y="0"/>
+            <a:ext cx="9144000" cy="602780"/>
+          </a:xfrm>
+          <a:solidFill>
+            <a:srgbClr val="70121D"/>
+          </a:solidFill>
+        </p:spPr>
+        <p:txBody>
+          <a:bodyPr/>
+          <a:lstStyle/>
+          <a:p>
+            <a:pPr lvl="0" indent="0" marL="0">
+              <a:buNone/>
+            </a:pPr>
+            <a:r>
+              <a:rPr/>
+              <a:t>Lecture 3: Samples and populations</a:t>
+            </a:r>
+          </a:p>
+        </p:txBody>
+      </p:sp>
+      <p:sp>
+        <p:nvSpPr>
+          <p:cNvPr id="3" name="Content Placeholder 2"/>
+          <p:cNvSpPr>
+            <a:spLocks noGrp="1"/>
+          </p:cNvSpPr>
+          <p:nvPr>
+            <p:ph idx="1" sz="half"/>
+          </p:nvPr>
+        </p:nvSpPr>
+        <p:spPr/>
+        <p:txBody>
+          <a:bodyPr/>
+          <a:lstStyle/>
+          <a:p>
+            <a:pPr lvl="0" indent="0" marL="0">
+              <a:spcBef>
+                <a:spcPts val="3000"/>
+              </a:spcBef>
+              <a:buNone/>
+            </a:pPr>
+            <a:r>
+              <a:rPr b="1"/>
+              <a:t>Key characteristic of sample is</a:t>
+            </a:r>
+          </a:p>
+          <a:p>
+            <a:pPr lvl="0"/>
+            <a:r>
+              <a:rPr/>
+              <a:t>size (n observations; n = sample size)</a:t>
+            </a:r>
+          </a:p>
+          <a:p>
+            <a:pPr lvl="0" indent="0" marL="0">
+              <a:spcBef>
+                <a:spcPts val="3000"/>
+              </a:spcBef>
+              <a:buNone/>
+            </a:pPr>
+            <a:r>
+              <a:rPr b="1"/>
+              <a:t>Characteristics of population - called parameters</a:t>
+            </a:r>
+          </a:p>
+          <a:p>
+            <a:pPr lvl="0"/>
+            <a:r>
+              <a:rPr/>
+              <a:t>Parameters - Greek letters</a:t>
+            </a:r>
+          </a:p>
+          <a:p>
+            <a:pPr lvl="0" indent="0" marL="0">
+              <a:spcBef>
+                <a:spcPts val="3000"/>
+              </a:spcBef>
+              <a:buNone/>
+            </a:pPr>
+            <a:r>
+              <a:rPr b="1"/>
+              <a:t>Characteristics of samples - statistical estimates of parameters</a:t>
+            </a:r>
+          </a:p>
+          <a:p>
+            <a:pPr lvl="0"/>
+            <a:r>
+              <a:rPr/>
+              <a:t>statistics= Latin letters</a:t>
+            </a:r>
+          </a:p>
+          <a:p>
+            <a:pPr lvl="0" indent="0" marL="0">
+              <a:buNone/>
+            </a:pPr>
+            <a:r>
+              <a:rPr b="1"/>
+              <a:t>Random sampling crucial for</a:t>
+            </a:r>
+          </a:p>
+          <a:p>
+            <a:pPr lvl="0" indent="0" marL="0">
+              <a:buNone/>
+            </a:pPr>
+            <a:r>
+              <a:rPr b="1"/>
+              <a:t>sample -&gt; population</a:t>
+            </a:r>
+          </a:p>
+          <a:p>
+            <a:pPr lvl="0" indent="0" marL="0">
+              <a:buNone/>
+            </a:pPr>
+            <a:r>
+              <a:rPr b="1"/>
+              <a:t>inference statistics -&gt; parameters</a:t>
+            </a:r>
+          </a:p>
+        </p:txBody>
+      </p:sp>
+      <p:pic>
+        <p:nvPicPr>
+          <p:cNvPr descr="images/clipboard-536528302.png" id="0" name="Picture 1"/>
+          <p:cNvPicPr>
+            <a:picLocks noGrp="1" noChangeAspect="1"/>
+          </p:cNvPicPr>
+          <p:nvPr/>
+        </p:nvPicPr>
+        <p:blipFill>
+          <a:blip r:embed="rId2"/>
+          <a:stretch>
+            <a:fillRect/>
+          </a:stretch>
+        </p:blipFill>
+        <p:spPr bwMode="auto">
+          <a:xfrm>
+            <a:off x="6121400" y="889000"/>
+            <a:ext cx="2781300" cy="4013200"/>
+          </a:xfrm>
+          <a:prstGeom prst="rect">
+            <a:avLst/>
+          </a:prstGeom>
+          <a:noFill/>
+          <a:ln w="9525">
+            <a:noFill/>
+            <a:headEnd/>
+            <a:tailEnd/>
+          </a:ln>
+        </p:spPr>
+      </p:pic>
+    </p:spTree>
+  </p:cSld>
+</p:sld>
+</file>
+
+<file path=ppt/slides/slide24.xml><?xml version="1.0" encoding="utf-8"?>
 <p:sld xmlns:a="http://schemas.openxmlformats.org/drawingml/2006/main" xmlns:r="http://schemas.openxmlformats.org/officeDocument/2006/relationships" xmlns:p="http://schemas.openxmlformats.org/presentationml/2006/main">
   <p:cSld>
     <p:spTree>
@@ -5533,7 +6162,7 @@
 </p:sld>
 </file>
 
-<file path=ppt/slides/slide21.xml><?xml version="1.0" encoding="utf-8"?>
+<file path=ppt/slides/slide25.xml><?xml version="1.0" encoding="utf-8"?>
 <p:sld xmlns:a="http://schemas.openxmlformats.org/drawingml/2006/main" xmlns:r="http://schemas.openxmlformats.org/officeDocument/2006/relationships" xmlns:p="http://schemas.openxmlformats.org/presentationml/2006/main">
   <p:cSld>
     <p:spTree>
@@ -5800,7 +6429,7 @@
 </p:sld>
 </file>
 
-<file path=ppt/slides/slide22.xml><?xml version="1.0" encoding="utf-8"?>
+<file path=ppt/slides/slide26.xml><?xml version="1.0" encoding="utf-8"?>
 <p:sld xmlns:a="http://schemas.openxmlformats.org/drawingml/2006/main" xmlns:r="http://schemas.openxmlformats.org/officeDocument/2006/relationships" xmlns:p="http://schemas.openxmlformats.org/presentationml/2006/main">
   <p:cSld>
     <p:spTree>
@@ -5932,7 +6561,7 @@
 </p:sld>
 </file>
 
-<file path=ppt/slides/slide23.xml><?xml version="1.0" encoding="utf-8"?>
+<file path=ppt/slides/slide27.xml><?xml version="1.0" encoding="utf-8"?>
 <p:sld xmlns:a="http://schemas.openxmlformats.org/drawingml/2006/main" xmlns:r="http://schemas.openxmlformats.org/officeDocument/2006/relationships" xmlns:p="http://schemas.openxmlformats.org/presentationml/2006/main">
   <p:cSld>
     <p:spTree>
@@ -6268,7 +6897,7 @@
 </p:sld>
 </file>
 
-<file path=ppt/slides/slide24.xml><?xml version="1.0" encoding="utf-8"?>
+<file path=ppt/slides/slide28.xml><?xml version="1.0" encoding="utf-8"?>
 <p:sld xmlns:a="http://schemas.openxmlformats.org/drawingml/2006/main" xmlns:r="http://schemas.openxmlformats.org/officeDocument/2006/relationships" xmlns:p="http://schemas.openxmlformats.org/presentationml/2006/main">
   <p:cSld>
     <p:spTree>
@@ -6391,7 +7020,7 @@
 </p:sld>
 </file>
 
-<file path=ppt/slides/slide25.xml><?xml version="1.0" encoding="utf-8"?>
+<file path=ppt/slides/slide29.xml><?xml version="1.0" encoding="utf-8"?>
 <p:sld xmlns:a="http://schemas.openxmlformats.org/drawingml/2006/main" xmlns:r="http://schemas.openxmlformats.org/officeDocument/2006/relationships" xmlns:p="http://schemas.openxmlformats.org/presentationml/2006/main">
   <p:cSld>
     <p:spTree>
@@ -7069,6 +7698,603 @@
             </a:pPr>
             <a:r>
               <a:rPr>
+                <a:solidFill>
+                  <a:srgbClr val="003B4F"/>
+                </a:solidFill>
+                <a:latin typeface="Courier"/>
+              </a:rPr>
+              <a:t>sculpin_df </a:t>
+            </a:r>
+            <a:r>
+              <a:rPr>
+                <a:solidFill>
+                  <a:srgbClr val="5E5E5E"/>
+                </a:solidFill>
+                <a:latin typeface="Courier"/>
+              </a:rPr>
+              <a:t>%&gt;%</a:t>
+            </a:r>
+            <a:r>
+              <a:rPr>
+                <a:solidFill>
+                  <a:srgbClr val="003B4F"/>
+                </a:solidFill>
+                <a:latin typeface="Courier"/>
+              </a:rPr>
+              <a:t> </a:t>
+            </a:r>
+            <a:br/>
+            <a:r>
+              <a:rPr>
+                <a:solidFill>
+                  <a:srgbClr val="003B4F"/>
+                </a:solidFill>
+                <a:latin typeface="Courier"/>
+              </a:rPr>
+              <a:t>  </a:t>
+            </a:r>
+            <a:r>
+              <a:rPr>
+                <a:solidFill>
+                  <a:srgbClr val="4758AB"/>
+                </a:solidFill>
+                <a:latin typeface="Courier"/>
+              </a:rPr>
+              <a:t>filter</a:t>
+            </a:r>
+            <a:r>
+              <a:rPr>
+                <a:solidFill>
+                  <a:srgbClr val="003B4F"/>
+                </a:solidFill>
+                <a:latin typeface="Courier"/>
+              </a:rPr>
+              <a:t>(lake </a:t>
+            </a:r>
+            <a:r>
+              <a:rPr>
+                <a:solidFill>
+                  <a:srgbClr val="5E5E5E"/>
+                </a:solidFill>
+                <a:latin typeface="Courier"/>
+              </a:rPr>
+              <a:t>==</a:t>
+            </a:r>
+            <a:r>
+              <a:rPr>
+                <a:solidFill>
+                  <a:srgbClr val="003B4F"/>
+                </a:solidFill>
+                <a:latin typeface="Courier"/>
+              </a:rPr>
+              <a:t> </a:t>
+            </a:r>
+            <a:r>
+              <a:rPr>
+                <a:solidFill>
+                  <a:srgbClr val="20794D"/>
+                </a:solidFill>
+                <a:latin typeface="Courier"/>
+              </a:rPr>
+              <a:t>"Toolik"</a:t>
+            </a:r>
+            <a:r>
+              <a:rPr>
+                <a:solidFill>
+                  <a:srgbClr val="003B4F"/>
+                </a:solidFill>
+                <a:latin typeface="Courier"/>
+              </a:rPr>
+              <a:t>) </a:t>
+            </a:r>
+            <a:r>
+              <a:rPr>
+                <a:solidFill>
+                  <a:srgbClr val="5E5E5E"/>
+                </a:solidFill>
+                <a:latin typeface="Courier"/>
+              </a:rPr>
+              <a:t>%&gt;%</a:t>
+            </a:r>
+            <a:r>
+              <a:rPr>
+                <a:solidFill>
+                  <a:srgbClr val="003B4F"/>
+                </a:solidFill>
+                <a:latin typeface="Courier"/>
+              </a:rPr>
+              <a:t> </a:t>
+            </a:r>
+            <a:br/>
+            <a:r>
+              <a:rPr>
+                <a:solidFill>
+                  <a:srgbClr val="003B4F"/>
+                </a:solidFill>
+                <a:latin typeface="Courier"/>
+              </a:rPr>
+              <a:t>  </a:t>
+            </a:r>
+            <a:r>
+              <a:rPr>
+                <a:solidFill>
+                  <a:srgbClr val="4758AB"/>
+                </a:solidFill>
+                <a:latin typeface="Courier"/>
+              </a:rPr>
+              <a:t>summarize</a:t>
+            </a:r>
+            <a:r>
+              <a:rPr>
+                <a:solidFill>
+                  <a:srgbClr val="003B4F"/>
+                </a:solidFill>
+                <a:latin typeface="Courier"/>
+              </a:rPr>
+              <a:t>(</a:t>
+            </a:r>
+            <a:br/>
+            <a:r>
+              <a:rPr>
+                <a:solidFill>
+                  <a:srgbClr val="003B4F"/>
+                </a:solidFill>
+                <a:latin typeface="Courier"/>
+              </a:rPr>
+              <a:t>    </a:t>
+            </a:r>
+            <a:r>
+              <a:rPr>
+                <a:solidFill>
+                  <a:srgbClr val="657422"/>
+                </a:solidFill>
+                <a:latin typeface="Courier"/>
+              </a:rPr>
+              <a:t>mean =</a:t>
+            </a:r>
+            <a:r>
+              <a:rPr>
+                <a:solidFill>
+                  <a:srgbClr val="003B4F"/>
+                </a:solidFill>
+                <a:latin typeface="Courier"/>
+              </a:rPr>
+              <a:t> </a:t>
+            </a:r>
+            <a:r>
+              <a:rPr>
+                <a:solidFill>
+                  <a:srgbClr val="4758AB"/>
+                </a:solidFill>
+                <a:latin typeface="Courier"/>
+              </a:rPr>
+              <a:t>mean</a:t>
+            </a:r>
+            <a:r>
+              <a:rPr>
+                <a:solidFill>
+                  <a:srgbClr val="003B4F"/>
+                </a:solidFill>
+                <a:latin typeface="Courier"/>
+              </a:rPr>
+              <a:t>(total_length_mm, </a:t>
+            </a:r>
+            <a:r>
+              <a:rPr>
+                <a:solidFill>
+                  <a:srgbClr val="657422"/>
+                </a:solidFill>
+                <a:latin typeface="Courier"/>
+              </a:rPr>
+              <a:t>na.rm =</a:t>
+            </a:r>
+            <a:r>
+              <a:rPr>
+                <a:solidFill>
+                  <a:srgbClr val="003B4F"/>
+                </a:solidFill>
+                <a:latin typeface="Courier"/>
+              </a:rPr>
+              <a:t> </a:t>
+            </a:r>
+            <a:r>
+              <a:rPr>
+                <a:solidFill>
+                  <a:srgbClr val="8F5902"/>
+                </a:solidFill>
+                <a:latin typeface="Courier"/>
+              </a:rPr>
+              <a:t>TRUE</a:t>
+            </a:r>
+            <a:r>
+              <a:rPr>
+                <a:solidFill>
+                  <a:srgbClr val="003B4F"/>
+                </a:solidFill>
+                <a:latin typeface="Courier"/>
+              </a:rPr>
+              <a:t>),</a:t>
+            </a:r>
+            <a:br/>
+            <a:r>
+              <a:rPr>
+                <a:solidFill>
+                  <a:srgbClr val="003B4F"/>
+                </a:solidFill>
+                <a:latin typeface="Courier"/>
+              </a:rPr>
+              <a:t>    </a:t>
+            </a:r>
+            <a:r>
+              <a:rPr>
+                <a:solidFill>
+                  <a:srgbClr val="657422"/>
+                </a:solidFill>
+                <a:latin typeface="Courier"/>
+              </a:rPr>
+              <a:t>sd =</a:t>
+            </a:r>
+            <a:r>
+              <a:rPr>
+                <a:solidFill>
+                  <a:srgbClr val="003B4F"/>
+                </a:solidFill>
+                <a:latin typeface="Courier"/>
+              </a:rPr>
+              <a:t> </a:t>
+            </a:r>
+            <a:r>
+              <a:rPr>
+                <a:solidFill>
+                  <a:srgbClr val="4758AB"/>
+                </a:solidFill>
+                <a:latin typeface="Courier"/>
+              </a:rPr>
+              <a:t>sd</a:t>
+            </a:r>
+            <a:r>
+              <a:rPr>
+                <a:solidFill>
+                  <a:srgbClr val="003B4F"/>
+                </a:solidFill>
+                <a:latin typeface="Courier"/>
+              </a:rPr>
+              <a:t>(total_length_mm, </a:t>
+            </a:r>
+            <a:r>
+              <a:rPr>
+                <a:solidFill>
+                  <a:srgbClr val="657422"/>
+                </a:solidFill>
+                <a:latin typeface="Courier"/>
+              </a:rPr>
+              <a:t>na.rm =</a:t>
+            </a:r>
+            <a:r>
+              <a:rPr>
+                <a:solidFill>
+                  <a:srgbClr val="003B4F"/>
+                </a:solidFill>
+                <a:latin typeface="Courier"/>
+              </a:rPr>
+              <a:t> </a:t>
+            </a:r>
+            <a:r>
+              <a:rPr>
+                <a:solidFill>
+                  <a:srgbClr val="8F5902"/>
+                </a:solidFill>
+                <a:latin typeface="Courier"/>
+              </a:rPr>
+              <a:t>TRUE</a:t>
+            </a:r>
+            <a:r>
+              <a:rPr>
+                <a:solidFill>
+                  <a:srgbClr val="003B4F"/>
+                </a:solidFill>
+                <a:latin typeface="Courier"/>
+              </a:rPr>
+              <a:t>),</a:t>
+            </a:r>
+            <a:br/>
+            <a:r>
+              <a:rPr>
+                <a:solidFill>
+                  <a:srgbClr val="003B4F"/>
+                </a:solidFill>
+                <a:latin typeface="Courier"/>
+              </a:rPr>
+              <a:t>    </a:t>
+            </a:r>
+            <a:r>
+              <a:rPr>
+                <a:solidFill>
+                  <a:srgbClr val="657422"/>
+                </a:solidFill>
+                <a:latin typeface="Courier"/>
+              </a:rPr>
+              <a:t>se =</a:t>
+            </a:r>
+            <a:r>
+              <a:rPr>
+                <a:solidFill>
+                  <a:srgbClr val="003B4F"/>
+                </a:solidFill>
+                <a:latin typeface="Courier"/>
+              </a:rPr>
+              <a:t> </a:t>
+            </a:r>
+            <a:r>
+              <a:rPr>
+                <a:solidFill>
+                  <a:srgbClr val="4758AB"/>
+                </a:solidFill>
+                <a:latin typeface="Courier"/>
+              </a:rPr>
+              <a:t>sd</a:t>
+            </a:r>
+            <a:r>
+              <a:rPr>
+                <a:solidFill>
+                  <a:srgbClr val="003B4F"/>
+                </a:solidFill>
+                <a:latin typeface="Courier"/>
+              </a:rPr>
+              <a:t>(total_length_mm, </a:t>
+            </a:r>
+            <a:r>
+              <a:rPr>
+                <a:solidFill>
+                  <a:srgbClr val="657422"/>
+                </a:solidFill>
+                <a:latin typeface="Courier"/>
+              </a:rPr>
+              <a:t>na.rm =</a:t>
+            </a:r>
+            <a:r>
+              <a:rPr>
+                <a:solidFill>
+                  <a:srgbClr val="003B4F"/>
+                </a:solidFill>
+                <a:latin typeface="Courier"/>
+              </a:rPr>
+              <a:t> </a:t>
+            </a:r>
+            <a:r>
+              <a:rPr>
+                <a:solidFill>
+                  <a:srgbClr val="8F5902"/>
+                </a:solidFill>
+                <a:latin typeface="Courier"/>
+              </a:rPr>
+              <a:t>TRUE</a:t>
+            </a:r>
+            <a:r>
+              <a:rPr>
+                <a:solidFill>
+                  <a:srgbClr val="003B4F"/>
+                </a:solidFill>
+                <a:latin typeface="Courier"/>
+              </a:rPr>
+              <a:t>)</a:t>
+            </a:r>
+            <a:r>
+              <a:rPr>
+                <a:solidFill>
+                  <a:srgbClr val="5E5E5E"/>
+                </a:solidFill>
+                <a:latin typeface="Courier"/>
+              </a:rPr>
+              <a:t>/</a:t>
+            </a:r>
+            <a:r>
+              <a:rPr>
+                <a:solidFill>
+                  <a:srgbClr val="003B4F"/>
+                </a:solidFill>
+                <a:latin typeface="Courier"/>
+              </a:rPr>
+              <a:t>(</a:t>
+            </a:r>
+            <a:r>
+              <a:rPr>
+                <a:solidFill>
+                  <a:srgbClr val="4758AB"/>
+                </a:solidFill>
+                <a:latin typeface="Courier"/>
+              </a:rPr>
+              <a:t>sum</a:t>
+            </a:r>
+            <a:r>
+              <a:rPr>
+                <a:solidFill>
+                  <a:srgbClr val="003B4F"/>
+                </a:solidFill>
+                <a:latin typeface="Courier"/>
+              </a:rPr>
+              <a:t>(</a:t>
+            </a:r>
+            <a:r>
+              <a:rPr>
+                <a:solidFill>
+                  <a:srgbClr val="5E5E5E"/>
+                </a:solidFill>
+                <a:latin typeface="Courier"/>
+              </a:rPr>
+              <a:t>!</a:t>
+            </a:r>
+            <a:r>
+              <a:rPr>
+                <a:solidFill>
+                  <a:srgbClr val="4758AB"/>
+                </a:solidFill>
+                <a:latin typeface="Courier"/>
+              </a:rPr>
+              <a:t>is.na</a:t>
+            </a:r>
+            <a:r>
+              <a:rPr>
+                <a:solidFill>
+                  <a:srgbClr val="003B4F"/>
+                </a:solidFill>
+                <a:latin typeface="Courier"/>
+              </a:rPr>
+              <a:t>(total_length_mm))</a:t>
+            </a:r>
+            <a:r>
+              <a:rPr>
+                <a:solidFill>
+                  <a:srgbClr val="5E5E5E"/>
+                </a:solidFill>
+                <a:latin typeface="Courier"/>
+              </a:rPr>
+              <a:t>^</a:t>
+            </a:r>
+            <a:r>
+              <a:rPr>
+                <a:solidFill>
+                  <a:srgbClr val="AD0000"/>
+                </a:solidFill>
+                <a:latin typeface="Courier"/>
+              </a:rPr>
+              <a:t>0.5</a:t>
+            </a:r>
+            <a:r>
+              <a:rPr>
+                <a:solidFill>
+                  <a:srgbClr val="003B4F"/>
+                </a:solidFill>
+                <a:latin typeface="Courier"/>
+              </a:rPr>
+              <a:t>),</a:t>
+            </a:r>
+            <a:br/>
+            <a:r>
+              <a:rPr>
+                <a:solidFill>
+                  <a:srgbClr val="003B4F"/>
+                </a:solidFill>
+                <a:latin typeface="Courier"/>
+              </a:rPr>
+              <a:t>    </a:t>
+            </a:r>
+            <a:r>
+              <a:rPr>
+                <a:solidFill>
+                  <a:srgbClr val="657422"/>
+                </a:solidFill>
+                <a:latin typeface="Courier"/>
+              </a:rPr>
+              <a:t>count =</a:t>
+            </a:r>
+            <a:r>
+              <a:rPr>
+                <a:solidFill>
+                  <a:srgbClr val="003B4F"/>
+                </a:solidFill>
+                <a:latin typeface="Courier"/>
+              </a:rPr>
+              <a:t> </a:t>
+            </a:r>
+            <a:r>
+              <a:rPr>
+                <a:solidFill>
+                  <a:srgbClr val="4758AB"/>
+                </a:solidFill>
+                <a:latin typeface="Courier"/>
+              </a:rPr>
+              <a:t>sum</a:t>
+            </a:r>
+            <a:r>
+              <a:rPr>
+                <a:solidFill>
+                  <a:srgbClr val="003B4F"/>
+                </a:solidFill>
+                <a:latin typeface="Courier"/>
+              </a:rPr>
+              <a:t>(</a:t>
+            </a:r>
+            <a:r>
+              <a:rPr>
+                <a:solidFill>
+                  <a:srgbClr val="5E5E5E"/>
+                </a:solidFill>
+                <a:latin typeface="Courier"/>
+              </a:rPr>
+              <a:t>!</a:t>
+            </a:r>
+            <a:r>
+              <a:rPr>
+                <a:solidFill>
+                  <a:srgbClr val="4758AB"/>
+                </a:solidFill>
+                <a:latin typeface="Courier"/>
+              </a:rPr>
+              <a:t>is.na</a:t>
+            </a:r>
+            <a:r>
+              <a:rPr>
+                <a:solidFill>
+                  <a:srgbClr val="003B4F"/>
+                </a:solidFill>
+                <a:latin typeface="Courier"/>
+              </a:rPr>
+              <a:t>(total_length_mm)), </a:t>
+            </a:r>
+            <a:br/>
+            <a:r>
+              <a:rPr>
+                <a:solidFill>
+                  <a:srgbClr val="003B4F"/>
+                </a:solidFill>
+                <a:latin typeface="Courier"/>
+              </a:rPr>
+              <a:t>    </a:t>
+            </a:r>
+            <a:r>
+              <a:rPr>
+                <a:solidFill>
+                  <a:srgbClr val="657422"/>
+                </a:solidFill>
+                <a:latin typeface="Courier"/>
+              </a:rPr>
+              <a:t>.groups =</a:t>
+            </a:r>
+            <a:r>
+              <a:rPr>
+                <a:solidFill>
+                  <a:srgbClr val="003B4F"/>
+                </a:solidFill>
+                <a:latin typeface="Courier"/>
+              </a:rPr>
+              <a:t> </a:t>
+            </a:r>
+            <a:r>
+              <a:rPr>
+                <a:solidFill>
+                  <a:srgbClr val="20794D"/>
+                </a:solidFill>
+                <a:latin typeface="Courier"/>
+              </a:rPr>
+              <a:t>"drop"</a:t>
+            </a:r>
+            <a:r>
+              <a:rPr>
+                <a:solidFill>
+                  <a:srgbClr val="003B4F"/>
+                </a:solidFill>
+                <a:latin typeface="Courier"/>
+              </a:rPr>
+              <a:t>) </a:t>
+            </a:r>
+          </a:p>
+          <a:p>
+            <a:pPr lvl="0" indent="0">
+              <a:buNone/>
+            </a:pPr>
+            <a:r>
+              <a:rPr>
                 <a:latin typeface="Courier"/>
               </a:rPr>
               <a:t># A tibble: 1 × 4
@@ -7103,23 +8329,15 @@
       </p:grpSpPr>
       <p:sp>
         <p:nvSpPr>
-          <p:cNvPr id="2" name="Title 1"/>
-          <p:cNvSpPr>
-            <a:spLocks noGrp="1"/>
-          </p:cNvSpPr>
-          <p:nvPr>
-            <p:ph type="title"/>
-          </p:nvPr>
-        </p:nvSpPr>
-        <p:spPr>
-          <a:xfrm>
-            <a:off x="0" y="0"/>
-            <a:ext cx="9144000" cy="602780"/>
-          </a:xfrm>
-          <a:solidFill>
-            <a:srgbClr val="70121D"/>
-          </a:solidFill>
-        </p:spPr>
+          <p:cNvPr id="3" name="Content Placeholder 2"/>
+          <p:cNvSpPr>
+            <a:spLocks noGrp="1"/>
+          </p:cNvSpPr>
+          <p:nvPr>
+            <p:ph idx="1"/>
+          </p:nvPr>
+        </p:nvSpPr>
+        <p:spPr/>
         <p:txBody>
           <a:bodyPr/>
           <a:lstStyle/>
@@ -7129,93 +8347,186 @@
             </a:pPr>
             <a:r>
               <a:rPr/>
-              <a:t>Lecture 3: Frequency Distributions</a:t>
-            </a:r>
-          </a:p>
-        </p:txBody>
-      </p:sp>
-      <p:sp>
-        <p:nvSpPr>
-          <p:cNvPr id="3" name="Content Placeholder 2"/>
-          <p:cNvSpPr>
-            <a:spLocks noGrp="1"/>
-          </p:cNvSpPr>
-          <p:nvPr>
-            <p:ph idx="1" sz="half"/>
-          </p:nvPr>
-        </p:nvSpPr>
-        <p:spPr/>
-        <p:txBody>
-          <a:bodyPr/>
-          <a:lstStyle/>
-          <a:p>
-            <a:pPr lvl="0" indent="0" marL="0">
+              <a:t>Note in the quarto code we use things to control what we see like</a:t>
+            </a:r>
+            <a:br/>
+            <a:r>
+              <a:rPr/>
+              <a:t>#What does this mean</a:t>
+            </a:r>
+          </a:p>
+          <a:p>
+            <a:pPr lvl="0"/>
+            <a:r>
+              <a:rPr/>
+              <a:t># | echo: false</a:t>
+            </a:r>
+          </a:p>
+          <a:p>
+            <a:pPr lvl="0"/>
+            <a:r>
+              <a:rPr/>
+              <a:t># | message: false</a:t>
+            </a:r>
+          </a:p>
+          <a:p>
+            <a:pPr lvl="0"/>
+            <a:r>
+              <a:rPr/>
+              <a:t># | warning: false</a:t>
+            </a:r>
+          </a:p>
+          <a:p>
+            <a:pPr lvl="0"/>
+            <a:r>
+              <a:rPr/>
+              <a:t># | fig-height: 4 # | fig-width: 3</a:t>
+            </a:r>
+          </a:p>
+          <a:p>
+            <a:pPr lvl="0"/>
+            <a:r>
+              <a:rPr/>
+              <a:t># | paged-print: false)</a:t>
+            </a:r>
+          </a:p>
+          <a:p>
+            <a:pPr lvl="0" indent="0" marL="1270000">
               <a:buNone/>
             </a:pPr>
             <a:r>
-              <a:rPr/>
-              <a:t>What is a frequency distribution?</a:t>
+              <a:rPr sz="2000" b="1"/>
+              <a:t>Practice Exercise 1: Reading Slimy Sculpin - Toolik Lake</a:t>
             </a:r>
           </a:p>
           <a:p>
             <a:pPr lvl="0"/>
             <a:r>
-              <a:rPr/>
-              <a:t>Display of number of observations in certain intervals</a:t>
+              <a:rPr sz="2000"/>
+              <a:t>Data - has been cleaned in terms of lake names and species names</a:t>
             </a:r>
           </a:p>
           <a:p>
             <a:pPr lvl="0"/>
             <a:r>
-              <a:rPr/>
-              <a:t>e.g., the number of sculpin per interval in Toolik Lake</a:t>
-            </a:r>
-          </a:p>
-          <a:p>
-            <a:pPr lvl="0"/>
-            <a:r>
-              <a:rPr/>
-              <a:t>as a table like below or histogram</a:t>
-            </a:r>
-          </a:p>
-        </p:txBody>
-      </p:sp>
-      <p:sp>
-        <p:nvSpPr>
-          <p:cNvPr id="4" name="Content Placeholder 3"/>
-          <p:cNvSpPr>
-            <a:spLocks noGrp="1"/>
-          </p:cNvSpPr>
-          <p:nvPr>
-            <p:ph idx="2" sz="half"/>
-          </p:nvPr>
-        </p:nvSpPr>
-        <p:spPr/>
-        <p:txBody>
-          <a:bodyPr/>
-          <a:lstStyle/>
+              <a:rPr sz="2000"/>
+              <a:t>Slimy Sculpin - Toolik Lake</a:t>
+            </a:r>
+          </a:p>
           <a:p>
             <a:pPr lvl="0" indent="0">
               <a:buNone/>
             </a:pPr>
             <a:r>
               <a:rPr>
-                <a:latin typeface="Courier"/>
-              </a:rPr>
-              <a:t># A tibble: 28 × 2
-   length_bin     n
-   &lt;fct&gt;      &lt;int&gt;
- 1 [11,13]        4
- 2 (19,21]        1
- 3 (23,25]        1
- 4 (27,29]        2
- 5 (29,31]        2
- 6 (31,33]        1
- 7 (33,35]        4
- 8 (35,37]        3
- 9 (37,39]        7
-10 (39,41]        9
-# ℹ 18 more rows</a:t>
+                <a:solidFill>
+                  <a:srgbClr val="5E5E5E"/>
+                </a:solidFill>
+                <a:latin typeface="Courier"/>
+              </a:rPr>
+              <a:t># Write your code here to read in data</a:t>
+            </a:r>
+            <a:br/>
+            <a:r>
+              <a:rPr>
+                <a:solidFill>
+                  <a:srgbClr val="5E5E5E"/>
+                </a:solidFill>
+                <a:latin typeface="Courier"/>
+              </a:rPr>
+              <a:t># Remember to use tidy coding skills and comment the HOOI</a:t>
+            </a:r>
+            <a:br/>
+            <a:r>
+              <a:rPr>
+                <a:solidFill>
+                  <a:srgbClr val="5E5E5E"/>
+                </a:solidFill>
+                <a:latin typeface="Courier"/>
+              </a:rPr>
+              <a:t># </a:t>
+            </a:r>
+            <a:br/>
+            <a:r>
+              <a:rPr>
+                <a:solidFill>
+                  <a:srgbClr val="5E5E5E"/>
+                </a:solidFill>
+                <a:latin typeface="Courier"/>
+              </a:rPr>
+              <a:t># </a:t>
+            </a:r>
+            <a:br/>
+            <a:r>
+              <a:rPr>
+                <a:solidFill>
+                  <a:srgbClr val="5E5E5E"/>
+                </a:solidFill>
+                <a:latin typeface="Courier"/>
+              </a:rPr>
+              <a:t># library(tidyverse)</a:t>
+            </a:r>
+            <a:br/>
+            <a:r>
+              <a:rPr>
+                <a:solidFill>
+                  <a:srgbClr val="5E5E5E"/>
+                </a:solidFill>
+                <a:latin typeface="Courier"/>
+              </a:rPr>
+              <a:t># library(patchwork)</a:t>
+            </a:r>
+            <a:br/>
+            <a:r>
+              <a:rPr>
+                <a:solidFill>
+                  <a:srgbClr val="5E5E5E"/>
+                </a:solidFill>
+                <a:latin typeface="Courier"/>
+              </a:rPr>
+              <a:t># sculpin_df &lt;- read_csv("data/sculpin.csv")</a:t>
+            </a:r>
+            <a:br/>
+            <a:r>
+              <a:rPr>
+                <a:solidFill>
+                  <a:srgbClr val="5E5E5E"/>
+                </a:solidFill>
+                <a:latin typeface="Courier"/>
+              </a:rPr>
+              <a:t># now look at what is there</a:t>
+            </a:r>
+          </a:p>
+          <a:p>
+            <a:pPr lvl="0" indent="0" marL="1270000">
+              <a:buNone/>
+            </a:pPr>
+            <a:r>
+              <a:rPr sz="2000" b="1"/>
+              <a:t>Practice Exercise 2: Now lets look at descriptive statistics</a:t>
+            </a:r>
+          </a:p>
+          <a:p>
+            <a:pPr lvl="0" indent="0" marL="1270000">
+              <a:buNone/>
+            </a:pPr>
+            <a:r>
+              <a:rPr sz="2000"/>
+              <a:t>Let’s try looking at what the summary of the data tell us</a:t>
+            </a:r>
+          </a:p>
+          <a:p>
+            <a:pPr lvl="0" indent="0">
+              <a:buNone/>
+            </a:pPr>
+            <a:r>
+              <a:rPr>
+                <a:solidFill>
+                  <a:srgbClr val="5E5E5E"/>
+                </a:solidFill>
+                <a:latin typeface="Courier"/>
+              </a:rPr>
+              <a:t># now do the summary statistics please</a:t>
             </a:r>
           </a:p>
         </p:txBody>
@@ -7295,37 +8606,46 @@
             </a:pPr>
             <a:r>
               <a:rPr/>
-              <a:t>The alternative is to use a histogram</a:t>
+              <a:t>What is a frequency distribution?</a:t>
             </a:r>
           </a:p>
           <a:p>
             <a:pPr lvl="0"/>
             <a:r>
               <a:rPr/>
-              <a:t>the y axis is the count</a:t>
+              <a:t>Display of number of observations in certain intervals</a:t>
             </a:r>
           </a:p>
           <a:p>
             <a:pPr lvl="0"/>
             <a:r>
               <a:rPr/>
-              <a:t>the x axis is the bin range</a:t>
+              <a:t>e.g., the number of sculpin per interval in Toolik Lake</a:t>
             </a:r>
           </a:p>
           <a:p>
             <a:pPr lvl="0"/>
             <a:r>
               <a:rPr/>
-              <a:t>each bin 0 - 5 and 5 - 10 and 10 - 15 or as you choose</a:t>
-            </a:r>
-          </a:p>
-          <a:p>
-            <a:pPr lvl="0"/>
-            <a:r>
-              <a:rPr/>
-              <a:t>in ggplot the code looks like</a:t>
-            </a:r>
-          </a:p>
+              <a:t>as a table like below or histogram</a:t>
+            </a:r>
+          </a:p>
+        </p:txBody>
+      </p:sp>
+      <p:sp>
+        <p:nvSpPr>
+          <p:cNvPr id="4" name="Content Placeholder 3"/>
+          <p:cNvSpPr>
+            <a:spLocks noGrp="1"/>
+          </p:cNvSpPr>
+          <p:nvPr>
+            <p:ph idx="2" sz="half"/>
+          </p:nvPr>
+        </p:nvSpPr>
+        <p:spPr/>
+        <p:txBody>
+          <a:bodyPr/>
+          <a:lstStyle/>
           <a:p>
             <a:pPr lvl="0" indent="0">
               <a:buNone/>
@@ -7337,7 +8657,7 @@
                 </a:solidFill>
                 <a:latin typeface="Courier"/>
               </a:rPr>
-              <a:t>dataframe </a:t>
+              <a:t>sculpin_df </a:t>
             </a:r>
             <a:r>
               <a:rPr>
@@ -7357,6 +8677,16 @@
               </a:rPr>
               <a:t> </a:t>
             </a:r>
+            <a:br/>
+            <a:r>
+              <a:rPr>
+                <a:solidFill>
+                  <a:srgbClr val="003B4F"/>
+                </a:solidFill>
+                <a:latin typeface="Courier"/>
+              </a:rPr>
+              <a:t>  </a:t>
+            </a:r>
             <a:r>
               <a:rPr>
                 <a:solidFill>
@@ -7364,7 +8694,7 @@
                 </a:solidFill>
                 <a:latin typeface="Courier"/>
               </a:rPr>
-              <a:t>ggplot</a:t>
+              <a:t>filter</a:t>
             </a:r>
             <a:r>
               <a:rPr>
@@ -7373,16 +8703,98 @@
                 </a:solidFill>
                 <a:latin typeface="Courier"/>
               </a:rPr>
+              <a:t>(lake </a:t>
+            </a:r>
+            <a:r>
+              <a:rPr>
+                <a:solidFill>
+                  <a:srgbClr val="5E5E5E"/>
+                </a:solidFill>
+                <a:latin typeface="Courier"/>
+              </a:rPr>
+              <a:t>==</a:t>
+            </a:r>
+            <a:r>
+              <a:rPr>
+                <a:solidFill>
+                  <a:srgbClr val="003B4F"/>
+                </a:solidFill>
+                <a:latin typeface="Courier"/>
+              </a:rPr>
+              <a:t> </a:t>
+            </a:r>
+            <a:r>
+              <a:rPr>
+                <a:solidFill>
+                  <a:srgbClr val="20794D"/>
+                </a:solidFill>
+                <a:latin typeface="Courier"/>
+              </a:rPr>
+              <a:t>"Toolik"</a:t>
+            </a:r>
+            <a:r>
+              <a:rPr>
+                <a:solidFill>
+                  <a:srgbClr val="003B4F"/>
+                </a:solidFill>
+                <a:latin typeface="Courier"/>
+              </a:rPr>
+              <a:t>) </a:t>
+            </a:r>
+            <a:r>
+              <a:rPr>
+                <a:solidFill>
+                  <a:srgbClr val="5E5E5E"/>
+                </a:solidFill>
+                <a:latin typeface="Courier"/>
+              </a:rPr>
+              <a:t>%&gt;%</a:t>
+            </a:r>
+            <a:br/>
+            <a:r>
+              <a:rPr>
+                <a:solidFill>
+                  <a:srgbClr val="003B4F"/>
+                </a:solidFill>
+                <a:latin typeface="Courier"/>
+              </a:rPr>
+              <a:t>  </a:t>
+            </a:r>
+            <a:r>
+              <a:rPr>
+                <a:solidFill>
+                  <a:srgbClr val="4758AB"/>
+                </a:solidFill>
+                <a:latin typeface="Courier"/>
+              </a:rPr>
+              <a:t>filter</a:t>
+            </a:r>
+            <a:r>
+              <a:rPr>
+                <a:solidFill>
+                  <a:srgbClr val="003B4F"/>
+                </a:solidFill>
+                <a:latin typeface="Courier"/>
+              </a:rPr>
               <a:t>(</a:t>
             </a:r>
             <a:r>
               <a:rPr>
                 <a:solidFill>
+                  <a:srgbClr val="5E5E5E"/>
+                </a:solidFill>
+                <a:latin typeface="Courier"/>
+              </a:rPr>
+              <a:t>!</a:t>
+            </a:r>
+            <a:r>
+              <a:rPr>
+                <a:solidFill>
                   <a:srgbClr val="4758AB"/>
                 </a:solidFill>
                 <a:latin typeface="Courier"/>
               </a:rPr>
-              <a:t>aes</a:t>
+              <a:t>is.na</a:t>
             </a:r>
             <a:r>
               <a:rPr>
@@ -7391,7 +8803,7 @@
                 </a:solidFill>
                 <a:latin typeface="Courier"/>
               </a:rPr>
-              <a:t>(thing_to_count))</a:t>
+              <a:t>(total_length_mm)) </a:t>
             </a:r>
             <a:r>
               <a:rPr>
@@ -7400,7 +8812,16 @@
                 </a:solidFill>
                 <a:latin typeface="Courier"/>
               </a:rPr>
-              <a:t>+</a:t>
+              <a:t>%&gt;%</a:t>
+            </a:r>
+            <a:r>
+              <a:rPr>
+                <a:solidFill>
+                  <a:srgbClr val="003B4F"/>
+                </a:solidFill>
+                <a:latin typeface="Courier"/>
+              </a:rPr>
+              <a:t> </a:t>
             </a:r>
             <a:br/>
             <a:r>
@@ -7419,7 +8840,7 @@
                 </a:solidFill>
                 <a:latin typeface="Courier"/>
               </a:rPr>
-              <a:t>geom_histogram</a:t>
+              <a:t>mutate</a:t>
             </a:r>
             <a:r>
               <a:rPr>
@@ -7428,7 +8849,88 @@
                 </a:solidFill>
                 <a:latin typeface="Courier"/>
               </a:rPr>
-              <a:t>( </a:t>
+              <a:t>(</a:t>
+            </a:r>
+            <a:r>
+              <a:rPr>
+                <a:solidFill>
+                  <a:srgbClr val="657422"/>
+                </a:solidFill>
+                <a:latin typeface="Courier"/>
+              </a:rPr>
+              <a:t>length_bin =</a:t>
+            </a:r>
+            <a:r>
+              <a:rPr>
+                <a:solidFill>
+                  <a:srgbClr val="003B4F"/>
+                </a:solidFill>
+                <a:latin typeface="Courier"/>
+              </a:rPr>
+              <a:t> </a:t>
+            </a:r>
+            <a:r>
+              <a:rPr>
+                <a:solidFill>
+                  <a:srgbClr val="4758AB"/>
+                </a:solidFill>
+                <a:latin typeface="Courier"/>
+              </a:rPr>
+              <a:t>cut_interval</a:t>
+            </a:r>
+            <a:r>
+              <a:rPr>
+                <a:solidFill>
+                  <a:srgbClr val="003B4F"/>
+                </a:solidFill>
+                <a:latin typeface="Courier"/>
+              </a:rPr>
+              <a:t>(total_length_mm, </a:t>
+            </a:r>
+            <a:r>
+              <a:rPr>
+                <a:solidFill>
+                  <a:srgbClr val="657422"/>
+                </a:solidFill>
+                <a:latin typeface="Courier"/>
+              </a:rPr>
+              <a:t>length =</a:t>
+            </a:r>
+            <a:r>
+              <a:rPr>
+                <a:solidFill>
+                  <a:srgbClr val="003B4F"/>
+                </a:solidFill>
+                <a:latin typeface="Courier"/>
+              </a:rPr>
+              <a:t> </a:t>
+            </a:r>
+            <a:r>
+              <a:rPr>
+                <a:solidFill>
+                  <a:srgbClr val="AD0000"/>
+                </a:solidFill>
+                <a:latin typeface="Courier"/>
+              </a:rPr>
+              <a:t>2</a:t>
+            </a:r>
+            <a:r>
+              <a:rPr>
+                <a:solidFill>
+                  <a:srgbClr val="003B4F"/>
+                </a:solidFill>
+                <a:latin typeface="Courier"/>
+              </a:rPr>
+              <a:t>)) </a:t>
+            </a:r>
+            <a:r>
+              <a:rPr>
+                <a:solidFill>
+                  <a:srgbClr val="5E5E5E"/>
+                </a:solidFill>
+                <a:latin typeface="Courier"/>
+              </a:rPr>
+              <a:t>%&gt;%</a:t>
             </a:r>
             <a:br/>
             <a:r>
@@ -7438,16 +8940,16 @@
                 </a:solidFill>
                 <a:latin typeface="Courier"/>
               </a:rPr>
-              <a:t>    </a:t>
-            </a:r>
-            <a:r>
-              <a:rPr>
-                <a:solidFill>
-                  <a:srgbClr val="657422"/>
-                </a:solidFill>
-                <a:latin typeface="Courier"/>
-              </a:rPr>
-              <a:t>binwidth =</a:t>
+              <a:t>  </a:t>
+            </a:r>
+            <a:r>
+              <a:rPr>
+                <a:solidFill>
+                  <a:srgbClr val="4758AB"/>
+                </a:solidFill>
+                <a:latin typeface="Courier"/>
+              </a:rPr>
+              <a:t>count</a:t>
             </a:r>
             <a:r>
               <a:rPr>
@@ -7456,51 +8958,35 @@
                 </a:solidFill>
                 <a:latin typeface="Courier"/>
               </a:rPr>
-              <a:t> increments_to_work_with</a:t>
-            </a:r>
-            <a:br/>
-            <a:r>
-              <a:rPr>
-                <a:solidFill>
-                  <a:srgbClr val="003B4F"/>
-                </a:solidFill>
-                <a:latin typeface="Courier"/>
-              </a:rPr>
-              <a:t>    )</a:t>
-            </a:r>
-          </a:p>
-        </p:txBody>
-      </p:sp>
-      <p:pic>
-        <p:nvPicPr>
-          <p:cNvPr descr="03_01_lecture_powerpoint_files/figure-pptx/unnamed-chunk-4-1.png" id="0" name="Picture 1"/>
-          <p:cNvPicPr>
-            <a:picLocks noGrp="1" noChangeAspect="1"/>
-          </p:cNvPicPr>
-          <p:nvPr/>
-        </p:nvPicPr>
-        <p:blipFill>
-          <a:blip r:embed="rId2"/>
-          <a:stretch>
-            <a:fillRect/>
-          </a:stretch>
-        </p:blipFill>
-        <p:spPr bwMode="auto">
-          <a:xfrm>
-            <a:off x="6121400" y="2197100"/>
-            <a:ext cx="2781300" cy="1397000"/>
-          </a:xfrm>
-          <a:prstGeom prst="rect">
-            <a:avLst/>
-          </a:prstGeom>
-          <a:noFill/>
-          <a:ln w="9525">
-            <a:noFill/>
-            <a:headEnd/>
-            <a:tailEnd/>
-          </a:ln>
-        </p:spPr>
-      </p:pic>
+              <a:t>(length_bin)</a:t>
+            </a:r>
+          </a:p>
+          <a:p>
+            <a:pPr lvl="0" indent="0">
+              <a:buNone/>
+            </a:pPr>
+            <a:r>
+              <a:rPr>
+                <a:latin typeface="Courier"/>
+              </a:rPr>
+              <a:t># A tibble: 29 × 2
+   length_bin     n
+   &lt;fct&gt;      &lt;int&gt;
+ 1 [10,12]        1
+ 2 (12,14]        3
+ 3 (18,20]        1
+ 4 (22,24]        1
+ 5 (26,28]        1
+ 6 (28,30]        1
+ 7 (30,32]        2
+ 8 (32,34]        3
+ 9 (34,36]        4
+10 (36,38]        3
+# ℹ 19 more rows</a:t>
+            </a:r>
+          </a:p>
+        </p:txBody>
+      </p:sp>
     </p:spTree>
   </p:cSld>
 </p:sld>
@@ -7525,120 +9011,387 @@
       </p:grpSpPr>
       <p:sp>
         <p:nvSpPr>
-          <p:cNvPr id="2" name="Title 1"/>
-          <p:cNvSpPr>
-            <a:spLocks noGrp="1"/>
-          </p:cNvSpPr>
-          <p:nvPr>
-            <p:ph type="title"/>
-          </p:nvPr>
-        </p:nvSpPr>
-        <p:spPr>
-          <a:xfrm>
-            <a:off x="0" y="0"/>
-            <a:ext cx="9144000" cy="602780"/>
-          </a:xfrm>
-          <a:solidFill>
-            <a:srgbClr val="70121D"/>
-          </a:solidFill>
-        </p:spPr>
+          <p:cNvPr id="3" name="Content Placeholder 2"/>
+          <p:cNvSpPr>
+            <a:spLocks noGrp="1"/>
+          </p:cNvSpPr>
+          <p:nvPr>
+            <p:ph idx="1"/>
+          </p:nvPr>
+        </p:nvSpPr>
+        <p:spPr/>
         <p:txBody>
           <a:bodyPr/>
           <a:lstStyle/>
           <a:p>
-            <a:pPr lvl="0" indent="0" marL="0">
+            <a:pPr lvl="0" indent="0" marL="1270000">
               <a:buNone/>
             </a:pPr>
             <a:r>
-              <a:rPr/>
-              <a:t>Lecture 3: Frequency Distributions</a:t>
-            </a:r>
-          </a:p>
-        </p:txBody>
-      </p:sp>
-      <p:sp>
-        <p:nvSpPr>
-          <p:cNvPr id="3" name="Content Placeholder 2"/>
-          <p:cNvSpPr>
-            <a:spLocks noGrp="1"/>
-          </p:cNvSpPr>
-          <p:nvPr>
-            <p:ph idx="1" sz="half"/>
-          </p:nvPr>
-        </p:nvSpPr>
-        <p:spPr/>
-        <p:txBody>
-          <a:bodyPr/>
-          <a:lstStyle/>
-          <a:p>
-            <a:pPr lvl="0" indent="0" marL="0">
+              <a:rPr sz="2000" b="1"/>
+              <a:t>Practice Exercise 3: Now try to modify this so it is in 5 mm lenghts</a:t>
+            </a:r>
+          </a:p>
+          <a:p>
+            <a:pPr lvl="0" indent="0" marL="1270000">
               <a:buNone/>
             </a:pPr>
             <a:r>
-              <a:rPr/>
-              <a:t>What happens as sample size changes…</a:t>
-            </a:r>
-          </a:p>
-          <a:p>
-            <a:pPr lvl="0"/>
-            <a:r>
-              <a:rPr/>
-              <a:t>Sampls size</a:t>
-            </a:r>
-          </a:p>
-          <a:p>
-            <a:pPr lvl="1"/>
-            <a:r>
-              <a:rPr/>
-              <a:t>Low sample number - 15</a:t>
-            </a:r>
-          </a:p>
-          <a:p>
-            <a:pPr lvl="1"/>
-            <a:r>
-              <a:rPr/>
-              <a:t>High sample number - 70</a:t>
-            </a:r>
-          </a:p>
-          <a:p>
-            <a:pPr lvl="0"/>
-            <a:r>
-              <a:rPr/>
-              <a:t>Frequency distribution takes on “bell-shape”…</a:t>
-            </a:r>
-          </a:p>
-        </p:txBody>
-      </p:sp>
-      <p:pic>
-        <p:nvPicPr>
-          <p:cNvPr descr="03_01_lecture_powerpoint_files/figure-pptx/unnamed-chunk-5-1.png" id="0" name="Picture 1"/>
-          <p:cNvPicPr>
-            <a:picLocks noGrp="1" noChangeAspect="1"/>
-          </p:cNvPicPr>
-          <p:nvPr/>
-        </p:nvPicPr>
-        <p:blipFill>
-          <a:blip r:embed="rId2"/>
-          <a:stretch>
-            <a:fillRect/>
-          </a:stretch>
-        </p:blipFill>
-        <p:spPr bwMode="auto">
-          <a:xfrm>
-            <a:off x="6121400" y="2197100"/>
-            <a:ext cx="2781300" cy="1397000"/>
-          </a:xfrm>
-          <a:prstGeom prst="rect">
-            <a:avLst/>
-          </a:prstGeom>
-          <a:noFill/>
-          <a:ln w="9525">
-            <a:noFill/>
-            <a:headEnd/>
-            <a:tailEnd/>
-          </a:ln>
-        </p:spPr>
-      </p:pic>
+              <a:rPr sz="2000"/>
+              <a:t>Let’s try looking at what the summary of the data tell us</a:t>
+            </a:r>
+          </a:p>
+          <a:p>
+            <a:pPr lvl="0" indent="0">
+              <a:buNone/>
+            </a:pPr>
+            <a:r>
+              <a:rPr>
+                <a:solidFill>
+                  <a:srgbClr val="5E5E5E"/>
+                </a:solidFill>
+                <a:latin typeface="Courier"/>
+              </a:rPr>
+              <a:t># now try different bins</a:t>
+            </a:r>
+            <a:br/>
+            <a:r>
+              <a:rPr>
+                <a:solidFill>
+                  <a:srgbClr val="003B4F"/>
+                </a:solidFill>
+                <a:latin typeface="Courier"/>
+              </a:rPr>
+              <a:t>sculpin_df </a:t>
+            </a:r>
+            <a:r>
+              <a:rPr>
+                <a:solidFill>
+                  <a:srgbClr val="5E5E5E"/>
+                </a:solidFill>
+                <a:latin typeface="Courier"/>
+              </a:rPr>
+              <a:t>%&gt;%</a:t>
+            </a:r>
+            <a:r>
+              <a:rPr>
+                <a:solidFill>
+                  <a:srgbClr val="003B4F"/>
+                </a:solidFill>
+                <a:latin typeface="Courier"/>
+              </a:rPr>
+              <a:t> </a:t>
+            </a:r>
+            <a:br/>
+            <a:r>
+              <a:rPr>
+                <a:solidFill>
+                  <a:srgbClr val="003B4F"/>
+                </a:solidFill>
+                <a:latin typeface="Courier"/>
+              </a:rPr>
+              <a:t>  </a:t>
+            </a:r>
+            <a:r>
+              <a:rPr>
+                <a:solidFill>
+                  <a:srgbClr val="4758AB"/>
+                </a:solidFill>
+                <a:latin typeface="Courier"/>
+              </a:rPr>
+              <a:t>filter</a:t>
+            </a:r>
+            <a:r>
+              <a:rPr>
+                <a:solidFill>
+                  <a:srgbClr val="003B4F"/>
+                </a:solidFill>
+                <a:latin typeface="Courier"/>
+              </a:rPr>
+              <a:t>(lake </a:t>
+            </a:r>
+            <a:r>
+              <a:rPr>
+                <a:solidFill>
+                  <a:srgbClr val="5E5E5E"/>
+                </a:solidFill>
+                <a:latin typeface="Courier"/>
+              </a:rPr>
+              <a:t>==</a:t>
+            </a:r>
+            <a:r>
+              <a:rPr>
+                <a:solidFill>
+                  <a:srgbClr val="003B4F"/>
+                </a:solidFill>
+                <a:latin typeface="Courier"/>
+              </a:rPr>
+              <a:t> </a:t>
+            </a:r>
+            <a:r>
+              <a:rPr>
+                <a:solidFill>
+                  <a:srgbClr val="20794D"/>
+                </a:solidFill>
+                <a:latin typeface="Courier"/>
+              </a:rPr>
+              <a:t>"Toolik"</a:t>
+            </a:r>
+            <a:r>
+              <a:rPr>
+                <a:solidFill>
+                  <a:srgbClr val="003B4F"/>
+                </a:solidFill>
+                <a:latin typeface="Courier"/>
+              </a:rPr>
+              <a:t>) </a:t>
+            </a:r>
+            <a:r>
+              <a:rPr>
+                <a:solidFill>
+                  <a:srgbClr val="5E5E5E"/>
+                </a:solidFill>
+                <a:latin typeface="Courier"/>
+              </a:rPr>
+              <a:t>%&gt;%</a:t>
+            </a:r>
+            <a:br/>
+            <a:r>
+              <a:rPr>
+                <a:solidFill>
+                  <a:srgbClr val="003B4F"/>
+                </a:solidFill>
+                <a:latin typeface="Courier"/>
+              </a:rPr>
+              <a:t>  </a:t>
+            </a:r>
+            <a:r>
+              <a:rPr>
+                <a:solidFill>
+                  <a:srgbClr val="4758AB"/>
+                </a:solidFill>
+                <a:latin typeface="Courier"/>
+              </a:rPr>
+              <a:t>filter</a:t>
+            </a:r>
+            <a:r>
+              <a:rPr>
+                <a:solidFill>
+                  <a:srgbClr val="003B4F"/>
+                </a:solidFill>
+                <a:latin typeface="Courier"/>
+              </a:rPr>
+              <a:t>(</a:t>
+            </a:r>
+            <a:r>
+              <a:rPr>
+                <a:solidFill>
+                  <a:srgbClr val="5E5E5E"/>
+                </a:solidFill>
+                <a:latin typeface="Courier"/>
+              </a:rPr>
+              <a:t>!</a:t>
+            </a:r>
+            <a:r>
+              <a:rPr>
+                <a:solidFill>
+                  <a:srgbClr val="4758AB"/>
+                </a:solidFill>
+                <a:latin typeface="Courier"/>
+              </a:rPr>
+              <a:t>is.na</a:t>
+            </a:r>
+            <a:r>
+              <a:rPr>
+                <a:solidFill>
+                  <a:srgbClr val="003B4F"/>
+                </a:solidFill>
+                <a:latin typeface="Courier"/>
+              </a:rPr>
+              <a:t>(total_length_mm)) </a:t>
+            </a:r>
+            <a:r>
+              <a:rPr>
+                <a:solidFill>
+                  <a:srgbClr val="5E5E5E"/>
+                </a:solidFill>
+                <a:latin typeface="Courier"/>
+              </a:rPr>
+              <a:t>%&gt;%</a:t>
+            </a:r>
+            <a:r>
+              <a:rPr>
+                <a:solidFill>
+                  <a:srgbClr val="003B4F"/>
+                </a:solidFill>
+                <a:latin typeface="Courier"/>
+              </a:rPr>
+              <a:t> </a:t>
+            </a:r>
+            <a:br/>
+            <a:r>
+              <a:rPr>
+                <a:solidFill>
+                  <a:srgbClr val="003B4F"/>
+                </a:solidFill>
+                <a:latin typeface="Courier"/>
+              </a:rPr>
+              <a:t>  </a:t>
+            </a:r>
+            <a:r>
+              <a:rPr>
+                <a:solidFill>
+                  <a:srgbClr val="4758AB"/>
+                </a:solidFill>
+                <a:latin typeface="Courier"/>
+              </a:rPr>
+              <a:t>mutate</a:t>
+            </a:r>
+            <a:r>
+              <a:rPr>
+                <a:solidFill>
+                  <a:srgbClr val="003B4F"/>
+                </a:solidFill>
+                <a:latin typeface="Courier"/>
+              </a:rPr>
+              <a:t>(</a:t>
+            </a:r>
+            <a:r>
+              <a:rPr>
+                <a:solidFill>
+                  <a:srgbClr val="657422"/>
+                </a:solidFill>
+                <a:latin typeface="Courier"/>
+              </a:rPr>
+              <a:t>length_bin =</a:t>
+            </a:r>
+            <a:r>
+              <a:rPr>
+                <a:solidFill>
+                  <a:srgbClr val="003B4F"/>
+                </a:solidFill>
+                <a:latin typeface="Courier"/>
+              </a:rPr>
+              <a:t> </a:t>
+            </a:r>
+            <a:r>
+              <a:rPr>
+                <a:solidFill>
+                  <a:srgbClr val="4758AB"/>
+                </a:solidFill>
+                <a:latin typeface="Courier"/>
+              </a:rPr>
+              <a:t>cut_interval</a:t>
+            </a:r>
+            <a:r>
+              <a:rPr>
+                <a:solidFill>
+                  <a:srgbClr val="003B4F"/>
+                </a:solidFill>
+                <a:latin typeface="Courier"/>
+              </a:rPr>
+              <a:t>(total_length_mm, </a:t>
+            </a:r>
+            <a:r>
+              <a:rPr>
+                <a:solidFill>
+                  <a:srgbClr val="657422"/>
+                </a:solidFill>
+                <a:latin typeface="Courier"/>
+              </a:rPr>
+              <a:t>length =</a:t>
+            </a:r>
+            <a:r>
+              <a:rPr>
+                <a:solidFill>
+                  <a:srgbClr val="003B4F"/>
+                </a:solidFill>
+                <a:latin typeface="Courier"/>
+              </a:rPr>
+              <a:t> </a:t>
+            </a:r>
+            <a:r>
+              <a:rPr>
+                <a:solidFill>
+                  <a:srgbClr val="AD0000"/>
+                </a:solidFill>
+                <a:latin typeface="Courier"/>
+              </a:rPr>
+              <a:t>2</a:t>
+            </a:r>
+            <a:r>
+              <a:rPr>
+                <a:solidFill>
+                  <a:srgbClr val="003B4F"/>
+                </a:solidFill>
+                <a:latin typeface="Courier"/>
+              </a:rPr>
+              <a:t>)) </a:t>
+            </a:r>
+            <a:r>
+              <a:rPr>
+                <a:solidFill>
+                  <a:srgbClr val="5E5E5E"/>
+                </a:solidFill>
+                <a:latin typeface="Courier"/>
+              </a:rPr>
+              <a:t>%&gt;%</a:t>
+            </a:r>
+            <a:br/>
+            <a:r>
+              <a:rPr>
+                <a:solidFill>
+                  <a:srgbClr val="003B4F"/>
+                </a:solidFill>
+                <a:latin typeface="Courier"/>
+              </a:rPr>
+              <a:t>  </a:t>
+            </a:r>
+            <a:r>
+              <a:rPr>
+                <a:solidFill>
+                  <a:srgbClr val="4758AB"/>
+                </a:solidFill>
+                <a:latin typeface="Courier"/>
+              </a:rPr>
+              <a:t>count</a:t>
+            </a:r>
+            <a:r>
+              <a:rPr>
+                <a:solidFill>
+                  <a:srgbClr val="003B4F"/>
+                </a:solidFill>
+                <a:latin typeface="Courier"/>
+              </a:rPr>
+              <a:t>(length_bin)</a:t>
+            </a:r>
+          </a:p>
+          <a:p>
+            <a:pPr lvl="0" indent="0">
+              <a:buNone/>
+            </a:pPr>
+            <a:r>
+              <a:rPr sz="2000">
+                <a:latin typeface="Courier"/>
+              </a:rPr>
+              <a:t># A tibble: 29 × 2
+   length_bin     n
+   &lt;fct&gt;      &lt;int&gt;
+ 1 [10,12]        1
+ 2 (12,14]        3
+ 3 (18,20]        1
+ 4 (22,24]        1
+ 5 (26,28]        1
+ 6 (28,30]        1
+ 7 (30,32]        2
+ 8 (32,34]        3
+ 9 (34,36]        4
+10 (36,38]        3
+# ℹ 19 more rows</a:t>
+            </a:r>
+          </a:p>
+        </p:txBody>
+      </p:sp>
     </p:spTree>
   </p:cSld>
 </p:sld>
@@ -7661,110 +9414,6 @@
           <a:chExt cx="0" cy="0"/>
         </a:xfrm>
       </p:grpSpPr>
-      <p:sp>
-        <p:nvSpPr>
-          <p:cNvPr id="2" name="Title 1"/>
-          <p:cNvSpPr>
-            <a:spLocks noGrp="1"/>
-          </p:cNvSpPr>
-          <p:nvPr>
-            <p:ph type="title"/>
-          </p:nvPr>
-        </p:nvSpPr>
-        <p:spPr>
-          <a:xfrm>
-            <a:off x="0" y="0"/>
-            <a:ext cx="9144000" cy="602780"/>
-          </a:xfrm>
-          <a:solidFill>
-            <a:srgbClr val="70121D"/>
-          </a:solidFill>
-        </p:spPr>
-        <p:txBody>
-          <a:bodyPr/>
-          <a:lstStyle/>
-          <a:p>
-            <a:pPr lvl="0" indent="0" marL="0">
-              <a:buNone/>
-            </a:pPr>
-            <a:r>
-              <a:rPr/>
-              <a:t>Lecture 3: Probability distributions</a:t>
-            </a:r>
-          </a:p>
-        </p:txBody>
-      </p:sp>
-      <p:sp>
-        <p:nvSpPr>
-          <p:cNvPr id="3" name="Content Placeholder 2"/>
-          <p:cNvSpPr>
-            <a:spLocks noGrp="1"/>
-          </p:cNvSpPr>
-          <p:nvPr>
-            <p:ph idx="1" sz="half"/>
-          </p:nvPr>
-        </p:nvSpPr>
-        <p:spPr/>
-        <p:txBody>
-          <a:bodyPr/>
-          <a:lstStyle/>
-          <a:p>
-            <a:pPr lvl="0" indent="0" marL="0">
-              <a:buNone/>
-            </a:pPr>
-            <a:r>
-              <a:rPr/>
-              <a:t>Can we make assumption about distribution of random variable weight in population?</a:t>
-            </a:r>
-          </a:p>
-          <a:p>
-            <a:pPr lvl="0" indent="0" marL="0">
-              <a:buNone/>
-            </a:pPr>
-            <a:r>
-              <a:rPr/>
-              <a:t>Probability distribution:</a:t>
-            </a:r>
-          </a:p>
-          <a:p>
-            <a:pPr lvl="0"/>
-            <a:r>
-              <a:rPr/>
-              <a:t>theoretical frequency distribution in population</a:t>
-            </a:r>
-          </a:p>
-        </p:txBody>
-      </p:sp>
-      <p:pic>
-        <p:nvPicPr>
-          <p:cNvPr descr="images/clipboard-2076243745.png" id="0" name="Picture 1"/>
-          <p:cNvPicPr>
-            <a:picLocks noGrp="1" noChangeAspect="1"/>
-          </p:cNvPicPr>
-          <p:nvPr/>
-        </p:nvPicPr>
-        <p:blipFill>
-          <a:blip r:embed="rId2"/>
-          <a:stretch>
-            <a:fillRect/>
-          </a:stretch>
-        </p:blipFill>
-        <p:spPr bwMode="auto">
-          <a:xfrm>
-            <a:off x="6692900" y="660400"/>
-            <a:ext cx="1625600" cy="4470400"/>
-          </a:xfrm>
-          <a:prstGeom prst="rect">
-            <a:avLst/>
-          </a:prstGeom>
-          <a:noFill/>
-          <a:ln w="9525">
-            <a:noFill/>
-            <a:headEnd/>
-            <a:tailEnd/>
-          </a:ln>
-        </p:spPr>
-      </p:pic>
     </p:spTree>
   </p:cSld>
 </p:sld>

--- a/docs/lectures/lecture_03/03_01_lecture_powerpoint.pptx
+++ b/docs/lectures/lecture_03/03_01_lecture_powerpoint.pptx
@@ -3710,14 +3710,14 @@
                 <a:latin typeface="Courier"/>
               </a:rPr>
               <a:t># A tibble: 6 × 5
-   site lake  species         total_length_mm mass_g
-  &lt;dbl&gt; &lt;chr&gt; &lt;chr&gt;                     &lt;dbl&gt;  &lt;dbl&gt;
-1   113 I3    arctic grayling             266    135
-2   113 I3    arctic grayling             290    185
-3   113 I3    arctic grayling             262    145
-4   113 I3    arctic grayling             275    160
-5   113 I3    arctic grayling             240    105
-6   113 I3    arctic grayling             265    145</a:t>
+   site lake  species         length_mm mass_g
+  &lt;dbl&gt; &lt;chr&gt; &lt;chr&gt;               &lt;dbl&gt;  &lt;dbl&gt;
+1   113 I3    arctic grayling       266    135
+2   113 I3    arctic grayling       290    185
+3   113 I3    arctic grayling       262    145
+4   113 I3    arctic grayling       275    160
+5   113 I3    arctic grayling       240    105
+6   113 I3    arctic grayling       265    145</a:t>
             </a:r>
           </a:p>
           <a:p>
@@ -3763,11 +3763,11 @@
               </a:rPr>
               <a:t>Rows: 168
 Columns: 5
-$ site            &lt;dbl&gt; 113, 113, 113, 113, 113, 113, 113, 113, 113, 113, 113,…
-$ lake            &lt;chr&gt; "I3", "I3", "I3", "I3", "I3", "I3", "I3", "I3", "I3", …
-$ species         &lt;chr&gt; "arctic grayling", "arctic grayling", "arctic grayling…
-$ total_length_mm &lt;dbl&gt; 266, 290, 262, 275, 240, 265, 265, 253, 246, 203, 289,…
-$ mass_g          &lt;dbl&gt; 135, 185, 145, 160, 105, 145, 150, 130, 130, 71, 179, …</a:t>
+$ site      &lt;dbl&gt; 113, 113, 113, 113, 113, 113, 113, 113, 113, 113, 113, 113, …
+$ lake      &lt;chr&gt; "I3", "I3", "I3", "I3", "I3", "I3", "I3", "I3", "I3", "I3", …
+$ species   &lt;chr&gt; "arctic grayling", "arctic grayling", "arctic grayling", "ar…
+$ length_mm &lt;dbl&gt; 266, 290, 262, 275, 240, 265, 265, 253, 246, 203, 289, 239, …
+$ mass_g    &lt;dbl&gt; 135, 185, 145, 160, 105, 145, 150, 130, 130, 71, 179, 108, 1…</a:t>
             </a:r>
           </a:p>
         </p:txBody>
@@ -4347,7 +4347,7 @@
                 </a:solidFill>
                 <a:latin typeface="Courier"/>
               </a:rPr>
-              <a:t>total_length_mm)</a:t>
+              <a:t>length_mm)</a:t>
             </a:r>
             <a:br/>
             <a:r>
@@ -4601,7 +4601,7 @@
                 </a:solidFill>
                 <a:latin typeface="Courier"/>
               </a:rPr>
-              <a:t>(total_length_mm, </a:t>
+              <a:t>(length_mm, </a:t>
             </a:r>
             <a:r>
               <a:rPr>
@@ -5060,7 +5060,7 @@
                 </a:solidFill>
                 <a:latin typeface="Courier"/>
               </a:rPr>
-              <a:t>total_length_mm)</a:t>
+              <a:t>length_mm)</a:t>
             </a:r>
             <a:br/>
             <a:r>
@@ -5278,7 +5278,7 @@
                 </a:solidFill>
                 <a:latin typeface="Courier"/>
               </a:rPr>
-              <a:t>(total_length_mm)) </a:t>
+              <a:t>(length_mm)) </a:t>
             </a:r>
             <a:r>
               <a:rPr>
@@ -5991,7 +5991,7 @@
                 </a:solidFill>
                 <a:latin typeface="Courier"/>
               </a:rPr>
-              <a:t>total_length_mm)</a:t>
+              <a:t>length_mm)</a:t>
             </a:r>
             <a:br/>
             <a:r>
@@ -6037,7 +6037,7 @@
                 </a:solidFill>
                 <a:latin typeface="Courier"/>
               </a:rPr>
-              <a:t>total_length_mm)</a:t>
+              <a:t>length_mm)</a:t>
             </a:r>
             <a:br/>
             <a:br/>
@@ -6427,7 +6427,7 @@
                 </a:solidFill>
                 <a:latin typeface="Courier"/>
               </a:rPr>
-              <a:t>(total_length_mm), </a:t>
+              <a:t>(length_mm), </a:t>
             </a:r>
             <a:br/>
             <a:r>
@@ -6473,7 +6473,7 @@
                 </a:solidFill>
                 <a:latin typeface="Courier"/>
               </a:rPr>
-              <a:t>(total_length_mm)</a:t>
+              <a:t>(length_mm)</a:t>
             </a:r>
             <a:br/>
             <a:r>
@@ -7148,7 +7148,7 @@
                 </a:solidFill>
                 <a:latin typeface="Courier"/>
               </a:rPr>
-              <a:t>total_length_mm)</a:t>
+              <a:t>length_mm)</a:t>
             </a:r>
             <a:br/>
             <a:r>
@@ -7194,7 +7194,7 @@
                 </a:solidFill>
                 <a:latin typeface="Courier"/>
               </a:rPr>
-              <a:t>total_length_mm)</a:t>
+              <a:t>length_mm)</a:t>
             </a:r>
             <a:br/>
             <a:br/>
@@ -7436,7 +7436,7 @@
                 </a:solidFill>
                 <a:latin typeface="Courier"/>
               </a:rPr>
-              <a:t>total_length_mm </a:t>
+              <a:t>length_mm </a:t>
             </a:r>
             <a:r>
               <a:rPr>
@@ -7500,7 +7500,7 @@
                 </a:solidFill>
                 <a:latin typeface="Courier"/>
               </a:rPr>
-              <a:t>total_length_mm </a:t>
+              <a:t>length_mm </a:t>
             </a:r>
             <a:r>
               <a:rPr>
@@ -7594,7 +7594,7 @@
                 </a:solidFill>
                 <a:latin typeface="Courier"/>
               </a:rPr>
-              <a:t> total_length_mm)) </a:t>
+              <a:t> length_mm)) </a:t>
             </a:r>
             <a:r>
               <a:rPr>
@@ -11236,7 +11236,7 @@
                 </a:solidFill>
                 <a:latin typeface="Courier"/>
               </a:rPr>
-              <a:t>total_length_mm) </a:t>
+              <a:t>length_mm) </a:t>
             </a:r>
             <a:r>
               <a:rPr>
@@ -11308,7 +11308,7 @@
                 </a:solidFill>
                 <a:latin typeface="Courier"/>
               </a:rPr>
-              <a:t>total_length_mm) </a:t>
+              <a:t>length_mm) </a:t>
             </a:r>
             <a:r>
               <a:rPr>
@@ -12640,7 +12640,7 @@
                 </a:solidFill>
                 <a:latin typeface="Courier"/>
               </a:rPr>
-              <a:t>(total_length_mm) </a:t>
+              <a:t>(length_mm) </a:t>
             </a:r>
             <a:r>
               <a:rPr>
@@ -12676,7 +12676,7 @@
                 </a:solidFill>
                 <a:latin typeface="Courier"/>
               </a:rPr>
-              <a:t>(total_length_mm) </a:t>
+              <a:t>(length_mm) </a:t>
             </a:r>
             <a:r>
               <a:rPr>
@@ -13465,7 +13465,7 @@
                 </a:solidFill>
                 <a:latin typeface="Courier"/>
               </a:rPr>
-              <a:t>total_length_mm, </a:t>
+              <a:t>length_mm, </a:t>
             </a:r>
             <a:r>
               <a:rPr>
@@ -13529,7 +13529,7 @@
                 </a:solidFill>
                 <a:latin typeface="Courier"/>
               </a:rPr>
-              <a:t>total_length_mm, </a:t>
+              <a:t>length_mm, </a:t>
             </a:r>
             <a:r>
               <a:rPr>
@@ -13593,7 +13593,7 @@
                 </a:solidFill>
                 <a:latin typeface="Courier"/>
               </a:rPr>
-              <a:t>total_length_mm)</a:t>
+              <a:t>length_mm)</a:t>
             </a:r>
             <a:br/>
             <a:br/>
@@ -13998,7 +13998,7 @@
                 </a:solidFill>
                 <a:latin typeface="Courier"/>
               </a:rPr>
-              <a:t>(total_length_mm, </a:t>
+              <a:t>(length_mm, </a:t>
             </a:r>
             <a:r>
               <a:rPr>
@@ -14062,7 +14062,7 @@
                 </a:solidFill>
                 <a:latin typeface="Courier"/>
               </a:rPr>
-              <a:t>(total_length_mm, </a:t>
+              <a:t>(length_mm, </a:t>
             </a:r>
             <a:r>
               <a:rPr>
@@ -14126,7 +14126,7 @@
                 </a:solidFill>
                 <a:latin typeface="Courier"/>
               </a:rPr>
-              <a:t>(total_length_mm)</a:t>
+              <a:t>(length_mm)</a:t>
             </a:r>
             <a:br/>
             <a:r>
@@ -17237,7 +17237,7 @@
                 </a:solidFill>
                 <a:latin typeface="Courier"/>
               </a:rPr>
-              <a:t> total_length_mm)) </a:t>
+              <a:t> length_mm)) </a:t>
             </a:r>
             <a:r>
               <a:rPr>
@@ -17631,7 +17631,7 @@
                 </a:solidFill>
                 <a:latin typeface="Courier"/>
               </a:rPr>
-              <a:t> total_length_mm, </a:t>
+              <a:t> length_mm, </a:t>
             </a:r>
             <a:r>
               <a:rPr>
@@ -18201,7 +18201,7 @@
                 </a:solidFill>
                 <a:latin typeface="Courier"/>
               </a:rPr>
-              <a:t>(total_length_mm),</a:t>
+              <a:t>(length_mm),</a:t>
             </a:r>
             <a:br/>
             <a:r>
@@ -18247,7 +18247,7 @@
                 </a:solidFill>
                 <a:latin typeface="Courier"/>
               </a:rPr>
-              <a:t>(total_length_mm),</a:t>
+              <a:t>(length_mm),</a:t>
             </a:r>
             <a:br/>
             <a:r>
@@ -18293,7 +18293,7 @@
                 </a:solidFill>
                 <a:latin typeface="Courier"/>
               </a:rPr>
-              <a:t>(total_length_mm),</a:t>
+              <a:t>(length_mm),</a:t>
             </a:r>
             <a:br/>
             <a:r>
@@ -18339,7 +18339,7 @@
                 </a:solidFill>
                 <a:latin typeface="Courier"/>
               </a:rPr>
-              <a:t>(total_length_mm),</a:t>
+              <a:t>(length_mm),</a:t>
             </a:r>
             <a:br/>
             <a:r>
@@ -18394,7 +18394,7 @@
                 </a:solidFill>
                 <a:latin typeface="Courier"/>
               </a:rPr>
-              <a:t>(total_length_mm)</a:t>
+              <a:t>(length_mm)</a:t>
             </a:r>
             <a:br/>
             <a:r>
@@ -19048,7 +19048,7 @@
                 </a:solidFill>
                 <a:latin typeface="Courier"/>
               </a:rPr>
-              <a:t> total_length_mm, </a:t>
+              <a:t> length_mm, </a:t>
             </a:r>
             <a:r>
               <a:rPr>
@@ -20329,7 +20329,7 @@
                 </a:solidFill>
                 <a:latin typeface="Courier"/>
               </a:rPr>
-              <a:t>(total_length_mm),</a:t>
+              <a:t>(length_mm),</a:t>
             </a:r>
             <a:br/>
             <a:r>
@@ -20375,7 +20375,7 @@
                 </a:solidFill>
                 <a:latin typeface="Courier"/>
               </a:rPr>
-              <a:t>(total_length_mm),</a:t>
+              <a:t>(length_mm),</a:t>
             </a:r>
             <a:br/>
             <a:r>
@@ -20421,7 +20421,7 @@
                 </a:solidFill>
                 <a:latin typeface="Courier"/>
               </a:rPr>
-              <a:t>(total_length_mm) </a:t>
+              <a:t>(length_mm) </a:t>
             </a:r>
             <a:r>
               <a:rPr>
@@ -20457,7 +20457,7 @@
                 </a:solidFill>
                 <a:latin typeface="Courier"/>
               </a:rPr>
-              <a:t>(total_length_mm)</a:t>
+              <a:t>(length_mm)</a:t>
             </a:r>
             <a:br/>
             <a:r>
@@ -21233,7 +21233,7 @@
                 </a:solidFill>
                 <a:latin typeface="Courier"/>
               </a:rPr>
-              <a:t>total_length_mm, </a:t>
+              <a:t>length_mm, </a:t>
             </a:r>
             <a:br/>
             <a:r>
@@ -23960,7 +23960,7 @@
                 </a:solidFill>
                 <a:latin typeface="Courier"/>
               </a:rPr>
-              <a:t>total_length_mm))</a:t>
+              <a:t>length_mm))</a:t>
             </a:r>
             <a:br/>
             <a:r>
@@ -24676,7 +24676,7 @@
                 </a:solidFill>
                 <a:latin typeface="Courier"/>
               </a:rPr>
-              <a:t>total_length_mm), </a:t>
+              <a:t>length_mm), </a:t>
             </a:r>
             <a:br/>
             <a:r>
@@ -24903,7 +24903,7 @@
                 </a:solidFill>
                 <a:latin typeface="Courier"/>
               </a:rPr>
-              <a:t>total_length_mm) </a:t>
+              <a:t>length_mm) </a:t>
             </a:r>
             <a:r>
               <a:rPr>
@@ -25724,7 +25724,7 @@
                 </a:solidFill>
                 <a:latin typeface="Courier"/>
               </a:rPr>
-              <a:t>(total_length_mm),</a:t>
+              <a:t>(length_mm),</a:t>
             </a:r>
             <a:br/>
             <a:r>
@@ -25770,7 +25770,7 @@
                 </a:solidFill>
                 <a:latin typeface="Courier"/>
               </a:rPr>
-              <a:t>(total_length_mm),</a:t>
+              <a:t>(length_mm),</a:t>
             </a:r>
             <a:br/>
             <a:r>
@@ -27695,7 +27695,7 @@
                 </a:solidFill>
                 <a:latin typeface="Courier"/>
               </a:rPr>
-              <a:t>total_length_mm), </a:t>
+              <a:t>length_mm), </a:t>
             </a:r>
             <a:br/>
             <a:r>
@@ -27922,7 +27922,7 @@
                 </a:solidFill>
                 <a:latin typeface="Courier"/>
               </a:rPr>
-              <a:t>total_length_mm) </a:t>
+              <a:t>length_mm) </a:t>
             </a:r>
             <a:r>
               <a:rPr>
@@ -28965,7 +28965,7 @@
                 </a:solidFill>
                 <a:latin typeface="Courier"/>
               </a:rPr>
-              <a:t>total_length_mm) </a:t>
+              <a:t>length_mm) </a:t>
             </a:r>
             <a:r>
               <a:rPr>
@@ -30390,7 +30390,7 @@
                 </a:solidFill>
                 <a:latin typeface="Courier"/>
               </a:rPr>
-              <a:t>(total_length_mm),</a:t>
+              <a:t>(length_mm),</a:t>
             </a:r>
             <a:br/>
             <a:r>
@@ -30436,7 +30436,7 @@
                 </a:solidFill>
                 <a:latin typeface="Courier"/>
               </a:rPr>
-              <a:t>(total_length_mm),</a:t>
+              <a:t>(length_mm),</a:t>
             </a:r>
             <a:br/>
             <a:r>
@@ -31606,7 +31606,7 @@
                 </a:solidFill>
                 <a:latin typeface="Courier"/>
               </a:rPr>
-              <a:t>(total_length_mm),</a:t>
+              <a:t>(length_mm),</a:t>
             </a:r>
             <a:br/>
             <a:r>
@@ -31652,7 +31652,7 @@
                 </a:solidFill>
                 <a:latin typeface="Courier"/>
               </a:rPr>
-              <a:t>(total_length_mm),</a:t>
+              <a:t>(length_mm),</a:t>
             </a:r>
             <a:br/>
             <a:r>
